--- a/presentation/What the Symfony.pptx
+++ b/presentation/What the Symfony.pptx
@@ -2,8 +2,11 @@
 <file path=ppt/presentation.xml><?xml version="1.0" encoding="utf-8"?>
 <p:presentation xmlns:a="http://schemas.openxmlformats.org/drawingml/2006/main" xmlns:r="http://schemas.openxmlformats.org/officeDocument/2006/relationships" xmlns:p="http://schemas.openxmlformats.org/presentationml/2006/main" saveSubsetFonts="1">
   <p:sldMasterIdLst>
-    <p:sldMasterId id="2147483648" r:id="rId1"/>
+    <p:sldMasterId id="2147483684" r:id="rId1"/>
   </p:sldMasterIdLst>
+  <p:notesMasterIdLst>
+    <p:notesMasterId r:id="rId13"/>
+  </p:notesMasterIdLst>
   <p:sldIdLst>
     <p:sldId id="256" r:id="rId2"/>
     <p:sldId id="257" r:id="rId3"/>
@@ -11,14 +14,19 @@
     <p:sldId id="259" r:id="rId5"/>
     <p:sldId id="260" r:id="rId6"/>
     <p:sldId id="262" r:id="rId7"/>
+    <p:sldId id="265" r:id="rId8"/>
+    <p:sldId id="263" r:id="rId9"/>
+    <p:sldId id="264" r:id="rId10"/>
+    <p:sldId id="266" r:id="rId11"/>
+    <p:sldId id="267" r:id="rId12"/>
   </p:sldIdLst>
   <p:sldSz cx="12192000" cy="6858000"/>
   <p:notesSz cx="6858000" cy="9144000"/>
   <p:defaultTextStyle>
     <a:defPPr>
-      <a:defRPr lang="fr-FR"/>
+      <a:defRPr lang="en-US"/>
     </a:defPPr>
-    <a:lvl1pPr marL="0" algn="l" defTabSz="914400" rtl="0" eaLnBrk="1" latinLnBrk="0" hangingPunct="1">
+    <a:lvl1pPr marL="0" algn="l" defTabSz="457200" rtl="0" eaLnBrk="1" latinLnBrk="0" hangingPunct="1">
       <a:defRPr sz="1800" kern="1200">
         <a:solidFill>
           <a:schemeClr val="tx1"/>
@@ -28,7 +36,7 @@
         <a:cs typeface="+mn-cs"/>
       </a:defRPr>
     </a:lvl1pPr>
-    <a:lvl2pPr marL="457200" algn="l" defTabSz="914400" rtl="0" eaLnBrk="1" latinLnBrk="0" hangingPunct="1">
+    <a:lvl2pPr marL="457200" algn="l" defTabSz="457200" rtl="0" eaLnBrk="1" latinLnBrk="0" hangingPunct="1">
       <a:defRPr sz="1800" kern="1200">
         <a:solidFill>
           <a:schemeClr val="tx1"/>
@@ -38,7 +46,7 @@
         <a:cs typeface="+mn-cs"/>
       </a:defRPr>
     </a:lvl2pPr>
-    <a:lvl3pPr marL="914400" algn="l" defTabSz="914400" rtl="0" eaLnBrk="1" latinLnBrk="0" hangingPunct="1">
+    <a:lvl3pPr marL="914400" algn="l" defTabSz="457200" rtl="0" eaLnBrk="1" latinLnBrk="0" hangingPunct="1">
       <a:defRPr sz="1800" kern="1200">
         <a:solidFill>
           <a:schemeClr val="tx1"/>
@@ -48,7 +56,7 @@
         <a:cs typeface="+mn-cs"/>
       </a:defRPr>
     </a:lvl3pPr>
-    <a:lvl4pPr marL="1371600" algn="l" defTabSz="914400" rtl="0" eaLnBrk="1" latinLnBrk="0" hangingPunct="1">
+    <a:lvl4pPr marL="1371600" algn="l" defTabSz="457200" rtl="0" eaLnBrk="1" latinLnBrk="0" hangingPunct="1">
       <a:defRPr sz="1800" kern="1200">
         <a:solidFill>
           <a:schemeClr val="tx1"/>
@@ -58,7 +66,7 @@
         <a:cs typeface="+mn-cs"/>
       </a:defRPr>
     </a:lvl4pPr>
-    <a:lvl5pPr marL="1828800" algn="l" defTabSz="914400" rtl="0" eaLnBrk="1" latinLnBrk="0" hangingPunct="1">
+    <a:lvl5pPr marL="1828800" algn="l" defTabSz="457200" rtl="0" eaLnBrk="1" latinLnBrk="0" hangingPunct="1">
       <a:defRPr sz="1800" kern="1200">
         <a:solidFill>
           <a:schemeClr val="tx1"/>
@@ -68,7 +76,7 @@
         <a:cs typeface="+mn-cs"/>
       </a:defRPr>
     </a:lvl5pPr>
-    <a:lvl6pPr marL="2286000" algn="l" defTabSz="914400" rtl="0" eaLnBrk="1" latinLnBrk="0" hangingPunct="1">
+    <a:lvl6pPr marL="2286000" algn="l" defTabSz="457200" rtl="0" eaLnBrk="1" latinLnBrk="0" hangingPunct="1">
       <a:defRPr sz="1800" kern="1200">
         <a:solidFill>
           <a:schemeClr val="tx1"/>
@@ -78,7 +86,7 @@
         <a:cs typeface="+mn-cs"/>
       </a:defRPr>
     </a:lvl6pPr>
-    <a:lvl7pPr marL="2743200" algn="l" defTabSz="914400" rtl="0" eaLnBrk="1" latinLnBrk="0" hangingPunct="1">
+    <a:lvl7pPr marL="2743200" algn="l" defTabSz="457200" rtl="0" eaLnBrk="1" latinLnBrk="0" hangingPunct="1">
       <a:defRPr sz="1800" kern="1200">
         <a:solidFill>
           <a:schemeClr val="tx1"/>
@@ -88,7 +96,7 @@
         <a:cs typeface="+mn-cs"/>
       </a:defRPr>
     </a:lvl7pPr>
-    <a:lvl8pPr marL="3200400" algn="l" defTabSz="914400" rtl="0" eaLnBrk="1" latinLnBrk="0" hangingPunct="1">
+    <a:lvl8pPr marL="3200400" algn="l" defTabSz="457200" rtl="0" eaLnBrk="1" latinLnBrk="0" hangingPunct="1">
       <a:defRPr sz="1800" kern="1200">
         <a:solidFill>
           <a:schemeClr val="tx1"/>
@@ -98,7 +106,7 @@
         <a:cs typeface="+mn-cs"/>
       </a:defRPr>
     </a:lvl8pPr>
-    <a:lvl9pPr marL="3657600" algn="l" defTabSz="914400" rtl="0" eaLnBrk="1" latinLnBrk="0" hangingPunct="1">
+    <a:lvl9pPr marL="3657600" algn="l" defTabSz="457200" rtl="0" eaLnBrk="1" latinLnBrk="0" hangingPunct="1">
       <a:defRPr sz="1800" kern="1200">
         <a:solidFill>
           <a:schemeClr val="tx1"/>
@@ -115,6 +123,355 @@
     </p:ext>
   </p:extLst>
 </p:presentation>
+</file>
+
+<file path=ppt/notesMasters/notesMaster1.xml><?xml version="1.0" encoding="utf-8"?>
+<p:notesMaster xmlns:a="http://schemas.openxmlformats.org/drawingml/2006/main" xmlns:r="http://schemas.openxmlformats.org/officeDocument/2006/relationships" xmlns:p="http://schemas.openxmlformats.org/presentationml/2006/main">
+  <p:cSld>
+    <p:bg>
+      <p:bgRef idx="1001">
+        <a:schemeClr val="bg1"/>
+      </p:bgRef>
+    </p:bg>
+    <p:spTree>
+      <p:nvGrpSpPr>
+        <p:cNvPr id="1" name=""/>
+        <p:cNvGrpSpPr/>
+        <p:nvPr/>
+      </p:nvGrpSpPr>
+      <p:grpSpPr>
+        <a:xfrm>
+          <a:off x="0" y="0"/>
+          <a:ext cx="0" cy="0"/>
+          <a:chOff x="0" y="0"/>
+          <a:chExt cx="0" cy="0"/>
+        </a:xfrm>
+      </p:grpSpPr>
+      <p:sp>
+        <p:nvSpPr>
+          <p:cNvPr id="2" name="Espace réservé de l'en-tête 1"/>
+          <p:cNvSpPr>
+            <a:spLocks noGrp="1"/>
+          </p:cNvSpPr>
+          <p:nvPr>
+            <p:ph type="hdr" sz="quarter"/>
+          </p:nvPr>
+        </p:nvSpPr>
+        <p:spPr>
+          <a:xfrm>
+            <a:off x="0" y="0"/>
+            <a:ext cx="2971800" cy="458788"/>
+          </a:xfrm>
+          <a:prstGeom prst="rect">
+            <a:avLst/>
+          </a:prstGeom>
+        </p:spPr>
+        <p:txBody>
+          <a:bodyPr vert="horz" lIns="91440" tIns="45720" rIns="91440" bIns="45720" rtlCol="0"/>
+          <a:lstStyle>
+            <a:lvl1pPr algn="l">
+              <a:defRPr sz="1200"/>
+            </a:lvl1pPr>
+          </a:lstStyle>
+          <a:p>
+            <a:endParaRPr lang="fr-FR"/>
+          </a:p>
+        </p:txBody>
+      </p:sp>
+      <p:sp>
+        <p:nvSpPr>
+          <p:cNvPr id="3" name="Espace réservé de la date 2"/>
+          <p:cNvSpPr>
+            <a:spLocks noGrp="1"/>
+          </p:cNvSpPr>
+          <p:nvPr>
+            <p:ph type="dt" idx="1"/>
+          </p:nvPr>
+        </p:nvSpPr>
+        <p:spPr>
+          <a:xfrm>
+            <a:off x="3884613" y="0"/>
+            <a:ext cx="2971800" cy="458788"/>
+          </a:xfrm>
+          <a:prstGeom prst="rect">
+            <a:avLst/>
+          </a:prstGeom>
+        </p:spPr>
+        <p:txBody>
+          <a:bodyPr vert="horz" lIns="91440" tIns="45720" rIns="91440" bIns="45720" rtlCol="0"/>
+          <a:lstStyle>
+            <a:lvl1pPr algn="r">
+              <a:defRPr sz="1200"/>
+            </a:lvl1pPr>
+          </a:lstStyle>
+          <a:p>
+            <a:fld id="{43662A19-BB1D-4901-88DC-6346E3F1E260}" type="datetimeFigureOut">
+              <a:rPr lang="fr-FR" smtClean="0"/>
+              <a:t>22/10/2022</a:t>
+            </a:fld>
+            <a:endParaRPr lang="fr-FR"/>
+          </a:p>
+        </p:txBody>
+      </p:sp>
+      <p:sp>
+        <p:nvSpPr>
+          <p:cNvPr id="4" name="Espace réservé de l'image des diapositives 3"/>
+          <p:cNvSpPr>
+            <a:spLocks noGrp="1" noRot="1" noChangeAspect="1"/>
+          </p:cNvSpPr>
+          <p:nvPr>
+            <p:ph type="sldImg" idx="2"/>
+          </p:nvPr>
+        </p:nvSpPr>
+        <p:spPr>
+          <a:xfrm>
+            <a:off x="685800" y="1143000"/>
+            <a:ext cx="5486400" cy="3086100"/>
+          </a:xfrm>
+          <a:prstGeom prst="rect">
+            <a:avLst/>
+          </a:prstGeom>
+          <a:noFill/>
+          <a:ln w="12700">
+            <a:solidFill>
+              <a:prstClr val="black"/>
+            </a:solidFill>
+          </a:ln>
+        </p:spPr>
+        <p:txBody>
+          <a:bodyPr vert="horz" lIns="91440" tIns="45720" rIns="91440" bIns="45720" rtlCol="0" anchor="ctr"/>
+          <a:lstStyle/>
+          <a:p>
+            <a:endParaRPr lang="fr-FR"/>
+          </a:p>
+        </p:txBody>
+      </p:sp>
+      <p:sp>
+        <p:nvSpPr>
+          <p:cNvPr id="5" name="Espace réservé des notes 4"/>
+          <p:cNvSpPr>
+            <a:spLocks noGrp="1"/>
+          </p:cNvSpPr>
+          <p:nvPr>
+            <p:ph type="body" sz="quarter" idx="3"/>
+          </p:nvPr>
+        </p:nvSpPr>
+        <p:spPr>
+          <a:xfrm>
+            <a:off x="685800" y="4400550"/>
+            <a:ext cx="5486400" cy="3600450"/>
+          </a:xfrm>
+          <a:prstGeom prst="rect">
+            <a:avLst/>
+          </a:prstGeom>
+        </p:spPr>
+        <p:txBody>
+          <a:bodyPr vert="horz" lIns="91440" tIns="45720" rIns="91440" bIns="45720" rtlCol="0"/>
+          <a:lstStyle/>
+          <a:p>
+            <a:pPr lvl="0"/>
+            <a:r>
+              <a:rPr lang="fr-FR"/>
+              <a:t>Cliquez pour modifier les styles du texte du masque</a:t>
+            </a:r>
+          </a:p>
+          <a:p>
+            <a:pPr lvl="1"/>
+            <a:r>
+              <a:rPr lang="fr-FR"/>
+              <a:t>Deuxième niveau</a:t>
+            </a:r>
+          </a:p>
+          <a:p>
+            <a:pPr lvl="2"/>
+            <a:r>
+              <a:rPr lang="fr-FR"/>
+              <a:t>Troisième niveau</a:t>
+            </a:r>
+          </a:p>
+          <a:p>
+            <a:pPr lvl="3"/>
+            <a:r>
+              <a:rPr lang="fr-FR"/>
+              <a:t>Quatrième niveau</a:t>
+            </a:r>
+          </a:p>
+          <a:p>
+            <a:pPr lvl="4"/>
+            <a:r>
+              <a:rPr lang="fr-FR"/>
+              <a:t>Cinquième niveau</a:t>
+            </a:r>
+          </a:p>
+        </p:txBody>
+      </p:sp>
+      <p:sp>
+        <p:nvSpPr>
+          <p:cNvPr id="6" name="Espace réservé du pied de page 5"/>
+          <p:cNvSpPr>
+            <a:spLocks noGrp="1"/>
+          </p:cNvSpPr>
+          <p:nvPr>
+            <p:ph type="ftr" sz="quarter" idx="4"/>
+          </p:nvPr>
+        </p:nvSpPr>
+        <p:spPr>
+          <a:xfrm>
+            <a:off x="0" y="8685213"/>
+            <a:ext cx="2971800" cy="458787"/>
+          </a:xfrm>
+          <a:prstGeom prst="rect">
+            <a:avLst/>
+          </a:prstGeom>
+        </p:spPr>
+        <p:txBody>
+          <a:bodyPr vert="horz" lIns="91440" tIns="45720" rIns="91440" bIns="45720" rtlCol="0" anchor="b"/>
+          <a:lstStyle>
+            <a:lvl1pPr algn="l">
+              <a:defRPr sz="1200"/>
+            </a:lvl1pPr>
+          </a:lstStyle>
+          <a:p>
+            <a:endParaRPr lang="fr-FR"/>
+          </a:p>
+        </p:txBody>
+      </p:sp>
+      <p:sp>
+        <p:nvSpPr>
+          <p:cNvPr id="7" name="Espace réservé du numéro de diapositive 6"/>
+          <p:cNvSpPr>
+            <a:spLocks noGrp="1"/>
+          </p:cNvSpPr>
+          <p:nvPr>
+            <p:ph type="sldNum" sz="quarter" idx="5"/>
+          </p:nvPr>
+        </p:nvSpPr>
+        <p:spPr>
+          <a:xfrm>
+            <a:off x="3884613" y="8685213"/>
+            <a:ext cx="2971800" cy="458787"/>
+          </a:xfrm>
+          <a:prstGeom prst="rect">
+            <a:avLst/>
+          </a:prstGeom>
+        </p:spPr>
+        <p:txBody>
+          <a:bodyPr vert="horz" lIns="91440" tIns="45720" rIns="91440" bIns="45720" rtlCol="0" anchor="b"/>
+          <a:lstStyle>
+            <a:lvl1pPr algn="r">
+              <a:defRPr sz="1200"/>
+            </a:lvl1pPr>
+          </a:lstStyle>
+          <a:p>
+            <a:fld id="{E3E33530-45EA-4AF8-9A70-9B97ACAC28DA}" type="slidenum">
+              <a:rPr lang="fr-FR" smtClean="0"/>
+              <a:t>‹N°›</a:t>
+            </a:fld>
+            <a:endParaRPr lang="fr-FR"/>
+          </a:p>
+        </p:txBody>
+      </p:sp>
+    </p:spTree>
+    <p:extLst>
+      <p:ext uri="{BB962C8B-B14F-4D97-AF65-F5344CB8AC3E}">
+        <p14:creationId xmlns:p14="http://schemas.microsoft.com/office/powerpoint/2010/main" val="3777587104"/>
+      </p:ext>
+    </p:extLst>
+  </p:cSld>
+  <p:clrMap bg1="lt1" tx1="dk1" bg2="lt2" tx2="dk2" accent1="accent1" accent2="accent2" accent3="accent3" accent4="accent4" accent5="accent5" accent6="accent6" hlink="hlink" folHlink="folHlink"/>
+  <p:notesStyle>
+    <a:lvl1pPr marL="0" algn="l" defTabSz="914400" rtl="0" eaLnBrk="1" latinLnBrk="0" hangingPunct="1">
+      <a:defRPr sz="1200" kern="1200">
+        <a:solidFill>
+          <a:schemeClr val="tx1"/>
+        </a:solidFill>
+        <a:latin typeface="+mn-lt"/>
+        <a:ea typeface="+mn-ea"/>
+        <a:cs typeface="+mn-cs"/>
+      </a:defRPr>
+    </a:lvl1pPr>
+    <a:lvl2pPr marL="457200" algn="l" defTabSz="914400" rtl="0" eaLnBrk="1" latinLnBrk="0" hangingPunct="1">
+      <a:defRPr sz="1200" kern="1200">
+        <a:solidFill>
+          <a:schemeClr val="tx1"/>
+        </a:solidFill>
+        <a:latin typeface="+mn-lt"/>
+        <a:ea typeface="+mn-ea"/>
+        <a:cs typeface="+mn-cs"/>
+      </a:defRPr>
+    </a:lvl2pPr>
+    <a:lvl3pPr marL="914400" algn="l" defTabSz="914400" rtl="0" eaLnBrk="1" latinLnBrk="0" hangingPunct="1">
+      <a:defRPr sz="1200" kern="1200">
+        <a:solidFill>
+          <a:schemeClr val="tx1"/>
+        </a:solidFill>
+        <a:latin typeface="+mn-lt"/>
+        <a:ea typeface="+mn-ea"/>
+        <a:cs typeface="+mn-cs"/>
+      </a:defRPr>
+    </a:lvl3pPr>
+    <a:lvl4pPr marL="1371600" algn="l" defTabSz="914400" rtl="0" eaLnBrk="1" latinLnBrk="0" hangingPunct="1">
+      <a:defRPr sz="1200" kern="1200">
+        <a:solidFill>
+          <a:schemeClr val="tx1"/>
+        </a:solidFill>
+        <a:latin typeface="+mn-lt"/>
+        <a:ea typeface="+mn-ea"/>
+        <a:cs typeface="+mn-cs"/>
+      </a:defRPr>
+    </a:lvl4pPr>
+    <a:lvl5pPr marL="1828800" algn="l" defTabSz="914400" rtl="0" eaLnBrk="1" latinLnBrk="0" hangingPunct="1">
+      <a:defRPr sz="1200" kern="1200">
+        <a:solidFill>
+          <a:schemeClr val="tx1"/>
+        </a:solidFill>
+        <a:latin typeface="+mn-lt"/>
+        <a:ea typeface="+mn-ea"/>
+        <a:cs typeface="+mn-cs"/>
+      </a:defRPr>
+    </a:lvl5pPr>
+    <a:lvl6pPr marL="2286000" algn="l" defTabSz="914400" rtl="0" eaLnBrk="1" latinLnBrk="0" hangingPunct="1">
+      <a:defRPr sz="1200" kern="1200">
+        <a:solidFill>
+          <a:schemeClr val="tx1"/>
+        </a:solidFill>
+        <a:latin typeface="+mn-lt"/>
+        <a:ea typeface="+mn-ea"/>
+        <a:cs typeface="+mn-cs"/>
+      </a:defRPr>
+    </a:lvl6pPr>
+    <a:lvl7pPr marL="2743200" algn="l" defTabSz="914400" rtl="0" eaLnBrk="1" latinLnBrk="0" hangingPunct="1">
+      <a:defRPr sz="1200" kern="1200">
+        <a:solidFill>
+          <a:schemeClr val="tx1"/>
+        </a:solidFill>
+        <a:latin typeface="+mn-lt"/>
+        <a:ea typeface="+mn-ea"/>
+        <a:cs typeface="+mn-cs"/>
+      </a:defRPr>
+    </a:lvl7pPr>
+    <a:lvl8pPr marL="3200400" algn="l" defTabSz="914400" rtl="0" eaLnBrk="1" latinLnBrk="0" hangingPunct="1">
+      <a:defRPr sz="1200" kern="1200">
+        <a:solidFill>
+          <a:schemeClr val="tx1"/>
+        </a:solidFill>
+        <a:latin typeface="+mn-lt"/>
+        <a:ea typeface="+mn-ea"/>
+        <a:cs typeface="+mn-cs"/>
+      </a:defRPr>
+    </a:lvl8pPr>
+    <a:lvl9pPr marL="3657600" algn="l" defTabSz="914400" rtl="0" eaLnBrk="1" latinLnBrk="0" hangingPunct="1">
+      <a:defRPr sz="1200" kern="1200">
+        <a:solidFill>
+          <a:schemeClr val="tx1"/>
+        </a:solidFill>
+        <a:latin typeface="+mn-lt"/>
+        <a:ea typeface="+mn-ea"/>
+        <a:cs typeface="+mn-cs"/>
+      </a:defRPr>
+    </a:lvl9pPr>
+  </p:notesStyle>
+</p:notesMaster>
 </file>
 
 <file path=ppt/slideLayouts/slideLayout1.xml><?xml version="1.0" encoding="utf-8"?>
@@ -136,7 +493,7 @@
       </p:grpSpPr>
       <p:sp>
         <p:nvSpPr>
-          <p:cNvPr id="2" name="Titre 1"/>
+          <p:cNvPr id="2" name="Title 1"/>
           <p:cNvSpPr>
             <a:spLocks noGrp="1"/>
           </p:cNvSpPr>
@@ -162,12 +519,13 @@
               <a:rPr lang="fr-FR"/>
               <a:t>Modifiez le style du titre</a:t>
             </a:r>
-          </a:p>
-        </p:txBody>
-      </p:sp>
-      <p:sp>
-        <p:nvSpPr>
-          <p:cNvPr id="3" name="Sous-titre 2"/>
+            <a:endParaRPr lang="en-US" dirty="0"/>
+          </a:p>
+        </p:txBody>
+      </p:sp>
+      <p:sp>
+        <p:nvSpPr>
+          <p:cNvPr id="3" name="Subtitle 2"/>
           <p:cNvSpPr>
             <a:spLocks noGrp="1"/>
           </p:cNvSpPr>
@@ -224,14 +582,15 @@
           <a:p>
             <a:r>
               <a:rPr lang="fr-FR"/>
-              <a:t>Modifier le style des sous-titres du masque</a:t>
-            </a:r>
-          </a:p>
-        </p:txBody>
-      </p:sp>
-      <p:sp>
-        <p:nvSpPr>
-          <p:cNvPr id="4" name="Espace réservé de la date 3"/>
+              <a:t>Modifiez le style des sous-titres du masque</a:t>
+            </a:r>
+            <a:endParaRPr lang="en-US" dirty="0"/>
+          </a:p>
+        </p:txBody>
+      </p:sp>
+      <p:sp>
+        <p:nvSpPr>
+          <p:cNvPr id="4" name="Date Placeholder 3"/>
           <p:cNvSpPr>
             <a:spLocks noGrp="1"/>
           </p:cNvSpPr>
@@ -246,7 +605,7 @@
           <a:p>
             <a:fld id="{02212410-6C7B-4010-8919-3F1D6AB0C558}" type="datetimeFigureOut">
               <a:rPr lang="fr-FR" smtClean="0"/>
-              <a:t>18/10/2022</a:t>
+              <a:t>22/10/2022</a:t>
             </a:fld>
             <a:endParaRPr lang="fr-FR"/>
           </a:p>
@@ -254,7 +613,7 @@
       </p:sp>
       <p:sp>
         <p:nvSpPr>
-          <p:cNvPr id="5" name="Espace réservé du pied de page 4"/>
+          <p:cNvPr id="5" name="Footer Placeholder 4"/>
           <p:cNvSpPr>
             <a:spLocks noGrp="1"/>
           </p:cNvSpPr>
@@ -273,7 +632,7 @@
       </p:sp>
       <p:sp>
         <p:nvSpPr>
-          <p:cNvPr id="6" name="Espace réservé du numéro de diapositive 5"/>
+          <p:cNvPr id="6" name="Slide Number Placeholder 5"/>
           <p:cNvSpPr>
             <a:spLocks noGrp="1"/>
           </p:cNvSpPr>
@@ -297,13 +656,25 @@
     </p:spTree>
     <p:extLst>
       <p:ext uri="{BB962C8B-B14F-4D97-AF65-F5344CB8AC3E}">
-        <p14:creationId xmlns:p14="http://schemas.microsoft.com/office/powerpoint/2010/main" val="4125010533"/>
+        <p14:creationId xmlns:p14="http://schemas.microsoft.com/office/powerpoint/2010/main" val="3018693644"/>
       </p:ext>
     </p:extLst>
   </p:cSld>
   <p:clrMapOvr>
     <a:masterClrMapping/>
   </p:clrMapOvr>
+  <mc:AlternateContent xmlns:mc="http://schemas.openxmlformats.org/markup-compatibility/2006">
+    <mc:Choice xmlns:p14="http://schemas.microsoft.com/office/powerpoint/2010/main" Requires="p14">
+      <p:transition spd="slow" p14:dur="1500">
+        <p:split orient="vert"/>
+      </p:transition>
+    </mc:Choice>
+    <mc:Fallback>
+      <p:transition spd="slow">
+        <p:split orient="vert"/>
+      </p:transition>
+    </mc:Fallback>
+  </mc:AlternateContent>
 </p:sldLayout>
 </file>
 
@@ -326,7 +697,7 @@
       </p:grpSpPr>
       <p:sp>
         <p:nvSpPr>
-          <p:cNvPr id="2" name="Titre 1"/>
+          <p:cNvPr id="2" name="Title 1"/>
           <p:cNvSpPr>
             <a:spLocks noGrp="1"/>
           </p:cNvSpPr>
@@ -343,12 +714,13 @@
               <a:rPr lang="fr-FR"/>
               <a:t>Modifiez le style du titre</a:t>
             </a:r>
-          </a:p>
-        </p:txBody>
-      </p:sp>
-      <p:sp>
-        <p:nvSpPr>
-          <p:cNvPr id="3" name="Espace réservé du texte vertical 2"/>
+            <a:endParaRPr lang="en-US" dirty="0"/>
+          </a:p>
+        </p:txBody>
+      </p:sp>
+      <p:sp>
+        <p:nvSpPr>
+          <p:cNvPr id="3" name="Vertical Text Placeholder 2"/>
           <p:cNvSpPr>
             <a:spLocks noGrp="1"/>
           </p:cNvSpPr>
@@ -364,7 +736,7 @@
             <a:pPr lvl="0"/>
             <a:r>
               <a:rPr lang="fr-FR"/>
-              <a:t>Modifier les styles du texte du masque</a:t>
+              <a:t>Cliquez pour modifier les styles du texte du masque</a:t>
             </a:r>
           </a:p>
           <a:p>
@@ -394,12 +766,13 @@
               <a:rPr lang="fr-FR"/>
               <a:t>Cinquième niveau</a:t>
             </a:r>
-          </a:p>
-        </p:txBody>
-      </p:sp>
-      <p:sp>
-        <p:nvSpPr>
-          <p:cNvPr id="4" name="Espace réservé de la date 3"/>
+            <a:endParaRPr lang="en-US" dirty="0"/>
+          </a:p>
+        </p:txBody>
+      </p:sp>
+      <p:sp>
+        <p:nvSpPr>
+          <p:cNvPr id="4" name="Date Placeholder 3"/>
           <p:cNvSpPr>
             <a:spLocks noGrp="1"/>
           </p:cNvSpPr>
@@ -414,7 +787,7 @@
           <a:p>
             <a:fld id="{02212410-6C7B-4010-8919-3F1D6AB0C558}" type="datetimeFigureOut">
               <a:rPr lang="fr-FR" smtClean="0"/>
-              <a:t>18/10/2022</a:t>
+              <a:t>22/10/2022</a:t>
             </a:fld>
             <a:endParaRPr lang="fr-FR"/>
           </a:p>
@@ -422,7 +795,7 @@
       </p:sp>
       <p:sp>
         <p:nvSpPr>
-          <p:cNvPr id="5" name="Espace réservé du pied de page 4"/>
+          <p:cNvPr id="5" name="Footer Placeholder 4"/>
           <p:cNvSpPr>
             <a:spLocks noGrp="1"/>
           </p:cNvSpPr>
@@ -441,7 +814,7 @@
       </p:sp>
       <p:sp>
         <p:nvSpPr>
-          <p:cNvPr id="6" name="Espace réservé du numéro de diapositive 5"/>
+          <p:cNvPr id="6" name="Slide Number Placeholder 5"/>
           <p:cNvSpPr>
             <a:spLocks noGrp="1"/>
           </p:cNvSpPr>
@@ -465,13 +838,25 @@
     </p:spTree>
     <p:extLst>
       <p:ext uri="{BB962C8B-B14F-4D97-AF65-F5344CB8AC3E}">
-        <p14:creationId xmlns:p14="http://schemas.microsoft.com/office/powerpoint/2010/main" val="2749815472"/>
+        <p14:creationId xmlns:p14="http://schemas.microsoft.com/office/powerpoint/2010/main" val="1132062594"/>
       </p:ext>
     </p:extLst>
   </p:cSld>
   <p:clrMapOvr>
     <a:masterClrMapping/>
   </p:clrMapOvr>
+  <mc:AlternateContent xmlns:mc="http://schemas.openxmlformats.org/markup-compatibility/2006">
+    <mc:Choice xmlns:p14="http://schemas.microsoft.com/office/powerpoint/2010/main" Requires="p14">
+      <p:transition spd="slow" p14:dur="1500">
+        <p:split orient="vert"/>
+      </p:transition>
+    </mc:Choice>
+    <mc:Fallback>
+      <p:transition spd="slow">
+        <p:split orient="vert"/>
+      </p:transition>
+    </mc:Fallback>
+  </mc:AlternateContent>
 </p:sldLayout>
 </file>
 
@@ -494,7 +879,7 @@
       </p:grpSpPr>
       <p:sp>
         <p:nvSpPr>
-          <p:cNvPr id="2" name="Titre vertical 1"/>
+          <p:cNvPr id="2" name="Vertical Title 1"/>
           <p:cNvSpPr>
             <a:spLocks noGrp="1"/>
           </p:cNvSpPr>
@@ -516,12 +901,13 @@
               <a:rPr lang="fr-FR"/>
               <a:t>Modifiez le style du titre</a:t>
             </a:r>
-          </a:p>
-        </p:txBody>
-      </p:sp>
-      <p:sp>
-        <p:nvSpPr>
-          <p:cNvPr id="3" name="Espace réservé du texte vertical 2"/>
+            <a:endParaRPr lang="en-US" dirty="0"/>
+          </a:p>
+        </p:txBody>
+      </p:sp>
+      <p:sp>
+        <p:nvSpPr>
+          <p:cNvPr id="3" name="Vertical Text Placeholder 2"/>
           <p:cNvSpPr>
             <a:spLocks noGrp="1"/>
           </p:cNvSpPr>
@@ -542,7 +928,7 @@
             <a:pPr lvl="0"/>
             <a:r>
               <a:rPr lang="fr-FR"/>
-              <a:t>Modifier les styles du texte du masque</a:t>
+              <a:t>Cliquez pour modifier les styles du texte du masque</a:t>
             </a:r>
           </a:p>
           <a:p>
@@ -572,12 +958,13 @@
               <a:rPr lang="fr-FR"/>
               <a:t>Cinquième niveau</a:t>
             </a:r>
-          </a:p>
-        </p:txBody>
-      </p:sp>
-      <p:sp>
-        <p:nvSpPr>
-          <p:cNvPr id="4" name="Espace réservé de la date 3"/>
+            <a:endParaRPr lang="en-US" dirty="0"/>
+          </a:p>
+        </p:txBody>
+      </p:sp>
+      <p:sp>
+        <p:nvSpPr>
+          <p:cNvPr id="4" name="Date Placeholder 3"/>
           <p:cNvSpPr>
             <a:spLocks noGrp="1"/>
           </p:cNvSpPr>
@@ -592,7 +979,7 @@
           <a:p>
             <a:fld id="{02212410-6C7B-4010-8919-3F1D6AB0C558}" type="datetimeFigureOut">
               <a:rPr lang="fr-FR" smtClean="0"/>
-              <a:t>18/10/2022</a:t>
+              <a:t>22/10/2022</a:t>
             </a:fld>
             <a:endParaRPr lang="fr-FR"/>
           </a:p>
@@ -600,7 +987,7 @@
       </p:sp>
       <p:sp>
         <p:nvSpPr>
-          <p:cNvPr id="5" name="Espace réservé du pied de page 4"/>
+          <p:cNvPr id="5" name="Footer Placeholder 4"/>
           <p:cNvSpPr>
             <a:spLocks noGrp="1"/>
           </p:cNvSpPr>
@@ -619,7 +1006,7 @@
       </p:sp>
       <p:sp>
         <p:nvSpPr>
-          <p:cNvPr id="6" name="Espace réservé du numéro de diapositive 5"/>
+          <p:cNvPr id="6" name="Slide Number Placeholder 5"/>
           <p:cNvSpPr>
             <a:spLocks noGrp="1"/>
           </p:cNvSpPr>
@@ -643,13 +1030,25 @@
     </p:spTree>
     <p:extLst>
       <p:ext uri="{BB962C8B-B14F-4D97-AF65-F5344CB8AC3E}">
-        <p14:creationId xmlns:p14="http://schemas.microsoft.com/office/powerpoint/2010/main" val="1601387596"/>
+        <p14:creationId xmlns:p14="http://schemas.microsoft.com/office/powerpoint/2010/main" val="176957618"/>
       </p:ext>
     </p:extLst>
   </p:cSld>
   <p:clrMapOvr>
     <a:masterClrMapping/>
   </p:clrMapOvr>
+  <mc:AlternateContent xmlns:mc="http://schemas.openxmlformats.org/markup-compatibility/2006">
+    <mc:Choice xmlns:p14="http://schemas.microsoft.com/office/powerpoint/2010/main" Requires="p14">
+      <p:transition spd="slow" p14:dur="1500">
+        <p:split orient="vert"/>
+      </p:transition>
+    </mc:Choice>
+    <mc:Fallback>
+      <p:transition spd="slow">
+        <p:split orient="vert"/>
+      </p:transition>
+    </mc:Fallback>
+  </mc:AlternateContent>
 </p:sldLayout>
 </file>
 
@@ -672,7 +1071,7 @@
       </p:grpSpPr>
       <p:sp>
         <p:nvSpPr>
-          <p:cNvPr id="2" name="Titre 1"/>
+          <p:cNvPr id="2" name="Title 1"/>
           <p:cNvSpPr>
             <a:spLocks noGrp="1"/>
           </p:cNvSpPr>
@@ -689,12 +1088,13 @@
               <a:rPr lang="fr-FR"/>
               <a:t>Modifiez le style du titre</a:t>
             </a:r>
-          </a:p>
-        </p:txBody>
-      </p:sp>
-      <p:sp>
-        <p:nvSpPr>
-          <p:cNvPr id="3" name="Espace réservé du contenu 2"/>
+            <a:endParaRPr lang="en-US" dirty="0"/>
+          </a:p>
+        </p:txBody>
+      </p:sp>
+      <p:sp>
+        <p:nvSpPr>
+          <p:cNvPr id="3" name="Content Placeholder 2"/>
           <p:cNvSpPr>
             <a:spLocks noGrp="1"/>
           </p:cNvSpPr>
@@ -710,7 +1110,7 @@
             <a:pPr lvl="0"/>
             <a:r>
               <a:rPr lang="fr-FR"/>
-              <a:t>Modifier les styles du texte du masque</a:t>
+              <a:t>Cliquez pour modifier les styles du texte du masque</a:t>
             </a:r>
           </a:p>
           <a:p>
@@ -740,12 +1140,13 @@
               <a:rPr lang="fr-FR"/>
               <a:t>Cinquième niveau</a:t>
             </a:r>
-          </a:p>
-        </p:txBody>
-      </p:sp>
-      <p:sp>
-        <p:nvSpPr>
-          <p:cNvPr id="4" name="Espace réservé de la date 3"/>
+            <a:endParaRPr lang="en-US" dirty="0"/>
+          </a:p>
+        </p:txBody>
+      </p:sp>
+      <p:sp>
+        <p:nvSpPr>
+          <p:cNvPr id="4" name="Date Placeholder 3"/>
           <p:cNvSpPr>
             <a:spLocks noGrp="1"/>
           </p:cNvSpPr>
@@ -760,7 +1161,7 @@
           <a:p>
             <a:fld id="{02212410-6C7B-4010-8919-3F1D6AB0C558}" type="datetimeFigureOut">
               <a:rPr lang="fr-FR" smtClean="0"/>
-              <a:t>18/10/2022</a:t>
+              <a:t>22/10/2022</a:t>
             </a:fld>
             <a:endParaRPr lang="fr-FR"/>
           </a:p>
@@ -768,7 +1169,7 @@
       </p:sp>
       <p:sp>
         <p:nvSpPr>
-          <p:cNvPr id="5" name="Espace réservé du pied de page 4"/>
+          <p:cNvPr id="5" name="Footer Placeholder 4"/>
           <p:cNvSpPr>
             <a:spLocks noGrp="1"/>
           </p:cNvSpPr>
@@ -787,7 +1188,7 @@
       </p:sp>
       <p:sp>
         <p:nvSpPr>
-          <p:cNvPr id="6" name="Espace réservé du numéro de diapositive 5"/>
+          <p:cNvPr id="6" name="Slide Number Placeholder 5"/>
           <p:cNvSpPr>
             <a:spLocks noGrp="1"/>
           </p:cNvSpPr>
@@ -811,13 +1212,25 @@
     </p:spTree>
     <p:extLst>
       <p:ext uri="{BB962C8B-B14F-4D97-AF65-F5344CB8AC3E}">
-        <p14:creationId xmlns:p14="http://schemas.microsoft.com/office/powerpoint/2010/main" val="869998560"/>
+        <p14:creationId xmlns:p14="http://schemas.microsoft.com/office/powerpoint/2010/main" val="2400587859"/>
       </p:ext>
     </p:extLst>
   </p:cSld>
   <p:clrMapOvr>
     <a:masterClrMapping/>
   </p:clrMapOvr>
+  <mc:AlternateContent xmlns:mc="http://schemas.openxmlformats.org/markup-compatibility/2006">
+    <mc:Choice xmlns:p14="http://schemas.microsoft.com/office/powerpoint/2010/main" Requires="p14">
+      <p:transition spd="slow" p14:dur="1500">
+        <p:split orient="vert"/>
+      </p:transition>
+    </mc:Choice>
+    <mc:Fallback>
+      <p:transition spd="slow">
+        <p:split orient="vert"/>
+      </p:transition>
+    </mc:Fallback>
+  </mc:AlternateContent>
 </p:sldLayout>
 </file>
 
@@ -840,7 +1253,7 @@
       </p:grpSpPr>
       <p:sp>
         <p:nvSpPr>
-          <p:cNvPr id="2" name="Titre 1"/>
+          <p:cNvPr id="2" name="Title 1"/>
           <p:cNvSpPr>
             <a:spLocks noGrp="1"/>
           </p:cNvSpPr>
@@ -866,12 +1279,13 @@
               <a:rPr lang="fr-FR"/>
               <a:t>Modifiez le style du titre</a:t>
             </a:r>
-          </a:p>
-        </p:txBody>
-      </p:sp>
-      <p:sp>
-        <p:nvSpPr>
-          <p:cNvPr id="3" name="Espace réservé du texte 2"/>
+            <a:endParaRPr lang="en-US" dirty="0"/>
+          </a:p>
+        </p:txBody>
+      </p:sp>
+      <p:sp>
+        <p:nvSpPr>
+          <p:cNvPr id="3" name="Text Placeholder 2"/>
           <p:cNvSpPr>
             <a:spLocks noGrp="1"/>
           </p:cNvSpPr>
@@ -983,14 +1397,14 @@
             <a:pPr lvl="0"/>
             <a:r>
               <a:rPr lang="fr-FR"/>
-              <a:t>Modifier les styles du texte du masque</a:t>
-            </a:r>
-          </a:p>
-        </p:txBody>
-      </p:sp>
-      <p:sp>
-        <p:nvSpPr>
-          <p:cNvPr id="4" name="Espace réservé de la date 3"/>
+              <a:t>Cliquez pour modifier les styles du texte du masque</a:t>
+            </a:r>
+          </a:p>
+        </p:txBody>
+      </p:sp>
+      <p:sp>
+        <p:nvSpPr>
+          <p:cNvPr id="4" name="Date Placeholder 3"/>
           <p:cNvSpPr>
             <a:spLocks noGrp="1"/>
           </p:cNvSpPr>
@@ -1005,7 +1419,7 @@
           <a:p>
             <a:fld id="{02212410-6C7B-4010-8919-3F1D6AB0C558}" type="datetimeFigureOut">
               <a:rPr lang="fr-FR" smtClean="0"/>
-              <a:t>18/10/2022</a:t>
+              <a:t>22/10/2022</a:t>
             </a:fld>
             <a:endParaRPr lang="fr-FR"/>
           </a:p>
@@ -1013,7 +1427,7 @@
       </p:sp>
       <p:sp>
         <p:nvSpPr>
-          <p:cNvPr id="5" name="Espace réservé du pied de page 4"/>
+          <p:cNvPr id="5" name="Footer Placeholder 4"/>
           <p:cNvSpPr>
             <a:spLocks noGrp="1"/>
           </p:cNvSpPr>
@@ -1032,7 +1446,7 @@
       </p:sp>
       <p:sp>
         <p:nvSpPr>
-          <p:cNvPr id="6" name="Espace réservé du numéro de diapositive 5"/>
+          <p:cNvPr id="6" name="Slide Number Placeholder 5"/>
           <p:cNvSpPr>
             <a:spLocks noGrp="1"/>
           </p:cNvSpPr>
@@ -1056,13 +1470,25 @@
     </p:spTree>
     <p:extLst>
       <p:ext uri="{BB962C8B-B14F-4D97-AF65-F5344CB8AC3E}">
-        <p14:creationId xmlns:p14="http://schemas.microsoft.com/office/powerpoint/2010/main" val="3666594929"/>
+        <p14:creationId xmlns:p14="http://schemas.microsoft.com/office/powerpoint/2010/main" val="893033156"/>
       </p:ext>
     </p:extLst>
   </p:cSld>
   <p:clrMapOvr>
     <a:masterClrMapping/>
   </p:clrMapOvr>
+  <mc:AlternateContent xmlns:mc="http://schemas.openxmlformats.org/markup-compatibility/2006">
+    <mc:Choice xmlns:p14="http://schemas.microsoft.com/office/powerpoint/2010/main" Requires="p14">
+      <p:transition spd="slow" p14:dur="1500">
+        <p:split orient="vert"/>
+      </p:transition>
+    </mc:Choice>
+    <mc:Fallback>
+      <p:transition spd="slow">
+        <p:split orient="vert"/>
+      </p:transition>
+    </mc:Fallback>
+  </mc:AlternateContent>
 </p:sldLayout>
 </file>
 
@@ -1085,7 +1511,7 @@
       </p:grpSpPr>
       <p:sp>
         <p:nvSpPr>
-          <p:cNvPr id="2" name="Titre 1"/>
+          <p:cNvPr id="2" name="Title 1"/>
           <p:cNvSpPr>
             <a:spLocks noGrp="1"/>
           </p:cNvSpPr>
@@ -1102,12 +1528,13 @@
               <a:rPr lang="fr-FR"/>
               <a:t>Modifiez le style du titre</a:t>
             </a:r>
-          </a:p>
-        </p:txBody>
-      </p:sp>
-      <p:sp>
-        <p:nvSpPr>
-          <p:cNvPr id="3" name="Espace réservé du contenu 2"/>
+            <a:endParaRPr lang="en-US" dirty="0"/>
+          </a:p>
+        </p:txBody>
+      </p:sp>
+      <p:sp>
+        <p:nvSpPr>
+          <p:cNvPr id="3" name="Content Placeholder 2"/>
           <p:cNvSpPr>
             <a:spLocks noGrp="1"/>
           </p:cNvSpPr>
@@ -1128,7 +1555,7 @@
             <a:pPr lvl="0"/>
             <a:r>
               <a:rPr lang="fr-FR"/>
-              <a:t>Modifier les styles du texte du masque</a:t>
+              <a:t>Cliquez pour modifier les styles du texte du masque</a:t>
             </a:r>
           </a:p>
           <a:p>
@@ -1158,12 +1585,13 @@
               <a:rPr lang="fr-FR"/>
               <a:t>Cinquième niveau</a:t>
             </a:r>
-          </a:p>
-        </p:txBody>
-      </p:sp>
-      <p:sp>
-        <p:nvSpPr>
-          <p:cNvPr id="4" name="Espace réservé du contenu 3"/>
+            <a:endParaRPr lang="en-US" dirty="0"/>
+          </a:p>
+        </p:txBody>
+      </p:sp>
+      <p:sp>
+        <p:nvSpPr>
+          <p:cNvPr id="4" name="Content Placeholder 3"/>
           <p:cNvSpPr>
             <a:spLocks noGrp="1"/>
           </p:cNvSpPr>
@@ -1184,7 +1612,7 @@
             <a:pPr lvl="0"/>
             <a:r>
               <a:rPr lang="fr-FR"/>
-              <a:t>Modifier les styles du texte du masque</a:t>
+              <a:t>Cliquez pour modifier les styles du texte du masque</a:t>
             </a:r>
           </a:p>
           <a:p>
@@ -1214,12 +1642,13 @@
               <a:rPr lang="fr-FR"/>
               <a:t>Cinquième niveau</a:t>
             </a:r>
-          </a:p>
-        </p:txBody>
-      </p:sp>
-      <p:sp>
-        <p:nvSpPr>
-          <p:cNvPr id="5" name="Espace réservé de la date 4"/>
+            <a:endParaRPr lang="en-US" dirty="0"/>
+          </a:p>
+        </p:txBody>
+      </p:sp>
+      <p:sp>
+        <p:nvSpPr>
+          <p:cNvPr id="5" name="Date Placeholder 4"/>
           <p:cNvSpPr>
             <a:spLocks noGrp="1"/>
           </p:cNvSpPr>
@@ -1234,7 +1663,7 @@
           <a:p>
             <a:fld id="{02212410-6C7B-4010-8919-3F1D6AB0C558}" type="datetimeFigureOut">
               <a:rPr lang="fr-FR" smtClean="0"/>
-              <a:t>18/10/2022</a:t>
+              <a:t>22/10/2022</a:t>
             </a:fld>
             <a:endParaRPr lang="fr-FR"/>
           </a:p>
@@ -1242,7 +1671,7 @@
       </p:sp>
       <p:sp>
         <p:nvSpPr>
-          <p:cNvPr id="6" name="Espace réservé du pied de page 5"/>
+          <p:cNvPr id="6" name="Footer Placeholder 5"/>
           <p:cNvSpPr>
             <a:spLocks noGrp="1"/>
           </p:cNvSpPr>
@@ -1261,7 +1690,7 @@
       </p:sp>
       <p:sp>
         <p:nvSpPr>
-          <p:cNvPr id="7" name="Espace réservé du numéro de diapositive 6"/>
+          <p:cNvPr id="7" name="Slide Number Placeholder 6"/>
           <p:cNvSpPr>
             <a:spLocks noGrp="1"/>
           </p:cNvSpPr>
@@ -1285,13 +1714,25 @@
     </p:spTree>
     <p:extLst>
       <p:ext uri="{BB962C8B-B14F-4D97-AF65-F5344CB8AC3E}">
-        <p14:creationId xmlns:p14="http://schemas.microsoft.com/office/powerpoint/2010/main" val="2365263035"/>
+        <p14:creationId xmlns:p14="http://schemas.microsoft.com/office/powerpoint/2010/main" val="1863830408"/>
       </p:ext>
     </p:extLst>
   </p:cSld>
   <p:clrMapOvr>
     <a:masterClrMapping/>
   </p:clrMapOvr>
+  <mc:AlternateContent xmlns:mc="http://schemas.openxmlformats.org/markup-compatibility/2006">
+    <mc:Choice xmlns:p14="http://schemas.microsoft.com/office/powerpoint/2010/main" Requires="p14">
+      <p:transition spd="slow" p14:dur="1500">
+        <p:split orient="vert"/>
+      </p:transition>
+    </mc:Choice>
+    <mc:Fallback>
+      <p:transition spd="slow">
+        <p:split orient="vert"/>
+      </p:transition>
+    </mc:Fallback>
+  </mc:AlternateContent>
 </p:sldLayout>
 </file>
 
@@ -1314,7 +1755,7 @@
       </p:grpSpPr>
       <p:sp>
         <p:nvSpPr>
-          <p:cNvPr id="2" name="Titre 1"/>
+          <p:cNvPr id="2" name="Title 1"/>
           <p:cNvSpPr>
             <a:spLocks noGrp="1"/>
           </p:cNvSpPr>
@@ -1336,12 +1777,13 @@
               <a:rPr lang="fr-FR"/>
               <a:t>Modifiez le style du titre</a:t>
             </a:r>
-          </a:p>
-        </p:txBody>
-      </p:sp>
-      <p:sp>
-        <p:nvSpPr>
-          <p:cNvPr id="3" name="Espace réservé du texte 2"/>
+            <a:endParaRPr lang="en-US" dirty="0"/>
+          </a:p>
+        </p:txBody>
+      </p:sp>
+      <p:sp>
+        <p:nvSpPr>
+          <p:cNvPr id="3" name="Text Placeholder 2"/>
           <p:cNvSpPr>
             <a:spLocks noGrp="1"/>
           </p:cNvSpPr>
@@ -1399,14 +1841,14 @@
             <a:pPr lvl="0"/>
             <a:r>
               <a:rPr lang="fr-FR"/>
-              <a:t>Modifier les styles du texte du masque</a:t>
-            </a:r>
-          </a:p>
-        </p:txBody>
-      </p:sp>
-      <p:sp>
-        <p:nvSpPr>
-          <p:cNvPr id="4" name="Espace réservé du contenu 3"/>
+              <a:t>Cliquez pour modifier les styles du texte du masque</a:t>
+            </a:r>
+          </a:p>
+        </p:txBody>
+      </p:sp>
+      <p:sp>
+        <p:nvSpPr>
+          <p:cNvPr id="4" name="Content Placeholder 3"/>
           <p:cNvSpPr>
             <a:spLocks noGrp="1"/>
           </p:cNvSpPr>
@@ -1427,7 +1869,7 @@
             <a:pPr lvl="0"/>
             <a:r>
               <a:rPr lang="fr-FR"/>
-              <a:t>Modifier les styles du texte du masque</a:t>
+              <a:t>Cliquez pour modifier les styles du texte du masque</a:t>
             </a:r>
           </a:p>
           <a:p>
@@ -1457,12 +1899,13 @@
               <a:rPr lang="fr-FR"/>
               <a:t>Cinquième niveau</a:t>
             </a:r>
-          </a:p>
-        </p:txBody>
-      </p:sp>
-      <p:sp>
-        <p:nvSpPr>
-          <p:cNvPr id="5" name="Espace réservé du texte 4"/>
+            <a:endParaRPr lang="en-US" dirty="0"/>
+          </a:p>
+        </p:txBody>
+      </p:sp>
+      <p:sp>
+        <p:nvSpPr>
+          <p:cNvPr id="5" name="Text Placeholder 4"/>
           <p:cNvSpPr>
             <a:spLocks noGrp="1"/>
           </p:cNvSpPr>
@@ -1520,14 +1963,14 @@
             <a:pPr lvl="0"/>
             <a:r>
               <a:rPr lang="fr-FR"/>
-              <a:t>Modifier les styles du texte du masque</a:t>
-            </a:r>
-          </a:p>
-        </p:txBody>
-      </p:sp>
-      <p:sp>
-        <p:nvSpPr>
-          <p:cNvPr id="6" name="Espace réservé du contenu 5"/>
+              <a:t>Cliquez pour modifier les styles du texte du masque</a:t>
+            </a:r>
+          </a:p>
+        </p:txBody>
+      </p:sp>
+      <p:sp>
+        <p:nvSpPr>
+          <p:cNvPr id="6" name="Content Placeholder 5"/>
           <p:cNvSpPr>
             <a:spLocks noGrp="1"/>
           </p:cNvSpPr>
@@ -1548,7 +1991,7 @@
             <a:pPr lvl="0"/>
             <a:r>
               <a:rPr lang="fr-FR"/>
-              <a:t>Modifier les styles du texte du masque</a:t>
+              <a:t>Cliquez pour modifier les styles du texte du masque</a:t>
             </a:r>
           </a:p>
           <a:p>
@@ -1578,12 +2021,13 @@
               <a:rPr lang="fr-FR"/>
               <a:t>Cinquième niveau</a:t>
             </a:r>
-          </a:p>
-        </p:txBody>
-      </p:sp>
-      <p:sp>
-        <p:nvSpPr>
-          <p:cNvPr id="7" name="Espace réservé de la date 6"/>
+            <a:endParaRPr lang="en-US" dirty="0"/>
+          </a:p>
+        </p:txBody>
+      </p:sp>
+      <p:sp>
+        <p:nvSpPr>
+          <p:cNvPr id="7" name="Date Placeholder 6"/>
           <p:cNvSpPr>
             <a:spLocks noGrp="1"/>
           </p:cNvSpPr>
@@ -1598,7 +2042,7 @@
           <a:p>
             <a:fld id="{02212410-6C7B-4010-8919-3F1D6AB0C558}" type="datetimeFigureOut">
               <a:rPr lang="fr-FR" smtClean="0"/>
-              <a:t>18/10/2022</a:t>
+              <a:t>22/10/2022</a:t>
             </a:fld>
             <a:endParaRPr lang="fr-FR"/>
           </a:p>
@@ -1606,7 +2050,7 @@
       </p:sp>
       <p:sp>
         <p:nvSpPr>
-          <p:cNvPr id="8" name="Espace réservé du pied de page 7"/>
+          <p:cNvPr id="8" name="Footer Placeholder 7"/>
           <p:cNvSpPr>
             <a:spLocks noGrp="1"/>
           </p:cNvSpPr>
@@ -1625,7 +2069,7 @@
       </p:sp>
       <p:sp>
         <p:nvSpPr>
-          <p:cNvPr id="9" name="Espace réservé du numéro de diapositive 8"/>
+          <p:cNvPr id="9" name="Slide Number Placeholder 8"/>
           <p:cNvSpPr>
             <a:spLocks noGrp="1"/>
           </p:cNvSpPr>
@@ -1649,13 +2093,25 @@
     </p:spTree>
     <p:extLst>
       <p:ext uri="{BB962C8B-B14F-4D97-AF65-F5344CB8AC3E}">
-        <p14:creationId xmlns:p14="http://schemas.microsoft.com/office/powerpoint/2010/main" val="2238823322"/>
+        <p14:creationId xmlns:p14="http://schemas.microsoft.com/office/powerpoint/2010/main" val="3076205179"/>
       </p:ext>
     </p:extLst>
   </p:cSld>
   <p:clrMapOvr>
     <a:masterClrMapping/>
   </p:clrMapOvr>
+  <mc:AlternateContent xmlns:mc="http://schemas.openxmlformats.org/markup-compatibility/2006">
+    <mc:Choice xmlns:p14="http://schemas.microsoft.com/office/powerpoint/2010/main" Requires="p14">
+      <p:transition spd="slow" p14:dur="1500">
+        <p:split orient="vert"/>
+      </p:transition>
+    </mc:Choice>
+    <mc:Fallback>
+      <p:transition spd="slow">
+        <p:split orient="vert"/>
+      </p:transition>
+    </mc:Fallback>
+  </mc:AlternateContent>
 </p:sldLayout>
 </file>
 
@@ -1678,7 +2134,7 @@
       </p:grpSpPr>
       <p:sp>
         <p:nvSpPr>
-          <p:cNvPr id="2" name="Titre 1"/>
+          <p:cNvPr id="2" name="Title 1"/>
           <p:cNvSpPr>
             <a:spLocks noGrp="1"/>
           </p:cNvSpPr>
@@ -1695,12 +2151,13 @@
               <a:rPr lang="fr-FR"/>
               <a:t>Modifiez le style du titre</a:t>
             </a:r>
-          </a:p>
-        </p:txBody>
-      </p:sp>
-      <p:sp>
-        <p:nvSpPr>
-          <p:cNvPr id="3" name="Espace réservé de la date 2"/>
+            <a:endParaRPr lang="en-US" dirty="0"/>
+          </a:p>
+        </p:txBody>
+      </p:sp>
+      <p:sp>
+        <p:nvSpPr>
+          <p:cNvPr id="3" name="Date Placeholder 2"/>
           <p:cNvSpPr>
             <a:spLocks noGrp="1"/>
           </p:cNvSpPr>
@@ -1715,7 +2172,7 @@
           <a:p>
             <a:fld id="{02212410-6C7B-4010-8919-3F1D6AB0C558}" type="datetimeFigureOut">
               <a:rPr lang="fr-FR" smtClean="0"/>
-              <a:t>18/10/2022</a:t>
+              <a:t>22/10/2022</a:t>
             </a:fld>
             <a:endParaRPr lang="fr-FR"/>
           </a:p>
@@ -1723,7 +2180,7 @@
       </p:sp>
       <p:sp>
         <p:nvSpPr>
-          <p:cNvPr id="4" name="Espace réservé du pied de page 3"/>
+          <p:cNvPr id="4" name="Footer Placeholder 3"/>
           <p:cNvSpPr>
             <a:spLocks noGrp="1"/>
           </p:cNvSpPr>
@@ -1742,7 +2199,7 @@
       </p:sp>
       <p:sp>
         <p:nvSpPr>
-          <p:cNvPr id="5" name="Espace réservé du numéro de diapositive 4"/>
+          <p:cNvPr id="5" name="Slide Number Placeholder 4"/>
           <p:cNvSpPr>
             <a:spLocks noGrp="1"/>
           </p:cNvSpPr>
@@ -1766,13 +2223,25 @@
     </p:spTree>
     <p:extLst>
       <p:ext uri="{BB962C8B-B14F-4D97-AF65-F5344CB8AC3E}">
-        <p14:creationId xmlns:p14="http://schemas.microsoft.com/office/powerpoint/2010/main" val="2816633621"/>
+        <p14:creationId xmlns:p14="http://schemas.microsoft.com/office/powerpoint/2010/main" val="1916434291"/>
       </p:ext>
     </p:extLst>
   </p:cSld>
   <p:clrMapOvr>
     <a:masterClrMapping/>
   </p:clrMapOvr>
+  <mc:AlternateContent xmlns:mc="http://schemas.openxmlformats.org/markup-compatibility/2006">
+    <mc:Choice xmlns:p14="http://schemas.microsoft.com/office/powerpoint/2010/main" Requires="p14">
+      <p:transition spd="slow" p14:dur="1500">
+        <p:split orient="vert"/>
+      </p:transition>
+    </mc:Choice>
+    <mc:Fallback>
+      <p:transition spd="slow">
+        <p:split orient="vert"/>
+      </p:transition>
+    </mc:Fallback>
+  </mc:AlternateContent>
 </p:sldLayout>
 </file>
 
@@ -1795,7 +2264,7 @@
       </p:grpSpPr>
       <p:sp>
         <p:nvSpPr>
-          <p:cNvPr id="2" name="Espace réservé de la date 1"/>
+          <p:cNvPr id="2" name="Date Placeholder 1"/>
           <p:cNvSpPr>
             <a:spLocks noGrp="1"/>
           </p:cNvSpPr>
@@ -1810,7 +2279,7 @@
           <a:p>
             <a:fld id="{02212410-6C7B-4010-8919-3F1D6AB0C558}" type="datetimeFigureOut">
               <a:rPr lang="fr-FR" smtClean="0"/>
-              <a:t>18/10/2022</a:t>
+              <a:t>22/10/2022</a:t>
             </a:fld>
             <a:endParaRPr lang="fr-FR"/>
           </a:p>
@@ -1818,7 +2287,7 @@
       </p:sp>
       <p:sp>
         <p:nvSpPr>
-          <p:cNvPr id="3" name="Espace réservé du pied de page 2"/>
+          <p:cNvPr id="3" name="Footer Placeholder 2"/>
           <p:cNvSpPr>
             <a:spLocks noGrp="1"/>
           </p:cNvSpPr>
@@ -1837,7 +2306,7 @@
       </p:sp>
       <p:sp>
         <p:nvSpPr>
-          <p:cNvPr id="4" name="Espace réservé du numéro de diapositive 3"/>
+          <p:cNvPr id="4" name="Slide Number Placeholder 3"/>
           <p:cNvSpPr>
             <a:spLocks noGrp="1"/>
           </p:cNvSpPr>
@@ -1861,13 +2330,25 @@
     </p:spTree>
     <p:extLst>
       <p:ext uri="{BB962C8B-B14F-4D97-AF65-F5344CB8AC3E}">
-        <p14:creationId xmlns:p14="http://schemas.microsoft.com/office/powerpoint/2010/main" val="3021988894"/>
+        <p14:creationId xmlns:p14="http://schemas.microsoft.com/office/powerpoint/2010/main" val="590115294"/>
       </p:ext>
     </p:extLst>
   </p:cSld>
   <p:clrMapOvr>
     <a:masterClrMapping/>
   </p:clrMapOvr>
+  <mc:AlternateContent xmlns:mc="http://schemas.openxmlformats.org/markup-compatibility/2006">
+    <mc:Choice xmlns:p14="http://schemas.microsoft.com/office/powerpoint/2010/main" Requires="p14">
+      <p:transition spd="slow" p14:dur="1500">
+        <p:split orient="vert"/>
+      </p:transition>
+    </mc:Choice>
+    <mc:Fallback>
+      <p:transition spd="slow">
+        <p:split orient="vert"/>
+      </p:transition>
+    </mc:Fallback>
+  </mc:AlternateContent>
 </p:sldLayout>
 </file>
 
@@ -1890,7 +2371,7 @@
       </p:grpSpPr>
       <p:sp>
         <p:nvSpPr>
-          <p:cNvPr id="2" name="Titre 1"/>
+          <p:cNvPr id="2" name="Title 1"/>
           <p:cNvSpPr>
             <a:spLocks noGrp="1"/>
           </p:cNvSpPr>
@@ -1916,12 +2397,13 @@
               <a:rPr lang="fr-FR"/>
               <a:t>Modifiez le style du titre</a:t>
             </a:r>
-          </a:p>
-        </p:txBody>
-      </p:sp>
-      <p:sp>
-        <p:nvSpPr>
-          <p:cNvPr id="3" name="Espace réservé du contenu 2"/>
+            <a:endParaRPr lang="en-US" dirty="0"/>
+          </a:p>
+        </p:txBody>
+      </p:sp>
+      <p:sp>
+        <p:nvSpPr>
+          <p:cNvPr id="3" name="Content Placeholder 2"/>
           <p:cNvSpPr>
             <a:spLocks noGrp="1"/>
           </p:cNvSpPr>
@@ -1970,7 +2452,7 @@
             <a:pPr lvl="0"/>
             <a:r>
               <a:rPr lang="fr-FR"/>
-              <a:t>Modifier les styles du texte du masque</a:t>
+              <a:t>Cliquez pour modifier les styles du texte du masque</a:t>
             </a:r>
           </a:p>
           <a:p>
@@ -2000,12 +2482,13 @@
               <a:rPr lang="fr-FR"/>
               <a:t>Cinquième niveau</a:t>
             </a:r>
-          </a:p>
-        </p:txBody>
-      </p:sp>
-      <p:sp>
-        <p:nvSpPr>
-          <p:cNvPr id="4" name="Espace réservé du texte 3"/>
+            <a:endParaRPr lang="en-US" dirty="0"/>
+          </a:p>
+        </p:txBody>
+      </p:sp>
+      <p:sp>
+        <p:nvSpPr>
+          <p:cNvPr id="4" name="Text Placeholder 3"/>
           <p:cNvSpPr>
             <a:spLocks noGrp="1"/>
           </p:cNvSpPr>
@@ -2063,14 +2546,14 @@
             <a:pPr lvl="0"/>
             <a:r>
               <a:rPr lang="fr-FR"/>
-              <a:t>Modifier les styles du texte du masque</a:t>
-            </a:r>
-          </a:p>
-        </p:txBody>
-      </p:sp>
-      <p:sp>
-        <p:nvSpPr>
-          <p:cNvPr id="5" name="Espace réservé de la date 4"/>
+              <a:t>Cliquez pour modifier les styles du texte du masque</a:t>
+            </a:r>
+          </a:p>
+        </p:txBody>
+      </p:sp>
+      <p:sp>
+        <p:nvSpPr>
+          <p:cNvPr id="5" name="Date Placeholder 4"/>
           <p:cNvSpPr>
             <a:spLocks noGrp="1"/>
           </p:cNvSpPr>
@@ -2085,7 +2568,7 @@
           <a:p>
             <a:fld id="{02212410-6C7B-4010-8919-3F1D6AB0C558}" type="datetimeFigureOut">
               <a:rPr lang="fr-FR" smtClean="0"/>
-              <a:t>18/10/2022</a:t>
+              <a:t>22/10/2022</a:t>
             </a:fld>
             <a:endParaRPr lang="fr-FR"/>
           </a:p>
@@ -2093,7 +2576,7 @@
       </p:sp>
       <p:sp>
         <p:nvSpPr>
-          <p:cNvPr id="6" name="Espace réservé du pied de page 5"/>
+          <p:cNvPr id="6" name="Footer Placeholder 5"/>
           <p:cNvSpPr>
             <a:spLocks noGrp="1"/>
           </p:cNvSpPr>
@@ -2112,7 +2595,7 @@
       </p:sp>
       <p:sp>
         <p:nvSpPr>
-          <p:cNvPr id="7" name="Espace réservé du numéro de diapositive 6"/>
+          <p:cNvPr id="7" name="Slide Number Placeholder 6"/>
           <p:cNvSpPr>
             <a:spLocks noGrp="1"/>
           </p:cNvSpPr>
@@ -2136,13 +2619,25 @@
     </p:spTree>
     <p:extLst>
       <p:ext uri="{BB962C8B-B14F-4D97-AF65-F5344CB8AC3E}">
-        <p14:creationId xmlns:p14="http://schemas.microsoft.com/office/powerpoint/2010/main" val="1575924358"/>
+        <p14:creationId xmlns:p14="http://schemas.microsoft.com/office/powerpoint/2010/main" val="3161476375"/>
       </p:ext>
     </p:extLst>
   </p:cSld>
   <p:clrMapOvr>
     <a:masterClrMapping/>
   </p:clrMapOvr>
+  <mc:AlternateContent xmlns:mc="http://schemas.openxmlformats.org/markup-compatibility/2006">
+    <mc:Choice xmlns:p14="http://schemas.microsoft.com/office/powerpoint/2010/main" Requires="p14">
+      <p:transition spd="slow" p14:dur="1500">
+        <p:split orient="vert"/>
+      </p:transition>
+    </mc:Choice>
+    <mc:Fallback>
+      <p:transition spd="slow">
+        <p:split orient="vert"/>
+      </p:transition>
+    </mc:Fallback>
+  </mc:AlternateContent>
 </p:sldLayout>
 </file>
 
@@ -2165,7 +2660,7 @@
       </p:grpSpPr>
       <p:sp>
         <p:nvSpPr>
-          <p:cNvPr id="2" name="Titre 1"/>
+          <p:cNvPr id="2" name="Title 1"/>
           <p:cNvSpPr>
             <a:spLocks noGrp="1"/>
           </p:cNvSpPr>
@@ -2191,14 +2686,15 @@
               <a:rPr lang="fr-FR"/>
               <a:t>Modifiez le style du titre</a:t>
             </a:r>
-          </a:p>
-        </p:txBody>
-      </p:sp>
-      <p:sp>
-        <p:nvSpPr>
-          <p:cNvPr id="3" name="Espace réservé pour une image  2"/>
-          <p:cNvSpPr>
-            <a:spLocks noGrp="1"/>
+            <a:endParaRPr lang="en-US" dirty="0"/>
+          </a:p>
+        </p:txBody>
+      </p:sp>
+      <p:sp>
+        <p:nvSpPr>
+          <p:cNvPr id="3" name="Picture Placeholder 2"/>
+          <p:cNvSpPr>
+            <a:spLocks noGrp="1" noChangeAspect="1"/>
           </p:cNvSpPr>
           <p:nvPr>
             <p:ph type="pic" idx="1"/>
@@ -2211,7 +2707,7 @@
           </a:xfrm>
         </p:spPr>
         <p:txBody>
-          <a:bodyPr/>
+          <a:bodyPr anchor="t"/>
           <a:lstStyle>
             <a:lvl1pPr marL="0" indent="0">
               <a:buNone/>
@@ -2251,13 +2747,17 @@
             </a:lvl9pPr>
           </a:lstStyle>
           <a:p>
-            <a:endParaRPr lang="fr-FR"/>
-          </a:p>
-        </p:txBody>
-      </p:sp>
-      <p:sp>
-        <p:nvSpPr>
-          <p:cNvPr id="4" name="Espace réservé du texte 3"/>
+            <a:r>
+              <a:rPr lang="fr-FR"/>
+              <a:t>Cliquez sur l'icône pour ajouter une image</a:t>
+            </a:r>
+            <a:endParaRPr lang="en-US" dirty="0"/>
+          </a:p>
+        </p:txBody>
+      </p:sp>
+      <p:sp>
+        <p:nvSpPr>
+          <p:cNvPr id="4" name="Text Placeholder 3"/>
           <p:cNvSpPr>
             <a:spLocks noGrp="1"/>
           </p:cNvSpPr>
@@ -2315,14 +2815,14 @@
             <a:pPr lvl="0"/>
             <a:r>
               <a:rPr lang="fr-FR"/>
-              <a:t>Modifier les styles du texte du masque</a:t>
-            </a:r>
-          </a:p>
-        </p:txBody>
-      </p:sp>
-      <p:sp>
-        <p:nvSpPr>
-          <p:cNvPr id="5" name="Espace réservé de la date 4"/>
+              <a:t>Cliquez pour modifier les styles du texte du masque</a:t>
+            </a:r>
+          </a:p>
+        </p:txBody>
+      </p:sp>
+      <p:sp>
+        <p:nvSpPr>
+          <p:cNvPr id="5" name="Date Placeholder 4"/>
           <p:cNvSpPr>
             <a:spLocks noGrp="1"/>
           </p:cNvSpPr>
@@ -2337,7 +2837,7 @@
           <a:p>
             <a:fld id="{02212410-6C7B-4010-8919-3F1D6AB0C558}" type="datetimeFigureOut">
               <a:rPr lang="fr-FR" smtClean="0"/>
-              <a:t>18/10/2022</a:t>
+              <a:t>22/10/2022</a:t>
             </a:fld>
             <a:endParaRPr lang="fr-FR"/>
           </a:p>
@@ -2345,7 +2845,7 @@
       </p:sp>
       <p:sp>
         <p:nvSpPr>
-          <p:cNvPr id="6" name="Espace réservé du pied de page 5"/>
+          <p:cNvPr id="6" name="Footer Placeholder 5"/>
           <p:cNvSpPr>
             <a:spLocks noGrp="1"/>
           </p:cNvSpPr>
@@ -2364,7 +2864,7 @@
       </p:sp>
       <p:sp>
         <p:nvSpPr>
-          <p:cNvPr id="7" name="Espace réservé du numéro de diapositive 6"/>
+          <p:cNvPr id="7" name="Slide Number Placeholder 6"/>
           <p:cNvSpPr>
             <a:spLocks noGrp="1"/>
           </p:cNvSpPr>
@@ -2388,13 +2888,25 @@
     </p:spTree>
     <p:extLst>
       <p:ext uri="{BB962C8B-B14F-4D97-AF65-F5344CB8AC3E}">
-        <p14:creationId xmlns:p14="http://schemas.microsoft.com/office/powerpoint/2010/main" val="2945752252"/>
+        <p14:creationId xmlns:p14="http://schemas.microsoft.com/office/powerpoint/2010/main" val="1312624853"/>
       </p:ext>
     </p:extLst>
   </p:cSld>
   <p:clrMapOvr>
     <a:masterClrMapping/>
   </p:clrMapOvr>
+  <mc:AlternateContent xmlns:mc="http://schemas.openxmlformats.org/markup-compatibility/2006">
+    <mc:Choice xmlns:p14="http://schemas.microsoft.com/office/powerpoint/2010/main" Requires="p14">
+      <p:transition spd="slow" p14:dur="1500">
+        <p:split orient="vert"/>
+      </p:transition>
+    </mc:Choice>
+    <mc:Fallback>
+      <p:transition spd="slow">
+        <p:split orient="vert"/>
+      </p:transition>
+    </mc:Fallback>
+  </mc:AlternateContent>
 </p:sldLayout>
 </file>
 
@@ -2402,9 +2914,26 @@
 <p:sldMaster xmlns:a="http://schemas.openxmlformats.org/drawingml/2006/main" xmlns:r="http://schemas.openxmlformats.org/officeDocument/2006/relationships" xmlns:p="http://schemas.openxmlformats.org/presentationml/2006/main">
   <p:cSld>
     <p:bg>
-      <p:bgRef idx="1001">
-        <a:schemeClr val="bg1"/>
-      </p:bgRef>
+      <p:bgPr>
+        <a:blipFill dpi="0" rotWithShape="1">
+          <a:blip r:embed="rId13">
+            <a:extLst>
+              <a:ext uri="{BEBA8EAE-BF5A-486C-A8C5-ECC9F3942E4B}">
+                <a14:imgProps xmlns:a14="http://schemas.microsoft.com/office/drawing/2010/main">
+                  <a14:imgLayer r:embed="rId14">
+                    <a14:imgEffect>
+                      <a14:artisticPencilGrayscale/>
+                    </a14:imgEffect>
+                  </a14:imgLayer>
+                </a14:imgProps>
+              </a:ext>
+            </a:extLst>
+          </a:blip>
+          <a:srcRect/>
+          <a:tile tx="0" ty="0" sx="100000" sy="100000" flip="none" algn="tl"/>
+        </a:blipFill>
+        <a:effectLst/>
+      </p:bgPr>
     </p:bg>
     <p:spTree>
       <p:nvGrpSpPr>
@@ -2422,7 +2951,7 @@
       </p:grpSpPr>
       <p:sp>
         <p:nvSpPr>
-          <p:cNvPr id="2" name="Espace réservé du titre 1"/>
+          <p:cNvPr id="2" name="Title Placeholder 1"/>
           <p:cNvSpPr>
             <a:spLocks noGrp="1"/>
           </p:cNvSpPr>
@@ -2449,12 +2978,13 @@
               <a:rPr lang="fr-FR"/>
               <a:t>Modifiez le style du titre</a:t>
             </a:r>
-          </a:p>
-        </p:txBody>
-      </p:sp>
-      <p:sp>
-        <p:nvSpPr>
-          <p:cNvPr id="3" name="Espace réservé du texte 2"/>
+            <a:endParaRPr lang="en-US" dirty="0"/>
+          </a:p>
+        </p:txBody>
+      </p:sp>
+      <p:sp>
+        <p:nvSpPr>
+          <p:cNvPr id="3" name="Text Placeholder 2"/>
           <p:cNvSpPr>
             <a:spLocks noGrp="1"/>
           </p:cNvSpPr>
@@ -2480,7 +3010,7 @@
             <a:pPr lvl="0"/>
             <a:r>
               <a:rPr lang="fr-FR"/>
-              <a:t>Modifier les styles du texte du masque</a:t>
+              <a:t>Cliquez pour modifier les styles du texte du masque</a:t>
             </a:r>
           </a:p>
           <a:p>
@@ -2510,12 +3040,13 @@
               <a:rPr lang="fr-FR"/>
               <a:t>Cinquième niveau</a:t>
             </a:r>
-          </a:p>
-        </p:txBody>
-      </p:sp>
-      <p:sp>
-        <p:nvSpPr>
-          <p:cNvPr id="4" name="Espace réservé de la date 3"/>
+            <a:endParaRPr lang="en-US" dirty="0"/>
+          </a:p>
+        </p:txBody>
+      </p:sp>
+      <p:sp>
+        <p:nvSpPr>
+          <p:cNvPr id="4" name="Date Placeholder 3"/>
           <p:cNvSpPr>
             <a:spLocks noGrp="1"/>
           </p:cNvSpPr>
@@ -2548,7 +3079,7 @@
           <a:p>
             <a:fld id="{02212410-6C7B-4010-8919-3F1D6AB0C558}" type="datetimeFigureOut">
               <a:rPr lang="fr-FR" smtClean="0"/>
-              <a:t>18/10/2022</a:t>
+              <a:t>22/10/2022</a:t>
             </a:fld>
             <a:endParaRPr lang="fr-FR"/>
           </a:p>
@@ -2556,7 +3087,7 @@
       </p:sp>
       <p:sp>
         <p:nvSpPr>
-          <p:cNvPr id="5" name="Espace réservé du pied de page 4"/>
+          <p:cNvPr id="5" name="Footer Placeholder 4"/>
           <p:cNvSpPr>
             <a:spLocks noGrp="1"/>
           </p:cNvSpPr>
@@ -2593,7 +3124,7 @@
       </p:sp>
       <p:sp>
         <p:nvSpPr>
-          <p:cNvPr id="6" name="Espace réservé du numéro de diapositive 5"/>
+          <p:cNvPr id="6" name="Slide Number Placeholder 5"/>
           <p:cNvSpPr>
             <a:spLocks noGrp="1"/>
           </p:cNvSpPr>
@@ -2635,24 +3166,36 @@
     </p:spTree>
     <p:extLst>
       <p:ext uri="{BB962C8B-B14F-4D97-AF65-F5344CB8AC3E}">
-        <p14:creationId xmlns:p14="http://schemas.microsoft.com/office/powerpoint/2010/main" val="2826805715"/>
+        <p14:creationId xmlns:p14="http://schemas.microsoft.com/office/powerpoint/2010/main" val="756388490"/>
       </p:ext>
     </p:extLst>
   </p:cSld>
   <p:clrMap bg1="lt1" tx1="dk1" bg2="lt2" tx2="dk2" accent1="accent1" accent2="accent2" accent3="accent3" accent4="accent4" accent5="accent5" accent6="accent6" hlink="hlink" folHlink="folHlink"/>
   <p:sldLayoutIdLst>
-    <p:sldLayoutId id="2147483649" r:id="rId1"/>
-    <p:sldLayoutId id="2147483650" r:id="rId2"/>
-    <p:sldLayoutId id="2147483651" r:id="rId3"/>
-    <p:sldLayoutId id="2147483652" r:id="rId4"/>
-    <p:sldLayoutId id="2147483653" r:id="rId5"/>
-    <p:sldLayoutId id="2147483654" r:id="rId6"/>
-    <p:sldLayoutId id="2147483655" r:id="rId7"/>
-    <p:sldLayoutId id="2147483656" r:id="rId8"/>
-    <p:sldLayoutId id="2147483657" r:id="rId9"/>
-    <p:sldLayoutId id="2147483658" r:id="rId10"/>
-    <p:sldLayoutId id="2147483659" r:id="rId11"/>
+    <p:sldLayoutId id="2147483685" r:id="rId1"/>
+    <p:sldLayoutId id="2147483686" r:id="rId2"/>
+    <p:sldLayoutId id="2147483687" r:id="rId3"/>
+    <p:sldLayoutId id="2147483688" r:id="rId4"/>
+    <p:sldLayoutId id="2147483689" r:id="rId5"/>
+    <p:sldLayoutId id="2147483690" r:id="rId6"/>
+    <p:sldLayoutId id="2147483691" r:id="rId7"/>
+    <p:sldLayoutId id="2147483692" r:id="rId8"/>
+    <p:sldLayoutId id="2147483693" r:id="rId9"/>
+    <p:sldLayoutId id="2147483694" r:id="rId10"/>
+    <p:sldLayoutId id="2147483695" r:id="rId11"/>
   </p:sldLayoutIdLst>
+  <mc:AlternateContent xmlns:mc="http://schemas.openxmlformats.org/markup-compatibility/2006">
+    <mc:Choice xmlns:p14="http://schemas.microsoft.com/office/powerpoint/2010/main" Requires="p14">
+      <p:transition spd="slow" p14:dur="1500">
+        <p:split orient="vert"/>
+      </p:transition>
+    </mc:Choice>
+    <mc:Fallback>
+      <p:transition spd="slow">
+        <p:split orient="vert"/>
+      </p:transition>
+    </mc:Fallback>
+  </mc:AlternateContent>
   <p:txStyles>
     <p:titleStyle>
       <a:lvl1pPr algn="l" defTabSz="914400" rtl="0" eaLnBrk="1" latinLnBrk="0" hangingPunct="1">
@@ -2839,7 +3382,7 @@
     </p:bodyStyle>
     <p:otherStyle>
       <a:defPPr>
-        <a:defRPr lang="fr-FR"/>
+        <a:defRPr lang="en-US"/>
       </a:defPPr>
       <a:lvl1pPr marL="0" algn="l" defTabSz="914400" rtl="0" eaLnBrk="1" latinLnBrk="0" hangingPunct="1">
         <a:defRPr sz="1800" kern="1200">
@@ -2965,12 +3508,14 @@
         </p:nvSpPr>
         <p:spPr>
           <a:xfrm>
-            <a:off x="1524000" y="745588"/>
-            <a:ext cx="9144000" cy="1174726"/>
+            <a:off x="2806290" y="530455"/>
+            <a:ext cx="6858000" cy="773035"/>
           </a:xfrm>
         </p:spPr>
         <p:txBody>
-          <a:bodyPr/>
+          <a:bodyPr>
+            <a:normAutofit fontScale="90000"/>
+          </a:bodyPr>
           <a:lstStyle/>
           <a:p>
             <a:r>
@@ -3004,8 +3549,8 @@
         </p:nvSpPr>
         <p:spPr>
           <a:xfrm>
-            <a:off x="1524000" y="1920314"/>
-            <a:ext cx="9144000" cy="4396080"/>
+            <a:off x="2667000" y="1934936"/>
+            <a:ext cx="6858000" cy="3659610"/>
           </a:xfrm>
         </p:spPr>
         <p:txBody>
@@ -3039,6 +3584,737 @@
             <a:extLst>
               <a:ext uri="{FF2B5EF4-FFF2-40B4-BE49-F238E27FC236}">
                 <a16:creationId xmlns:a16="http://schemas.microsoft.com/office/drawing/2014/main" id="{441AED88-5061-3F18-8ABA-5503358156C4}"/>
+              </a:ext>
+            </a:extLst>
+          </p:cNvPr>
+          <p:cNvPicPr>
+            <a:picLocks noChangeAspect="1"/>
+          </p:cNvPicPr>
+          <p:nvPr/>
+        </p:nvPicPr>
+        <p:blipFill>
+          <a:blip r:embed="rId2" cstate="print">
+            <a:extLst>
+              <a:ext uri="{28A0092B-C50C-407E-A947-70E740481C1C}">
+                <a14:useLocalDpi xmlns:a14="http://schemas.microsoft.com/office/drawing/2010/main" val="0"/>
+              </a:ext>
+            </a:extLst>
+          </a:blip>
+          <a:stretch>
+            <a:fillRect/>
+          </a:stretch>
+        </p:blipFill>
+        <p:spPr>
+          <a:xfrm>
+            <a:off x="2875989" y="2486026"/>
+            <a:ext cx="6649012" cy="3230984"/>
+          </a:xfrm>
+          <a:prstGeom prst="rect">
+            <a:avLst/>
+          </a:prstGeom>
+        </p:spPr>
+      </p:pic>
+      <p:pic>
+        <p:nvPicPr>
+          <p:cNvPr id="6" name="Image 5">
+            <a:extLst>
+              <a:ext uri="{FF2B5EF4-FFF2-40B4-BE49-F238E27FC236}">
+                <a16:creationId xmlns:a16="http://schemas.microsoft.com/office/drawing/2014/main" id="{8BCBEBE2-53CD-48ED-84F6-9A50A7B966AF}"/>
+              </a:ext>
+            </a:extLst>
+          </p:cNvPr>
+          <p:cNvPicPr>
+            <a:picLocks noChangeAspect="1"/>
+          </p:cNvPicPr>
+          <p:nvPr/>
+        </p:nvPicPr>
+        <p:blipFill>
+          <a:blip r:embed="rId3">
+            <a:extLst>
+              <a:ext uri="{28A0092B-C50C-407E-A947-70E740481C1C}">
+                <a14:useLocalDpi xmlns:a14="http://schemas.microsoft.com/office/drawing/2010/main" val="0"/>
+              </a:ext>
+            </a:extLst>
+          </a:blip>
+          <a:stretch>
+            <a:fillRect/>
+          </a:stretch>
+        </p:blipFill>
+        <p:spPr>
+          <a:xfrm>
+            <a:off x="580574" y="303629"/>
+            <a:ext cx="883467" cy="773035"/>
+          </a:xfrm>
+          <a:prstGeom prst="rect">
+            <a:avLst/>
+          </a:prstGeom>
+        </p:spPr>
+      </p:pic>
+    </p:spTree>
+    <p:extLst>
+      <p:ext uri="{BB962C8B-B14F-4D97-AF65-F5344CB8AC3E}">
+        <p14:creationId xmlns:p14="http://schemas.microsoft.com/office/powerpoint/2010/main" val="4021068774"/>
+      </p:ext>
+    </p:extLst>
+  </p:cSld>
+  <p:clrMapOvr>
+    <a:masterClrMapping/>
+  </p:clrMapOvr>
+  <mc:AlternateContent xmlns:mc="http://schemas.openxmlformats.org/markup-compatibility/2006">
+    <mc:Choice xmlns:p14="http://schemas.microsoft.com/office/powerpoint/2010/main" Requires="p14">
+      <p:transition spd="slow" p14:dur="1500" advTm="6000">
+        <p:split orient="vert"/>
+      </p:transition>
+    </mc:Choice>
+    <mc:Fallback>
+      <p:transition spd="slow" advTm="6000">
+        <p:split orient="vert"/>
+      </p:transition>
+    </mc:Fallback>
+  </mc:AlternateContent>
+  <p:timing>
+    <p:tnLst>
+      <p:par>
+        <p:cTn id="1" dur="indefinite" restart="never" nodeType="tmRoot">
+          <p:childTnLst>
+            <p:seq concurrent="1" nextAc="seek">
+              <p:cTn id="2" dur="indefinite" nodeType="mainSeq">
+                <p:childTnLst>
+                  <p:par>
+                    <p:cTn id="3" fill="hold">
+                      <p:stCondLst>
+                        <p:cond delay="indefinite"/>
+                      </p:stCondLst>
+                      <p:childTnLst>
+                        <p:par>
+                          <p:cTn id="4" fill="hold">
+                            <p:stCondLst>
+                              <p:cond delay="0"/>
+                            </p:stCondLst>
+                            <p:childTnLst>
+                              <p:par>
+                                <p:cTn id="5" presetID="2" presetClass="entr" presetSubtype="4" fill="hold" nodeType="clickEffect">
+                                  <p:stCondLst>
+                                    <p:cond delay="0"/>
+                                  </p:stCondLst>
+                                  <p:childTnLst>
+                                    <p:set>
+                                      <p:cBhvr>
+                                        <p:cTn id="6" dur="1" fill="hold">
+                                          <p:stCondLst>
+                                            <p:cond delay="0"/>
+                                          </p:stCondLst>
+                                        </p:cTn>
+                                        <p:tgtEl>
+                                          <p:spTgt spid="6"/>
+                                        </p:tgtEl>
+                                        <p:attrNameLst>
+                                          <p:attrName>style.visibility</p:attrName>
+                                        </p:attrNameLst>
+                                      </p:cBhvr>
+                                      <p:to>
+                                        <p:strVal val="visible"/>
+                                      </p:to>
+                                    </p:set>
+                                    <p:anim calcmode="lin" valueType="num">
+                                      <p:cBhvr additive="base">
+                                        <p:cTn id="7" dur="500" fill="hold"/>
+                                        <p:tgtEl>
+                                          <p:spTgt spid="6"/>
+                                        </p:tgtEl>
+                                        <p:attrNameLst>
+                                          <p:attrName>ppt_x</p:attrName>
+                                        </p:attrNameLst>
+                                      </p:cBhvr>
+                                      <p:tavLst>
+                                        <p:tav tm="0">
+                                          <p:val>
+                                            <p:strVal val="#ppt_x"/>
+                                          </p:val>
+                                        </p:tav>
+                                        <p:tav tm="100000">
+                                          <p:val>
+                                            <p:strVal val="#ppt_x"/>
+                                          </p:val>
+                                        </p:tav>
+                                      </p:tavLst>
+                                    </p:anim>
+                                    <p:anim calcmode="lin" valueType="num">
+                                      <p:cBhvr additive="base">
+                                        <p:cTn id="8" dur="500" fill="hold"/>
+                                        <p:tgtEl>
+                                          <p:spTgt spid="6"/>
+                                        </p:tgtEl>
+                                        <p:attrNameLst>
+                                          <p:attrName>ppt_y</p:attrName>
+                                        </p:attrNameLst>
+                                      </p:cBhvr>
+                                      <p:tavLst>
+                                        <p:tav tm="0">
+                                          <p:val>
+                                            <p:strVal val="1+#ppt_h/2"/>
+                                          </p:val>
+                                        </p:tav>
+                                        <p:tav tm="100000">
+                                          <p:val>
+                                            <p:strVal val="#ppt_y"/>
+                                          </p:val>
+                                        </p:tav>
+                                      </p:tavLst>
+                                    </p:anim>
+                                  </p:childTnLst>
+                                </p:cTn>
+                              </p:par>
+                            </p:childTnLst>
+                          </p:cTn>
+                        </p:par>
+                      </p:childTnLst>
+                    </p:cTn>
+                  </p:par>
+                </p:childTnLst>
+              </p:cTn>
+              <p:prevCondLst>
+                <p:cond evt="onPrev" delay="0">
+                  <p:tgtEl>
+                    <p:sldTgt/>
+                  </p:tgtEl>
+                </p:cond>
+              </p:prevCondLst>
+              <p:nextCondLst>
+                <p:cond evt="onNext" delay="0">
+                  <p:tgtEl>
+                    <p:sldTgt/>
+                  </p:tgtEl>
+                </p:cond>
+              </p:nextCondLst>
+            </p:seq>
+          </p:childTnLst>
+        </p:cTn>
+      </p:par>
+    </p:tnLst>
+  </p:timing>
+</p:sld>
+</file>
+
+<file path=ppt/slides/slide10.xml><?xml version="1.0" encoding="utf-8"?>
+<p:sld xmlns:a="http://schemas.openxmlformats.org/drawingml/2006/main" xmlns:r="http://schemas.openxmlformats.org/officeDocument/2006/relationships" xmlns:p="http://schemas.openxmlformats.org/presentationml/2006/main">
+  <p:cSld>
+    <p:spTree>
+      <p:nvGrpSpPr>
+        <p:cNvPr id="1" name=""/>
+        <p:cNvGrpSpPr/>
+        <p:nvPr/>
+      </p:nvGrpSpPr>
+      <p:grpSpPr>
+        <a:xfrm>
+          <a:off x="0" y="0"/>
+          <a:ext cx="0" cy="0"/>
+          <a:chOff x="0" y="0"/>
+          <a:chExt cx="0" cy="0"/>
+        </a:xfrm>
+      </p:grpSpPr>
+      <p:sp>
+        <p:nvSpPr>
+          <p:cNvPr id="2" name="Titre 1">
+            <a:extLst>
+              <a:ext uri="{FF2B5EF4-FFF2-40B4-BE49-F238E27FC236}">
+                <a16:creationId xmlns:a16="http://schemas.microsoft.com/office/drawing/2014/main" id="{34900790-061B-764D-A059-138741A4E268}"/>
+              </a:ext>
+            </a:extLst>
+          </p:cNvPr>
+          <p:cNvSpPr>
+            <a:spLocks noGrp="1"/>
+          </p:cNvSpPr>
+          <p:nvPr>
+            <p:ph type="title"/>
+          </p:nvPr>
+        </p:nvSpPr>
+        <p:spPr>
+          <a:xfrm>
+            <a:off x="3824983" y="961662"/>
+            <a:ext cx="4631840" cy="816089"/>
+          </a:xfrm>
+        </p:spPr>
+        <p:txBody>
+          <a:bodyPr/>
+          <a:lstStyle/>
+          <a:p>
+            <a:pPr algn="ctr"/>
+            <a:r>
+              <a:rPr lang="fr-FR" b="1" dirty="0"/>
+              <a:t>Symfony CLI</a:t>
+            </a:r>
+            <a:endParaRPr lang="fr-FR" dirty="0"/>
+          </a:p>
+        </p:txBody>
+      </p:sp>
+      <p:sp>
+        <p:nvSpPr>
+          <p:cNvPr id="3" name="Espace réservé du contenu 2">
+            <a:extLst>
+              <a:ext uri="{FF2B5EF4-FFF2-40B4-BE49-F238E27FC236}">
+                <a16:creationId xmlns:a16="http://schemas.microsoft.com/office/drawing/2014/main" id="{343325AD-D32B-318F-4278-0A964DCB47FE}"/>
+              </a:ext>
+            </a:extLst>
+          </p:cNvPr>
+          <p:cNvSpPr>
+            <a:spLocks noGrp="1"/>
+          </p:cNvSpPr>
+          <p:nvPr>
+            <p:ph idx="1"/>
+          </p:nvPr>
+        </p:nvSpPr>
+        <p:spPr>
+          <a:xfrm>
+            <a:off x="1940378" y="1947184"/>
+            <a:ext cx="8401050" cy="3779723"/>
+          </a:xfrm>
+        </p:spPr>
+        <p:txBody>
+          <a:bodyPr>
+            <a:normAutofit fontScale="85000" lnSpcReduction="20000"/>
+          </a:bodyPr>
+          <a:lstStyle/>
+          <a:p>
+            <a:r>
+              <a:rPr lang="en-US" dirty="0"/>
+              <a:t>It is recommended to use the Symfony CLI command line interface that you can find on https://symfony.com/download </a:t>
+            </a:r>
+          </a:p>
+          <a:p>
+            <a:r>
+              <a:rPr lang="en-US" dirty="0"/>
+              <a:t>To check if the installation is working, go to a terminal and type the command below.</a:t>
+            </a:r>
+          </a:p>
+          <a:p>
+            <a:pPr marL="0" indent="0" algn="ctr">
+              <a:buNone/>
+            </a:pPr>
+            <a:r>
+              <a:rPr lang="fr-FR" dirty="0"/>
+              <a:t>symfony   -- version</a:t>
+            </a:r>
+          </a:p>
+          <a:p>
+            <a:pPr marL="0" indent="0">
+              <a:buNone/>
+            </a:pPr>
+            <a:r>
+              <a:rPr lang="en-US" dirty="0"/>
+              <a:t>The version should look like this:</a:t>
+            </a:r>
+          </a:p>
+          <a:p>
+            <a:pPr marL="0" indent="0">
+              <a:buNone/>
+            </a:pPr>
+            <a:endParaRPr lang="fr-FR" dirty="0"/>
+          </a:p>
+          <a:p>
+            <a:pPr marL="0" indent="0" algn="ctr">
+              <a:buNone/>
+            </a:pPr>
+            <a:r>
+              <a:rPr lang="nn-NO" dirty="0"/>
+              <a:t>Symfony CLI version 5.4.16 (c) 2017-2022 Symfony SAS</a:t>
+            </a:r>
+          </a:p>
+          <a:p>
+            <a:pPr marL="0" indent="0">
+              <a:buNone/>
+            </a:pPr>
+            <a:endParaRPr lang="en-US" dirty="0"/>
+          </a:p>
+          <a:p>
+            <a:pPr marL="0" indent="0">
+              <a:buNone/>
+            </a:pPr>
+            <a:r>
+              <a:rPr lang="en-US" dirty="0"/>
+              <a:t>Now we can finally use SYMFONY...</a:t>
+            </a:r>
+            <a:endParaRPr lang="fr-FR" dirty="0"/>
+          </a:p>
+        </p:txBody>
+      </p:sp>
+      <p:pic>
+        <p:nvPicPr>
+          <p:cNvPr id="4" name="Image 3">
+            <a:extLst>
+              <a:ext uri="{FF2B5EF4-FFF2-40B4-BE49-F238E27FC236}">
+                <a16:creationId xmlns:a16="http://schemas.microsoft.com/office/drawing/2014/main" id="{D3FEB359-EE37-40C3-0DB9-DAE70378C7AE}"/>
+              </a:ext>
+            </a:extLst>
+          </p:cNvPr>
+          <p:cNvPicPr>
+            <a:picLocks noChangeAspect="1"/>
+          </p:cNvPicPr>
+          <p:nvPr/>
+        </p:nvPicPr>
+        <p:blipFill>
+          <a:blip r:embed="rId2" cstate="print">
+            <a:extLst>
+              <a:ext uri="{28A0092B-C50C-407E-A947-70E740481C1C}">
+                <a14:useLocalDpi xmlns:a14="http://schemas.microsoft.com/office/drawing/2010/main" val="0"/>
+              </a:ext>
+            </a:extLst>
+          </a:blip>
+          <a:stretch>
+            <a:fillRect/>
+          </a:stretch>
+        </p:blipFill>
+        <p:spPr>
+          <a:xfrm>
+            <a:off x="4127351" y="1064962"/>
+            <a:ext cx="696558" cy="609489"/>
+          </a:xfrm>
+          <a:prstGeom prst="rect">
+            <a:avLst/>
+          </a:prstGeom>
+        </p:spPr>
+      </p:pic>
+    </p:spTree>
+    <p:extLst>
+      <p:ext uri="{BB962C8B-B14F-4D97-AF65-F5344CB8AC3E}">
+        <p14:creationId xmlns:p14="http://schemas.microsoft.com/office/powerpoint/2010/main" val="1924382368"/>
+      </p:ext>
+    </p:extLst>
+  </p:cSld>
+  <p:clrMapOvr>
+    <a:masterClrMapping/>
+  </p:clrMapOvr>
+  <mc:AlternateContent xmlns:mc="http://schemas.openxmlformats.org/markup-compatibility/2006">
+    <mc:Choice xmlns:p14="http://schemas.microsoft.com/office/powerpoint/2010/main" Requires="p14">
+      <p:transition spd="slow" p14:dur="1500">
+        <p:split orient="vert"/>
+      </p:transition>
+    </mc:Choice>
+    <mc:Fallback>
+      <p:transition spd="slow">
+        <p:split orient="vert"/>
+      </p:transition>
+    </mc:Fallback>
+  </mc:AlternateContent>
+</p:sld>
+</file>
+
+<file path=ppt/slides/slide11.xml><?xml version="1.0" encoding="utf-8"?>
+<p:sld xmlns:a="http://schemas.openxmlformats.org/drawingml/2006/main" xmlns:r="http://schemas.openxmlformats.org/officeDocument/2006/relationships" xmlns:p="http://schemas.openxmlformats.org/presentationml/2006/main">
+  <p:cSld>
+    <p:spTree>
+      <p:nvGrpSpPr>
+        <p:cNvPr id="1" name=""/>
+        <p:cNvGrpSpPr/>
+        <p:nvPr/>
+      </p:nvGrpSpPr>
+      <p:grpSpPr>
+        <a:xfrm>
+          <a:off x="0" y="0"/>
+          <a:ext cx="0" cy="0"/>
+          <a:chOff x="0" y="0"/>
+          <a:chExt cx="0" cy="0"/>
+        </a:xfrm>
+      </p:grpSpPr>
+      <p:sp>
+        <p:nvSpPr>
+          <p:cNvPr id="2" name="Titre 1">
+            <a:extLst>
+              <a:ext uri="{FF2B5EF4-FFF2-40B4-BE49-F238E27FC236}">
+                <a16:creationId xmlns:a16="http://schemas.microsoft.com/office/drawing/2014/main" id="{ECD850D3-2A13-7642-80CD-CCBC2CC519AD}"/>
+              </a:ext>
+            </a:extLst>
+          </p:cNvPr>
+          <p:cNvSpPr>
+            <a:spLocks noGrp="1"/>
+          </p:cNvSpPr>
+          <p:nvPr>
+            <p:ph type="title"/>
+          </p:nvPr>
+        </p:nvSpPr>
+        <p:spPr>
+          <a:xfrm>
+            <a:off x="4218119" y="1051832"/>
+            <a:ext cx="4373656" cy="632392"/>
+          </a:xfrm>
+        </p:spPr>
+        <p:txBody>
+          <a:bodyPr>
+            <a:normAutofit fontScale="90000"/>
+          </a:bodyPr>
+          <a:lstStyle/>
+          <a:p>
+            <a:pPr algn="ctr"/>
+            <a:r>
+              <a:rPr lang="fr-FR" dirty="0"/>
+              <a:t>First </a:t>
+            </a:r>
+            <a:r>
+              <a:rPr lang="fr-FR" dirty="0" err="1"/>
+              <a:t>project</a:t>
+            </a:r>
+            <a:endParaRPr lang="fr-FR" dirty="0"/>
+          </a:p>
+        </p:txBody>
+      </p:sp>
+      <p:sp>
+        <p:nvSpPr>
+          <p:cNvPr id="3" name="Espace réservé du contenu 2">
+            <a:extLst>
+              <a:ext uri="{FF2B5EF4-FFF2-40B4-BE49-F238E27FC236}">
+                <a16:creationId xmlns:a16="http://schemas.microsoft.com/office/drawing/2014/main" id="{79755EE9-8970-A876-4E9A-3AB7E31AC0D7}"/>
+              </a:ext>
+            </a:extLst>
+          </p:cNvPr>
+          <p:cNvSpPr>
+            <a:spLocks noGrp="1"/>
+          </p:cNvSpPr>
+          <p:nvPr>
+            <p:ph idx="1"/>
+          </p:nvPr>
+        </p:nvSpPr>
+        <p:spPr>
+          <a:xfrm>
+            <a:off x="2152650" y="1959428"/>
+            <a:ext cx="7886700" cy="3530544"/>
+          </a:xfrm>
+        </p:spPr>
+        <p:txBody>
+          <a:bodyPr>
+            <a:normAutofit fontScale="77500" lnSpcReduction="20000"/>
+          </a:bodyPr>
+          <a:lstStyle/>
+          <a:p>
+            <a:r>
+              <a:rPr lang="en-US" dirty="0"/>
+              <a:t>We will finally generate our first project with SYMFONY.</a:t>
+            </a:r>
+          </a:p>
+          <a:p>
+            <a:r>
+              <a:rPr lang="en-US" dirty="0"/>
+              <a:t>From the desired location, right click on the mouse and select: </a:t>
+            </a:r>
+          </a:p>
+          <a:p>
+            <a:pPr marL="0" indent="0">
+              <a:buNone/>
+            </a:pPr>
+            <a:r>
+              <a:rPr lang="en-US" dirty="0"/>
+              <a:t>   git bash here.</a:t>
+            </a:r>
+          </a:p>
+          <a:p>
+            <a:r>
+              <a:rPr lang="en-US" dirty="0"/>
+              <a:t>Enter the following command to create the project:</a:t>
+            </a:r>
+          </a:p>
+          <a:p>
+            <a:pPr marL="0" indent="0">
+              <a:buNone/>
+            </a:pPr>
+            <a:r>
+              <a:rPr lang="en-US" i="1" dirty="0"/>
+              <a:t>      symfony new </a:t>
+            </a:r>
+            <a:r>
+              <a:rPr lang="en-US" i="1" dirty="0" err="1"/>
+              <a:t>my_project_directory</a:t>
+            </a:r>
+            <a:r>
+              <a:rPr lang="en-US" i="1" dirty="0"/>
+              <a:t> --version="6.1.*" –webapp</a:t>
+            </a:r>
+          </a:p>
+          <a:p>
+            <a:endParaRPr lang="en-US" i="1" dirty="0"/>
+          </a:p>
+          <a:p>
+            <a:r>
+              <a:rPr lang="en-US" i="1" dirty="0"/>
+              <a:t>Once this is done, the project structure is on your location.</a:t>
+            </a:r>
+          </a:p>
+          <a:p>
+            <a:r>
+              <a:rPr lang="en-US" i="1" dirty="0"/>
+              <a:t>But what does this project contain?</a:t>
+            </a:r>
+            <a:endParaRPr lang="fr-FR" i="1" dirty="0"/>
+          </a:p>
+        </p:txBody>
+      </p:sp>
+      <p:pic>
+        <p:nvPicPr>
+          <p:cNvPr id="4" name="Image 3">
+            <a:extLst>
+              <a:ext uri="{FF2B5EF4-FFF2-40B4-BE49-F238E27FC236}">
+                <a16:creationId xmlns:a16="http://schemas.microsoft.com/office/drawing/2014/main" id="{E23129B4-45DA-DED7-1353-1FEF223D8256}"/>
+              </a:ext>
+            </a:extLst>
+          </p:cNvPr>
+          <p:cNvPicPr>
+            <a:picLocks noChangeAspect="1"/>
+          </p:cNvPicPr>
+          <p:nvPr/>
+        </p:nvPicPr>
+        <p:blipFill>
+          <a:blip r:embed="rId2" cstate="print">
+            <a:extLst>
+              <a:ext uri="{28A0092B-C50C-407E-A947-70E740481C1C}">
+                <a14:useLocalDpi xmlns:a14="http://schemas.microsoft.com/office/drawing/2010/main" val="0"/>
+              </a:ext>
+            </a:extLst>
+          </a:blip>
+          <a:stretch>
+            <a:fillRect/>
+          </a:stretch>
+        </p:blipFill>
+        <p:spPr>
+          <a:xfrm>
+            <a:off x="4312920" y="1063284"/>
+            <a:ext cx="696558" cy="609489"/>
+          </a:xfrm>
+          <a:prstGeom prst="rect">
+            <a:avLst/>
+          </a:prstGeom>
+        </p:spPr>
+      </p:pic>
+    </p:spTree>
+    <p:extLst>
+      <p:ext uri="{BB962C8B-B14F-4D97-AF65-F5344CB8AC3E}">
+        <p14:creationId xmlns:p14="http://schemas.microsoft.com/office/powerpoint/2010/main" val="3886345958"/>
+      </p:ext>
+    </p:extLst>
+  </p:cSld>
+  <p:clrMapOvr>
+    <a:masterClrMapping/>
+  </p:clrMapOvr>
+  <mc:AlternateContent xmlns:mc="http://schemas.openxmlformats.org/markup-compatibility/2006">
+    <mc:Choice xmlns:p14="http://schemas.microsoft.com/office/powerpoint/2010/main" Requires="p14">
+      <p:transition spd="slow" p14:dur="1500">
+        <p:split orient="vert"/>
+      </p:transition>
+    </mc:Choice>
+    <mc:Fallback>
+      <p:transition spd="slow">
+        <p:split orient="vert"/>
+      </p:transition>
+    </mc:Fallback>
+  </mc:AlternateContent>
+</p:sld>
+</file>
+
+<file path=ppt/slides/slide2.xml><?xml version="1.0" encoding="utf-8"?>
+<p:sld xmlns:a="http://schemas.openxmlformats.org/drawingml/2006/main" xmlns:r="http://schemas.openxmlformats.org/officeDocument/2006/relationships" xmlns:p="http://schemas.openxmlformats.org/presentationml/2006/main">
+  <p:cSld>
+    <p:spTree>
+      <p:nvGrpSpPr>
+        <p:cNvPr id="1" name=""/>
+        <p:cNvGrpSpPr/>
+        <p:nvPr/>
+      </p:nvGrpSpPr>
+      <p:grpSpPr>
+        <a:xfrm>
+          <a:off x="0" y="0"/>
+          <a:ext cx="0" cy="0"/>
+          <a:chOff x="0" y="0"/>
+          <a:chExt cx="0" cy="0"/>
+        </a:xfrm>
+      </p:grpSpPr>
+      <p:sp>
+        <p:nvSpPr>
+          <p:cNvPr id="2" name="Titre 1"/>
+          <p:cNvSpPr>
+            <a:spLocks noGrp="1"/>
+          </p:cNvSpPr>
+          <p:nvPr>
+            <p:ph type="title"/>
+          </p:nvPr>
+        </p:nvSpPr>
+        <p:spPr/>
+        <p:txBody>
+          <a:bodyPr/>
+          <a:lstStyle/>
+          <a:p>
+            <a:r>
+              <a:rPr lang="fr-FR" dirty="0">
+                <a:solidFill>
+                  <a:srgbClr val="FF0000"/>
+                </a:solidFill>
+              </a:rPr>
+              <a:t>                      PRESENTATION</a:t>
+            </a:r>
+          </a:p>
+        </p:txBody>
+      </p:sp>
+      <p:sp>
+        <p:nvSpPr>
+          <p:cNvPr id="3" name="Espace réservé du contenu 2"/>
+          <p:cNvSpPr>
+            <a:spLocks noGrp="1"/>
+          </p:cNvSpPr>
+          <p:nvPr>
+            <p:ph idx="1"/>
+          </p:nvPr>
+        </p:nvSpPr>
+        <p:spPr>
+          <a:xfrm>
+            <a:off x="2152650" y="2803120"/>
+            <a:ext cx="7886700" cy="1251760"/>
+          </a:xfrm>
+        </p:spPr>
+        <p:txBody>
+          <a:bodyPr/>
+          <a:lstStyle/>
+          <a:p>
+            <a:r>
+              <a:rPr lang="fr-FR" dirty="0"/>
+              <a:t>Hello </a:t>
+            </a:r>
+            <a:r>
+              <a:rPr lang="fr-FR" dirty="0" err="1"/>
+              <a:t>my</a:t>
+            </a:r>
+            <a:r>
+              <a:rPr lang="fr-FR" dirty="0"/>
+              <a:t> </a:t>
+            </a:r>
+            <a:r>
+              <a:rPr lang="fr-FR" dirty="0" err="1"/>
+              <a:t>name</a:t>
+            </a:r>
+            <a:r>
+              <a:rPr lang="fr-FR" dirty="0"/>
+              <a:t> </a:t>
+            </a:r>
+            <a:r>
+              <a:rPr lang="fr-FR" dirty="0" err="1"/>
+              <a:t>is</a:t>
+            </a:r>
+            <a:r>
+              <a:rPr lang="fr-FR" dirty="0"/>
+              <a:t> Philippe Da Costa ,future  application web designer and </a:t>
+            </a:r>
+            <a:r>
+              <a:rPr lang="fr-FR" dirty="0" err="1"/>
+              <a:t>developer</a:t>
+            </a:r>
+            <a:r>
+              <a:rPr lang="fr-FR" dirty="0"/>
+              <a:t>.</a:t>
+            </a:r>
+          </a:p>
+        </p:txBody>
+      </p:sp>
+      <p:pic>
+        <p:nvPicPr>
+          <p:cNvPr id="6" name="Image 5">
+            <a:extLst>
+              <a:ext uri="{FF2B5EF4-FFF2-40B4-BE49-F238E27FC236}">
+                <a16:creationId xmlns:a16="http://schemas.microsoft.com/office/drawing/2014/main" id="{2C2D85C5-C2ED-03C4-C4CD-D030755EDAB7}"/>
               </a:ext>
             </a:extLst>
           </p:cNvPr>
@@ -3061,129 +4337,14 @@
         </p:blipFill>
         <p:spPr>
           <a:xfrm>
-            <a:off x="1524000" y="2303231"/>
-            <a:ext cx="9144000" cy="4311853"/>
+            <a:off x="264010" y="180508"/>
+            <a:ext cx="1303937" cy="1140946"/>
           </a:xfrm>
           <a:prstGeom prst="rect">
             <a:avLst/>
           </a:prstGeom>
         </p:spPr>
       </p:pic>
-    </p:spTree>
-    <p:extLst>
-      <p:ext uri="{BB962C8B-B14F-4D97-AF65-F5344CB8AC3E}">
-        <p14:creationId xmlns:p14="http://schemas.microsoft.com/office/powerpoint/2010/main" val="4021068774"/>
-      </p:ext>
-    </p:extLst>
-  </p:cSld>
-  <p:clrMapOvr>
-    <a:masterClrMapping/>
-  </p:clrMapOvr>
-</p:sld>
-</file>
-
-<file path=ppt/slides/slide2.xml><?xml version="1.0" encoding="utf-8"?>
-<p:sld xmlns:a="http://schemas.openxmlformats.org/drawingml/2006/main" xmlns:r="http://schemas.openxmlformats.org/officeDocument/2006/relationships" xmlns:p="http://schemas.openxmlformats.org/presentationml/2006/main">
-  <p:cSld>
-    <p:spTree>
-      <p:nvGrpSpPr>
-        <p:cNvPr id="1" name=""/>
-        <p:cNvGrpSpPr/>
-        <p:nvPr/>
-      </p:nvGrpSpPr>
-      <p:grpSpPr>
-        <a:xfrm>
-          <a:off x="0" y="0"/>
-          <a:ext cx="0" cy="0"/>
-          <a:chOff x="0" y="0"/>
-          <a:chExt cx="0" cy="0"/>
-        </a:xfrm>
-      </p:grpSpPr>
-      <p:sp>
-        <p:nvSpPr>
-          <p:cNvPr id="2" name="Titre 1"/>
-          <p:cNvSpPr>
-            <a:spLocks noGrp="1"/>
-          </p:cNvSpPr>
-          <p:nvPr>
-            <p:ph type="title"/>
-          </p:nvPr>
-        </p:nvSpPr>
-        <p:spPr/>
-        <p:txBody>
-          <a:bodyPr/>
-          <a:lstStyle/>
-          <a:p>
-            <a:r>
-              <a:rPr lang="fr-FR" dirty="0">
-                <a:solidFill>
-                  <a:srgbClr val="FF0000"/>
-                </a:solidFill>
-              </a:rPr>
-              <a:t>                      PRESENTATION</a:t>
-            </a:r>
-          </a:p>
-        </p:txBody>
-      </p:sp>
-      <p:sp>
-        <p:nvSpPr>
-          <p:cNvPr id="3" name="Espace réservé du contenu 2"/>
-          <p:cNvSpPr>
-            <a:spLocks noGrp="1"/>
-          </p:cNvSpPr>
-          <p:nvPr>
-            <p:ph idx="1"/>
-          </p:nvPr>
-        </p:nvSpPr>
-        <p:spPr>
-          <a:xfrm>
-            <a:off x="838200" y="2594493"/>
-            <a:ext cx="10515600" cy="1669013"/>
-          </a:xfrm>
-        </p:spPr>
-        <p:txBody>
-          <a:bodyPr/>
-          <a:lstStyle/>
-          <a:p>
-            <a:r>
-              <a:rPr lang="fr-FR" dirty="0"/>
-              <a:t>Hello </a:t>
-            </a:r>
-            <a:r>
-              <a:rPr lang="fr-FR" dirty="0" err="1"/>
-              <a:t>my</a:t>
-            </a:r>
-            <a:r>
-              <a:rPr lang="fr-FR" dirty="0"/>
-              <a:t> </a:t>
-            </a:r>
-            <a:r>
-              <a:rPr lang="fr-FR" dirty="0" err="1"/>
-              <a:t>name</a:t>
-            </a:r>
-            <a:r>
-              <a:rPr lang="fr-FR" dirty="0"/>
-              <a:t> </a:t>
-            </a:r>
-            <a:r>
-              <a:rPr lang="fr-FR" dirty="0" err="1"/>
-              <a:t>is</a:t>
-            </a:r>
-            <a:r>
-              <a:rPr lang="fr-FR" dirty="0"/>
-              <a:t> Philippe Da Costa ,future  application web designer and </a:t>
-            </a:r>
-            <a:r>
-              <a:rPr lang="fr-FR" dirty="0" err="1"/>
-              <a:t>developer</a:t>
-            </a:r>
-            <a:r>
-              <a:rPr lang="fr-FR" dirty="0"/>
-              <a:t>.</a:t>
-            </a:r>
-          </a:p>
-        </p:txBody>
-      </p:sp>
     </p:spTree>
     <p:extLst>
       <p:ext uri="{BB962C8B-B14F-4D97-AF65-F5344CB8AC3E}">
@@ -3194,6 +4355,147 @@
   <p:clrMapOvr>
     <a:masterClrMapping/>
   </p:clrMapOvr>
+  <mc:AlternateContent xmlns:mc="http://schemas.openxmlformats.org/markup-compatibility/2006">
+    <mc:Choice xmlns:p14="http://schemas.microsoft.com/office/powerpoint/2010/main" Requires="p14">
+      <p:transition spd="slow" p14:dur="1500">
+        <p:split orient="vert"/>
+      </p:transition>
+    </mc:Choice>
+    <mc:Fallback>
+      <p:transition spd="slow">
+        <p:split orient="vert"/>
+      </p:transition>
+    </mc:Fallback>
+  </mc:AlternateContent>
+  <p:timing>
+    <p:tnLst>
+      <p:par>
+        <p:cTn id="1" dur="indefinite" restart="never" nodeType="tmRoot">
+          <p:childTnLst>
+            <p:seq concurrent="1" nextAc="seek">
+              <p:cTn id="2" dur="indefinite" nodeType="mainSeq">
+                <p:childTnLst>
+                  <p:par>
+                    <p:cTn id="3" fill="hold">
+                      <p:stCondLst>
+                        <p:cond delay="indefinite"/>
+                      </p:stCondLst>
+                      <p:childTnLst>
+                        <p:par>
+                          <p:cTn id="4" fill="hold">
+                            <p:stCondLst>
+                              <p:cond delay="0"/>
+                            </p:stCondLst>
+                            <p:childTnLst>
+                              <p:par>
+                                <p:cTn id="5" presetID="42" presetClass="entr" presetSubtype="0" fill="hold" nodeType="clickEffect">
+                                  <p:stCondLst>
+                                    <p:cond delay="0"/>
+                                  </p:stCondLst>
+                                  <p:childTnLst>
+                                    <p:set>
+                                      <p:cBhvr>
+                                        <p:cTn id="6" dur="1" fill="hold">
+                                          <p:stCondLst>
+                                            <p:cond delay="0"/>
+                                          </p:stCondLst>
+                                        </p:cTn>
+                                        <p:tgtEl>
+                                          <p:spTgt spid="6"/>
+                                        </p:tgtEl>
+                                        <p:attrNameLst>
+                                          <p:attrName>style.visibility</p:attrName>
+                                        </p:attrNameLst>
+                                      </p:cBhvr>
+                                      <p:to>
+                                        <p:strVal val="visible"/>
+                                      </p:to>
+                                    </p:set>
+                                    <p:animEffect transition="in" filter="fade">
+                                      <p:cBhvr>
+                                        <p:cTn id="7" dur="1000"/>
+                                        <p:tgtEl>
+                                          <p:spTgt spid="6"/>
+                                        </p:tgtEl>
+                                      </p:cBhvr>
+                                    </p:animEffect>
+                                    <p:anim calcmode="lin" valueType="num">
+                                      <p:cBhvr>
+                                        <p:cTn id="8" dur="1000" fill="hold"/>
+                                        <p:tgtEl>
+                                          <p:spTgt spid="6"/>
+                                        </p:tgtEl>
+                                        <p:attrNameLst>
+                                          <p:attrName>ppt_x</p:attrName>
+                                        </p:attrNameLst>
+                                      </p:cBhvr>
+                                      <p:tavLst>
+                                        <p:tav tm="0">
+                                          <p:val>
+                                            <p:strVal val="#ppt_x"/>
+                                          </p:val>
+                                        </p:tav>
+                                        <p:tav tm="100000">
+                                          <p:val>
+                                            <p:strVal val="#ppt_x"/>
+                                          </p:val>
+                                        </p:tav>
+                                      </p:tavLst>
+                                    </p:anim>
+                                    <p:anim calcmode="lin" valueType="num">
+                                      <p:cBhvr>
+                                        <p:cTn id="9" dur="1000" fill="hold"/>
+                                        <p:tgtEl>
+                                          <p:spTgt spid="6"/>
+                                        </p:tgtEl>
+                                        <p:attrNameLst>
+                                          <p:attrName>ppt_y</p:attrName>
+                                        </p:attrNameLst>
+                                      </p:cBhvr>
+                                      <p:tavLst>
+                                        <p:tav tm="0">
+                                          <p:val>
+                                            <p:strVal val="#ppt_y+.1"/>
+                                          </p:val>
+                                        </p:tav>
+                                        <p:tav tm="100000">
+                                          <p:val>
+                                            <p:strVal val="#ppt_y"/>
+                                          </p:val>
+                                        </p:tav>
+                                      </p:tavLst>
+                                    </p:anim>
+                                  </p:childTnLst>
+                                </p:cTn>
+                              </p:par>
+                            </p:childTnLst>
+                          </p:cTn>
+                        </p:par>
+                      </p:childTnLst>
+                    </p:cTn>
+                  </p:par>
+                </p:childTnLst>
+              </p:cTn>
+              <p:prevCondLst>
+                <p:cond evt="onPrev" delay="0">
+                  <p:tgtEl>
+                    <p:sldTgt/>
+                  </p:tgtEl>
+                </p:cond>
+              </p:prevCondLst>
+              <p:nextCondLst>
+                <p:cond evt="onNext" delay="0">
+                  <p:tgtEl>
+                    <p:sldTgt/>
+                  </p:tgtEl>
+                </p:cond>
+              </p:nextCondLst>
+            </p:seq>
+          </p:childTnLst>
+        </p:cTn>
+      </p:par>
+    </p:tnLst>
+  </p:timing>
 </p:sld>
 </file>
 
@@ -3224,9 +4526,16 @@
             <p:ph type="title"/>
           </p:nvPr>
         </p:nvSpPr>
-        <p:spPr/>
-        <p:txBody>
-          <a:bodyPr/>
+        <p:spPr>
+          <a:xfrm>
+            <a:off x="2758441" y="387927"/>
+            <a:ext cx="7419189" cy="879914"/>
+          </a:xfrm>
+        </p:spPr>
+        <p:txBody>
+          <a:bodyPr>
+            <a:normAutofit fontScale="90000"/>
+          </a:bodyPr>
           <a:lstStyle/>
           <a:p>
             <a:r>
@@ -3339,6 +4648,42 @@
           </a:p>
         </p:txBody>
       </p:sp>
+      <p:pic>
+        <p:nvPicPr>
+          <p:cNvPr id="4" name="Image 3">
+            <a:extLst>
+              <a:ext uri="{FF2B5EF4-FFF2-40B4-BE49-F238E27FC236}">
+                <a16:creationId xmlns:a16="http://schemas.microsoft.com/office/drawing/2014/main" id="{355F59B8-F82E-5AB6-55F0-729A6D64C09C}"/>
+              </a:ext>
+            </a:extLst>
+          </p:cNvPr>
+          <p:cNvPicPr>
+            <a:picLocks noChangeAspect="1"/>
+          </p:cNvPicPr>
+          <p:nvPr/>
+        </p:nvPicPr>
+        <p:blipFill>
+          <a:blip r:embed="rId2">
+            <a:extLst>
+              <a:ext uri="{28A0092B-C50C-407E-A947-70E740481C1C}">
+                <a14:useLocalDpi xmlns:a14="http://schemas.microsoft.com/office/drawing/2010/main" val="0"/>
+              </a:ext>
+            </a:extLst>
+          </a:blip>
+          <a:stretch>
+            <a:fillRect/>
+          </a:stretch>
+        </p:blipFill>
+        <p:spPr>
+          <a:xfrm>
+            <a:off x="141641" y="218395"/>
+            <a:ext cx="1005615" cy="879914"/>
+          </a:xfrm>
+          <a:prstGeom prst="rect">
+            <a:avLst/>
+          </a:prstGeom>
+        </p:spPr>
+      </p:pic>
     </p:spTree>
     <p:extLst>
       <p:ext uri="{BB962C8B-B14F-4D97-AF65-F5344CB8AC3E}">
@@ -3349,6 +4694,101 @@
   <p:clrMapOvr>
     <a:masterClrMapping/>
   </p:clrMapOvr>
+  <mc:AlternateContent xmlns:mc="http://schemas.openxmlformats.org/markup-compatibility/2006">
+    <mc:Choice xmlns:p14="http://schemas.microsoft.com/office/powerpoint/2010/main" Requires="p14">
+      <p:transition spd="slow" p14:dur="1500">
+        <p:split orient="vert"/>
+      </p:transition>
+    </mc:Choice>
+    <mc:Fallback>
+      <p:transition spd="slow">
+        <p:split orient="vert"/>
+      </p:transition>
+    </mc:Fallback>
+  </mc:AlternateContent>
+  <p:timing>
+    <p:tnLst>
+      <p:par>
+        <p:cTn id="1" dur="indefinite" restart="never" nodeType="tmRoot">
+          <p:childTnLst>
+            <p:seq concurrent="1" nextAc="seek">
+              <p:cTn id="2" dur="indefinite" nodeType="mainSeq">
+                <p:childTnLst>
+                  <p:par>
+                    <p:cTn id="3" fill="hold">
+                      <p:stCondLst>
+                        <p:cond delay="indefinite"/>
+                      </p:stCondLst>
+                      <p:childTnLst>
+                        <p:par>
+                          <p:cTn id="4" fill="hold">
+                            <p:stCondLst>
+                              <p:cond delay="0"/>
+                            </p:stCondLst>
+                            <p:childTnLst>
+                              <p:par>
+                                <p:cTn id="5" presetID="6" presetClass="entr" presetSubtype="16" fill="hold" nodeType="clickEffect">
+                                  <p:stCondLst>
+                                    <p:cond delay="0"/>
+                                  </p:stCondLst>
+                                  <p:childTnLst>
+                                    <p:set>
+                                      <p:cBhvr>
+                                        <p:cTn id="6" dur="1" fill="hold">
+                                          <p:stCondLst>
+                                            <p:cond delay="0"/>
+                                          </p:stCondLst>
+                                        </p:cTn>
+                                        <p:tgtEl>
+                                          <p:spTgt spid="4"/>
+                                        </p:tgtEl>
+                                        <p:attrNameLst>
+                                          <p:attrName>style.visibility</p:attrName>
+                                        </p:attrNameLst>
+                                      </p:cBhvr>
+                                      <p:to>
+                                        <p:strVal val="visible"/>
+                                      </p:to>
+                                    </p:set>
+                                    <p:animEffect transition="in" filter="circle(in)">
+                                      <p:cBhvr>
+                                        <p:cTn id="7" dur="2000"/>
+                                        <p:tgtEl>
+                                          <p:spTgt spid="4"/>
+                                        </p:tgtEl>
+                                      </p:cBhvr>
+                                    </p:animEffect>
+                                  </p:childTnLst>
+                                </p:cTn>
+                              </p:par>
+                            </p:childTnLst>
+                          </p:cTn>
+                        </p:par>
+                      </p:childTnLst>
+                    </p:cTn>
+                  </p:par>
+                </p:childTnLst>
+              </p:cTn>
+              <p:prevCondLst>
+                <p:cond evt="onPrev" delay="0">
+                  <p:tgtEl>
+                    <p:sldTgt/>
+                  </p:tgtEl>
+                </p:cond>
+              </p:prevCondLst>
+              <p:nextCondLst>
+                <p:cond evt="onNext" delay="0">
+                  <p:tgtEl>
+                    <p:sldTgt/>
+                  </p:tgtEl>
+                </p:cond>
+              </p:nextCondLst>
+            </p:seq>
+          </p:childTnLst>
+        </p:cTn>
+      </p:par>
+    </p:tnLst>
+  </p:timing>
 </p:sld>
 </file>
 
@@ -3381,8 +4821,8 @@
         </p:nvSpPr>
         <p:spPr>
           <a:xfrm>
-            <a:off x="838200" y="365126"/>
-            <a:ext cx="10515600" cy="912530"/>
+            <a:off x="2777266" y="338838"/>
+            <a:ext cx="6637468" cy="684398"/>
           </a:xfrm>
         </p:spPr>
         <p:txBody>
@@ -3396,7 +4836,7 @@
             </a:br>
             <a:r>
               <a:rPr lang="fr-FR" dirty="0"/>
-              <a:t>                      Framework </a:t>
+              <a:t>            Framework </a:t>
             </a:r>
             <a:r>
               <a:rPr lang="fr-FR" dirty="0" err="1"/>
@@ -3421,7 +4861,9 @@
         </p:nvSpPr>
         <p:spPr/>
         <p:txBody>
-          <a:bodyPr/>
+          <a:bodyPr>
+            <a:normAutofit/>
+          </a:bodyPr>
           <a:lstStyle/>
           <a:p>
             <a:r>
@@ -3485,6 +4927,42 @@
           </a:p>
         </p:txBody>
       </p:sp>
+      <p:pic>
+        <p:nvPicPr>
+          <p:cNvPr id="4" name="Image 3">
+            <a:extLst>
+              <a:ext uri="{FF2B5EF4-FFF2-40B4-BE49-F238E27FC236}">
+                <a16:creationId xmlns:a16="http://schemas.microsoft.com/office/drawing/2014/main" id="{1CADB17E-4E83-C7ED-01FB-A97B77B04025}"/>
+              </a:ext>
+            </a:extLst>
+          </p:cNvPr>
+          <p:cNvPicPr>
+            <a:picLocks noChangeAspect="1"/>
+          </p:cNvPicPr>
+          <p:nvPr/>
+        </p:nvPicPr>
+        <p:blipFill>
+          <a:blip r:embed="rId2">
+            <a:extLst>
+              <a:ext uri="{28A0092B-C50C-407E-A947-70E740481C1C}">
+                <a14:useLocalDpi xmlns:a14="http://schemas.microsoft.com/office/drawing/2010/main" val="0"/>
+              </a:ext>
+            </a:extLst>
+          </a:blip>
+          <a:stretch>
+            <a:fillRect/>
+          </a:stretch>
+        </p:blipFill>
+        <p:spPr>
+          <a:xfrm>
+            <a:off x="453614" y="258793"/>
+            <a:ext cx="1332155" cy="1165637"/>
+          </a:xfrm>
+          <a:prstGeom prst="rect">
+            <a:avLst/>
+          </a:prstGeom>
+        </p:spPr>
+      </p:pic>
     </p:spTree>
     <p:extLst>
       <p:ext uri="{BB962C8B-B14F-4D97-AF65-F5344CB8AC3E}">
@@ -3495,6 +4973,147 @@
   <p:clrMapOvr>
     <a:masterClrMapping/>
   </p:clrMapOvr>
+  <mc:AlternateContent xmlns:mc="http://schemas.openxmlformats.org/markup-compatibility/2006">
+    <mc:Choice xmlns:p14="http://schemas.microsoft.com/office/powerpoint/2010/main" Requires="p14">
+      <p:transition spd="slow" p14:dur="1500">
+        <p:split orient="vert"/>
+      </p:transition>
+    </mc:Choice>
+    <mc:Fallback>
+      <p:transition spd="slow">
+        <p:split orient="vert"/>
+      </p:transition>
+    </mc:Fallback>
+  </mc:AlternateContent>
+  <p:timing>
+    <p:tnLst>
+      <p:par>
+        <p:cTn id="1" dur="indefinite" restart="never" nodeType="tmRoot">
+          <p:childTnLst>
+            <p:seq concurrent="1" nextAc="seek">
+              <p:cTn id="2" dur="indefinite" nodeType="mainSeq">
+                <p:childTnLst>
+                  <p:par>
+                    <p:cTn id="3" fill="hold">
+                      <p:stCondLst>
+                        <p:cond delay="indefinite"/>
+                      </p:stCondLst>
+                      <p:childTnLst>
+                        <p:par>
+                          <p:cTn id="4" fill="hold">
+                            <p:stCondLst>
+                              <p:cond delay="0"/>
+                            </p:stCondLst>
+                            <p:childTnLst>
+                              <p:par>
+                                <p:cTn id="5" presetID="42" presetClass="entr" presetSubtype="0" fill="hold" nodeType="clickEffect">
+                                  <p:stCondLst>
+                                    <p:cond delay="0"/>
+                                  </p:stCondLst>
+                                  <p:childTnLst>
+                                    <p:set>
+                                      <p:cBhvr>
+                                        <p:cTn id="6" dur="1" fill="hold">
+                                          <p:stCondLst>
+                                            <p:cond delay="0"/>
+                                          </p:stCondLst>
+                                        </p:cTn>
+                                        <p:tgtEl>
+                                          <p:spTgt spid="4"/>
+                                        </p:tgtEl>
+                                        <p:attrNameLst>
+                                          <p:attrName>style.visibility</p:attrName>
+                                        </p:attrNameLst>
+                                      </p:cBhvr>
+                                      <p:to>
+                                        <p:strVal val="visible"/>
+                                      </p:to>
+                                    </p:set>
+                                    <p:animEffect transition="in" filter="fade">
+                                      <p:cBhvr>
+                                        <p:cTn id="7" dur="1000"/>
+                                        <p:tgtEl>
+                                          <p:spTgt spid="4"/>
+                                        </p:tgtEl>
+                                      </p:cBhvr>
+                                    </p:animEffect>
+                                    <p:anim calcmode="lin" valueType="num">
+                                      <p:cBhvr>
+                                        <p:cTn id="8" dur="1000" fill="hold"/>
+                                        <p:tgtEl>
+                                          <p:spTgt spid="4"/>
+                                        </p:tgtEl>
+                                        <p:attrNameLst>
+                                          <p:attrName>ppt_x</p:attrName>
+                                        </p:attrNameLst>
+                                      </p:cBhvr>
+                                      <p:tavLst>
+                                        <p:tav tm="0">
+                                          <p:val>
+                                            <p:strVal val="#ppt_x"/>
+                                          </p:val>
+                                        </p:tav>
+                                        <p:tav tm="100000">
+                                          <p:val>
+                                            <p:strVal val="#ppt_x"/>
+                                          </p:val>
+                                        </p:tav>
+                                      </p:tavLst>
+                                    </p:anim>
+                                    <p:anim calcmode="lin" valueType="num">
+                                      <p:cBhvr>
+                                        <p:cTn id="9" dur="1000" fill="hold"/>
+                                        <p:tgtEl>
+                                          <p:spTgt spid="4"/>
+                                        </p:tgtEl>
+                                        <p:attrNameLst>
+                                          <p:attrName>ppt_y</p:attrName>
+                                        </p:attrNameLst>
+                                      </p:cBhvr>
+                                      <p:tavLst>
+                                        <p:tav tm="0">
+                                          <p:val>
+                                            <p:strVal val="#ppt_y+.1"/>
+                                          </p:val>
+                                        </p:tav>
+                                        <p:tav tm="100000">
+                                          <p:val>
+                                            <p:strVal val="#ppt_y"/>
+                                          </p:val>
+                                        </p:tav>
+                                      </p:tavLst>
+                                    </p:anim>
+                                  </p:childTnLst>
+                                </p:cTn>
+                              </p:par>
+                            </p:childTnLst>
+                          </p:cTn>
+                        </p:par>
+                      </p:childTnLst>
+                    </p:cTn>
+                  </p:par>
+                </p:childTnLst>
+              </p:cTn>
+              <p:prevCondLst>
+                <p:cond evt="onPrev" delay="0">
+                  <p:tgtEl>
+                    <p:sldTgt/>
+                  </p:tgtEl>
+                </p:cond>
+              </p:prevCondLst>
+              <p:nextCondLst>
+                <p:cond evt="onNext" delay="0">
+                  <p:tgtEl>
+                    <p:sldTgt/>
+                  </p:tgtEl>
+                </p:cond>
+              </p:nextCondLst>
+            </p:seq>
+          </p:childTnLst>
+        </p:cTn>
+      </p:par>
+    </p:tnLst>
+  </p:timing>
 </p:sld>
 </file>
 
@@ -3527,8 +5146,8 @@
         </p:nvSpPr>
         <p:spPr>
           <a:xfrm>
-            <a:off x="1524000" y="615369"/>
-            <a:ext cx="9144000" cy="894327"/>
+            <a:off x="2667000" y="1318778"/>
+            <a:ext cx="6858000" cy="670745"/>
           </a:xfrm>
         </p:spPr>
         <p:txBody>
@@ -3554,7 +5173,7 @@
               <a:t> </a:t>
             </a:r>
             <a:r>
-              <a:rPr lang="fr-FR" sz="5300" b="1" dirty="0"/>
+              <a:rPr lang="fr-FR" sz="3975" b="1" dirty="0"/>
               <a:t>SYMFONY</a:t>
             </a:r>
             <a:r>
@@ -3576,13 +5195,13 @@
         </p:nvSpPr>
         <p:spPr>
           <a:xfrm>
-            <a:off x="1315771" y="1897878"/>
-            <a:ext cx="9144000" cy="4186049"/>
+            <a:off x="2510828" y="2280660"/>
+            <a:ext cx="6858000" cy="3139537"/>
           </a:xfrm>
         </p:spPr>
         <p:txBody>
           <a:bodyPr>
-            <a:normAutofit/>
+            <a:normAutofit fontScale="85000" lnSpcReduction="20000"/>
           </a:bodyPr>
           <a:lstStyle/>
           <a:p>
@@ -3659,6 +5278,42 @@
           </a:p>
         </p:txBody>
       </p:sp>
+      <p:pic>
+        <p:nvPicPr>
+          <p:cNvPr id="4" name="Image 3">
+            <a:extLst>
+              <a:ext uri="{FF2B5EF4-FFF2-40B4-BE49-F238E27FC236}">
+                <a16:creationId xmlns:a16="http://schemas.microsoft.com/office/drawing/2014/main" id="{CE627346-4D1B-5328-01A9-1D2B8794447F}"/>
+              </a:ext>
+            </a:extLst>
+          </p:cNvPr>
+          <p:cNvPicPr>
+            <a:picLocks noChangeAspect="1"/>
+          </p:cNvPicPr>
+          <p:nvPr/>
+        </p:nvPicPr>
+        <p:blipFill>
+          <a:blip r:embed="rId3" cstate="print">
+            <a:extLst>
+              <a:ext uri="{28A0092B-C50C-407E-A947-70E740481C1C}">
+                <a14:useLocalDpi xmlns:a14="http://schemas.microsoft.com/office/drawing/2010/main" val="0"/>
+              </a:ext>
+            </a:extLst>
+          </a:blip>
+          <a:stretch>
+            <a:fillRect/>
+          </a:stretch>
+        </p:blipFill>
+        <p:spPr>
+          <a:xfrm>
+            <a:off x="3449619" y="1318778"/>
+            <a:ext cx="696558" cy="609489"/>
+          </a:xfrm>
+          <a:prstGeom prst="rect">
+            <a:avLst/>
+          </a:prstGeom>
+        </p:spPr>
+      </p:pic>
     </p:spTree>
     <p:extLst>
       <p:ext uri="{BB962C8B-B14F-4D97-AF65-F5344CB8AC3E}">
@@ -3669,6 +5324,18 @@
   <p:clrMapOvr>
     <a:masterClrMapping/>
   </p:clrMapOvr>
+  <mc:AlternateContent xmlns:mc="http://schemas.openxmlformats.org/markup-compatibility/2006">
+    <mc:Choice xmlns:p14="http://schemas.microsoft.com/office/powerpoint/2010/main" Requires="p14">
+      <p:transition spd="slow" p14:dur="1500">
+        <p:split orient="vert"/>
+      </p:transition>
+    </mc:Choice>
+    <mc:Fallback>
+      <p:transition spd="slow">
+        <p:split orient="vert"/>
+      </p:transition>
+    </mc:Fallback>
+  </mc:AlternateContent>
 </p:sld>
 </file>
 
@@ -3701,8 +5368,8 @@
         </p:nvSpPr>
         <p:spPr>
           <a:xfrm>
-            <a:off x="838200" y="365125"/>
-            <a:ext cx="10515600" cy="1020055"/>
+            <a:off x="3481845" y="339959"/>
+            <a:ext cx="4521574" cy="765041"/>
           </a:xfrm>
         </p:spPr>
         <p:txBody>
@@ -3737,13 +5404,13 @@
         </p:nvSpPr>
         <p:spPr>
           <a:xfrm>
-            <a:off x="838200" y="1825625"/>
-            <a:ext cx="9573285" cy="4267357"/>
+            <a:off x="2152650" y="1398494"/>
+            <a:ext cx="7905750" cy="4830183"/>
           </a:xfrm>
         </p:spPr>
         <p:txBody>
           <a:bodyPr>
-            <a:normAutofit fontScale="47500" lnSpcReduction="20000"/>
+            <a:normAutofit fontScale="25000" lnSpcReduction="20000"/>
           </a:bodyPr>
           <a:lstStyle/>
           <a:p>
@@ -3751,23 +5418,23 @@
               <a:buNone/>
             </a:pPr>
             <a:r>
-              <a:rPr lang="en-US" dirty="0"/>
+              <a:rPr lang="en-US" sz="6400" dirty="0"/>
               <a:t>1:   (je </a:t>
             </a:r>
             <a:r>
-              <a:rPr lang="en-US" dirty="0" err="1"/>
+              <a:rPr lang="en-US" sz="6400" dirty="0" err="1"/>
               <a:t>regarde</a:t>
             </a:r>
             <a:r>
-              <a:rPr lang="en-US" dirty="0"/>
+              <a:rPr lang="en-US" sz="6400" dirty="0"/>
               <a:t> les </a:t>
             </a:r>
             <a:r>
-              <a:rPr lang="en-US" dirty="0" err="1"/>
+              <a:rPr lang="en-US" sz="6400" dirty="0" err="1"/>
               <a:t>auditeurs</a:t>
             </a:r>
             <a:r>
-              <a:rPr lang="en-US" dirty="0"/>
+              <a:rPr lang="en-US" sz="6400" dirty="0"/>
               <a:t>)</a:t>
             </a:r>
           </a:p>
@@ -3776,7 +5443,7 @@
               <a:buNone/>
             </a:pPr>
             <a:r>
-              <a:rPr lang="en-US" dirty="0"/>
+              <a:rPr lang="en-US" sz="6400" dirty="0"/>
               <a:t>	Before starting with Symfony, </a:t>
             </a:r>
           </a:p>
@@ -3785,15 +5452,15 @@
               <a:buNone/>
             </a:pPr>
             <a:r>
-              <a:rPr lang="en-US" dirty="0"/>
+              <a:rPr lang="en-US" sz="6400" dirty="0"/>
               <a:t>(Je </a:t>
             </a:r>
             <a:r>
-              <a:rPr lang="en-US" dirty="0" err="1"/>
+              <a:rPr lang="en-US" sz="6400" dirty="0" err="1"/>
               <a:t>lis</a:t>
             </a:r>
             <a:r>
-              <a:rPr lang="en-US" dirty="0"/>
+              <a:rPr lang="en-US" sz="6400" dirty="0"/>
               <a:t>)  </a:t>
             </a:r>
           </a:p>
@@ -3802,7 +5469,7 @@
               <a:buNone/>
             </a:pPr>
             <a:r>
-              <a:rPr lang="en-US" dirty="0"/>
+              <a:rPr lang="en-US" sz="6400" dirty="0"/>
               <a:t>	it is recommended to have a basic  knowledge of its language </a:t>
             </a:r>
           </a:p>
@@ -3811,23 +5478,23 @@
               <a:buNone/>
             </a:pPr>
             <a:r>
-              <a:rPr lang="en-US" dirty="0"/>
+              <a:rPr lang="en-US" sz="6400" dirty="0"/>
               <a:t> (je </a:t>
             </a:r>
             <a:r>
-              <a:rPr lang="en-US" dirty="0" err="1"/>
+              <a:rPr lang="en-US" sz="6400" dirty="0" err="1"/>
               <a:t>regarde</a:t>
             </a:r>
             <a:r>
-              <a:rPr lang="en-US" dirty="0"/>
+              <a:rPr lang="en-US" sz="6400" dirty="0"/>
               <a:t> les </a:t>
             </a:r>
             <a:r>
-              <a:rPr lang="en-US" dirty="0" err="1"/>
+              <a:rPr lang="en-US" sz="6400" dirty="0" err="1"/>
               <a:t>auditeurs</a:t>
             </a:r>
             <a:r>
-              <a:rPr lang="en-US" dirty="0"/>
+              <a:rPr lang="en-US" sz="6400" dirty="0"/>
               <a:t>)</a:t>
             </a:r>
           </a:p>
@@ -3836,7 +5503,7 @@
               <a:buNone/>
             </a:pPr>
             <a:r>
-              <a:rPr lang="en-US" dirty="0"/>
+              <a:rPr lang="en-US" sz="6400" dirty="0"/>
               <a:t>	which is PHP.</a:t>
             </a:r>
           </a:p>
@@ -3845,23 +5512,23 @@
               <a:buNone/>
             </a:pPr>
             <a:r>
-              <a:rPr lang="en-US" dirty="0"/>
+              <a:rPr lang="en-US" sz="6400" dirty="0"/>
               <a:t>2: (je </a:t>
             </a:r>
             <a:r>
-              <a:rPr lang="en-US" dirty="0" err="1"/>
+              <a:rPr lang="en-US" sz="6400" dirty="0" err="1"/>
               <a:t>regarde</a:t>
             </a:r>
             <a:r>
-              <a:rPr lang="en-US" dirty="0"/>
+              <a:rPr lang="en-US" sz="6400" dirty="0"/>
               <a:t> les </a:t>
             </a:r>
             <a:r>
-              <a:rPr lang="en-US" dirty="0" err="1"/>
+              <a:rPr lang="en-US" sz="6400" dirty="0" err="1"/>
               <a:t>auditeurs</a:t>
             </a:r>
             <a:r>
-              <a:rPr lang="en-US" dirty="0"/>
+              <a:rPr lang="en-US" sz="6400" dirty="0"/>
               <a:t>)</a:t>
             </a:r>
           </a:p>
@@ -3870,7 +5537,7 @@
               <a:buNone/>
             </a:pPr>
             <a:r>
-              <a:rPr lang="en-US" dirty="0"/>
+              <a:rPr lang="en-US" sz="6400" dirty="0"/>
               <a:t> 	Have some knowledge of HTML /CSS</a:t>
             </a:r>
           </a:p>
@@ -3879,23 +5546,23 @@
               <a:buNone/>
             </a:pPr>
             <a:r>
-              <a:rPr lang="en-US" dirty="0"/>
+              <a:rPr lang="en-US" sz="6400" dirty="0"/>
               <a:t>(je </a:t>
             </a:r>
             <a:r>
-              <a:rPr lang="en-US" dirty="0" err="1"/>
+              <a:rPr lang="en-US" sz="6400" dirty="0" err="1"/>
               <a:t>regarde</a:t>
             </a:r>
             <a:r>
-              <a:rPr lang="en-US" dirty="0"/>
+              <a:rPr lang="en-US" sz="6400" dirty="0"/>
               <a:t> les </a:t>
             </a:r>
             <a:r>
-              <a:rPr lang="en-US" dirty="0" err="1"/>
+              <a:rPr lang="en-US" sz="6400" dirty="0" err="1"/>
               <a:t>auditeurs</a:t>
             </a:r>
             <a:r>
-              <a:rPr lang="en-US" dirty="0"/>
+              <a:rPr lang="en-US" sz="6400" dirty="0"/>
               <a:t>)</a:t>
             </a:r>
           </a:p>
@@ -3904,7 +5571,7 @@
               <a:buNone/>
             </a:pPr>
             <a:r>
-              <a:rPr lang="en-US" dirty="0"/>
+              <a:rPr lang="en-US" sz="6400" dirty="0"/>
               <a:t>	3:  Have a database installed (my-Sql, MariaDB...)</a:t>
             </a:r>
           </a:p>
@@ -3913,15 +5580,15 @@
               <a:buNone/>
             </a:pPr>
             <a:r>
-              <a:rPr lang="en-US" dirty="0"/>
+              <a:rPr lang="en-US" sz="6400" dirty="0"/>
               <a:t>(Je </a:t>
             </a:r>
             <a:r>
-              <a:rPr lang="en-US" dirty="0" err="1"/>
+              <a:rPr lang="en-US" sz="6400" dirty="0" err="1"/>
               <a:t>lis</a:t>
             </a:r>
             <a:r>
-              <a:rPr lang="en-US" dirty="0"/>
+              <a:rPr lang="en-US" sz="6400" dirty="0"/>
               <a:t>)  </a:t>
             </a:r>
           </a:p>
@@ -3930,7 +5597,7 @@
               <a:buNone/>
             </a:pPr>
             <a:r>
-              <a:rPr lang="en-US" dirty="0"/>
+              <a:rPr lang="en-US" sz="6400" dirty="0"/>
               <a:t>4:  A PHP version compatible with the symfony version used</a:t>
             </a:r>
           </a:p>
@@ -3939,7 +5606,7 @@
               <a:buNone/>
             </a:pPr>
             <a:r>
-              <a:rPr lang="en-US" dirty="0"/>
+              <a:rPr lang="en-US" sz="6400" dirty="0"/>
               <a:t> 	example :for Symfony 6 : php8 is required.</a:t>
             </a:r>
           </a:p>
@@ -3948,7 +5615,7 @@
               <a:buNone/>
             </a:pPr>
             <a:r>
-              <a:rPr lang="en-US" dirty="0"/>
+              <a:rPr lang="en-US" sz="6400" dirty="0"/>
               <a:t> </a:t>
             </a:r>
           </a:p>
@@ -3957,7 +5624,7 @@
               <a:buNone/>
             </a:pPr>
             <a:r>
-              <a:rPr lang="fr-FR" dirty="0" err="1">
+              <a:rPr lang="fr-FR" sz="6400" dirty="0" err="1">
                 <a:solidFill>
                   <a:srgbClr val="FF0000"/>
                 </a:solidFill>
@@ -3965,7 +5632,7 @@
               <a:t>Priricouisite</a:t>
             </a:r>
             <a:r>
-              <a:rPr lang="fr-FR" dirty="0">
+              <a:rPr lang="fr-FR" sz="6400" dirty="0">
                 <a:solidFill>
                   <a:srgbClr val="FF0000"/>
                 </a:solidFill>
@@ -3973,7 +5640,7 @@
               <a:t>  // </a:t>
             </a:r>
             <a:r>
-              <a:rPr lang="fr-FR" dirty="0" err="1">
+              <a:rPr lang="fr-FR" sz="6400" dirty="0" err="1">
                 <a:solidFill>
                   <a:srgbClr val="FF0000"/>
                 </a:solidFill>
@@ -3981,7 +5648,7 @@
               <a:t>instoll’d</a:t>
             </a:r>
             <a:r>
-              <a:rPr lang="fr-FR" dirty="0">
+              <a:rPr lang="fr-FR" sz="6400" dirty="0">
                 <a:solidFill>
                   <a:srgbClr val="FF0000"/>
                 </a:solidFill>
@@ -3989,14 +5656,14 @@
               <a:t>   // </a:t>
             </a:r>
             <a:r>
-              <a:rPr lang="fr-FR" dirty="0" err="1">
+              <a:rPr lang="fr-FR" sz="6400" dirty="0" err="1">
                 <a:solidFill>
                   <a:srgbClr val="FF0000"/>
                 </a:solidFill>
               </a:rPr>
               <a:t>ious’t</a:t>
             </a:r>
-            <a:endParaRPr lang="fr-FR" dirty="0">
+            <a:endParaRPr lang="fr-FR" sz="6400" dirty="0">
               <a:solidFill>
                 <a:srgbClr val="FF0000"/>
               </a:solidFill>
@@ -4023,6 +5690,42 @@
           </a:p>
         </p:txBody>
       </p:sp>
+      <p:pic>
+        <p:nvPicPr>
+          <p:cNvPr id="4" name="Image 3">
+            <a:extLst>
+              <a:ext uri="{FF2B5EF4-FFF2-40B4-BE49-F238E27FC236}">
+                <a16:creationId xmlns:a16="http://schemas.microsoft.com/office/drawing/2014/main" id="{0EE9928F-3F5F-B9EA-BA4C-7B117B98AD9E}"/>
+              </a:ext>
+            </a:extLst>
+          </p:cNvPr>
+          <p:cNvPicPr>
+            <a:picLocks noChangeAspect="1"/>
+          </p:cNvPicPr>
+          <p:nvPr/>
+        </p:nvPicPr>
+        <p:blipFill>
+          <a:blip r:embed="rId2" cstate="print">
+            <a:extLst>
+              <a:ext uri="{28A0092B-C50C-407E-A947-70E740481C1C}">
+                <a14:useLocalDpi xmlns:a14="http://schemas.microsoft.com/office/drawing/2010/main" val="0"/>
+              </a:ext>
+            </a:extLst>
+          </a:blip>
+          <a:stretch>
+            <a:fillRect/>
+          </a:stretch>
+        </p:blipFill>
+        <p:spPr>
+          <a:xfrm>
+            <a:off x="1158239" y="417736"/>
+            <a:ext cx="696558" cy="609489"/>
+          </a:xfrm>
+          <a:prstGeom prst="rect">
+            <a:avLst/>
+          </a:prstGeom>
+        </p:spPr>
+      </p:pic>
     </p:spTree>
     <p:extLst>
       <p:ext uri="{BB962C8B-B14F-4D97-AF65-F5344CB8AC3E}">
@@ -4033,13 +5736,665 @@
   <p:clrMapOvr>
     <a:masterClrMapping/>
   </p:clrMapOvr>
+  <mc:AlternateContent xmlns:mc="http://schemas.openxmlformats.org/markup-compatibility/2006">
+    <mc:Choice xmlns:p14="http://schemas.microsoft.com/office/powerpoint/2010/main" Requires="p14">
+      <p:transition spd="slow" p14:dur="1500">
+        <p:split orient="vert"/>
+      </p:transition>
+    </mc:Choice>
+    <mc:Fallback>
+      <p:transition spd="slow">
+        <p:split orient="vert"/>
+      </p:transition>
+    </mc:Fallback>
+  </mc:AlternateContent>
+</p:sld>
+</file>
+
+<file path=ppt/slides/slide7.xml><?xml version="1.0" encoding="utf-8"?>
+<p:sld xmlns:a="http://schemas.openxmlformats.org/drawingml/2006/main" xmlns:r="http://schemas.openxmlformats.org/officeDocument/2006/relationships" xmlns:p="http://schemas.openxmlformats.org/presentationml/2006/main">
+  <p:cSld>
+    <p:spTree>
+      <p:nvGrpSpPr>
+        <p:cNvPr id="1" name=""/>
+        <p:cNvGrpSpPr/>
+        <p:nvPr/>
+      </p:nvGrpSpPr>
+      <p:grpSpPr>
+        <a:xfrm>
+          <a:off x="0" y="0"/>
+          <a:ext cx="0" cy="0"/>
+          <a:chOff x="0" y="0"/>
+          <a:chExt cx="0" cy="0"/>
+        </a:xfrm>
+      </p:grpSpPr>
+      <p:sp>
+        <p:nvSpPr>
+          <p:cNvPr id="2" name="Titre 1">
+            <a:extLst>
+              <a:ext uri="{FF2B5EF4-FFF2-40B4-BE49-F238E27FC236}">
+                <a16:creationId xmlns:a16="http://schemas.microsoft.com/office/drawing/2014/main" id="{ABA72A6F-5F6E-3021-D064-D1E6ADBE6FEE}"/>
+              </a:ext>
+            </a:extLst>
+          </p:cNvPr>
+          <p:cNvSpPr>
+            <a:spLocks noGrp="1"/>
+          </p:cNvSpPr>
+          <p:nvPr>
+            <p:ph type="title"/>
+          </p:nvPr>
+        </p:nvSpPr>
+        <p:spPr>
+          <a:xfrm>
+            <a:off x="4186518" y="1131094"/>
+            <a:ext cx="3537249" cy="742754"/>
+          </a:xfrm>
+        </p:spPr>
+        <p:txBody>
+          <a:bodyPr/>
+          <a:lstStyle/>
+          <a:p>
+            <a:pPr algn="ctr"/>
+            <a:r>
+              <a:rPr lang="fr-FR" dirty="0"/>
+              <a:t>Facilities</a:t>
+            </a:r>
+          </a:p>
+        </p:txBody>
+      </p:sp>
+      <p:sp>
+        <p:nvSpPr>
+          <p:cNvPr id="3" name="Espace réservé du contenu 2">
+            <a:extLst>
+              <a:ext uri="{FF2B5EF4-FFF2-40B4-BE49-F238E27FC236}">
+                <a16:creationId xmlns:a16="http://schemas.microsoft.com/office/drawing/2014/main" id="{6A9DC68C-F8EC-95AE-5E43-D4E6BE7A80D3}"/>
+              </a:ext>
+            </a:extLst>
+          </p:cNvPr>
+          <p:cNvSpPr>
+            <a:spLocks noGrp="1"/>
+          </p:cNvSpPr>
+          <p:nvPr>
+            <p:ph idx="1"/>
+          </p:nvPr>
+        </p:nvSpPr>
+        <p:spPr>
+          <a:xfrm>
+            <a:off x="3916137" y="2125266"/>
+            <a:ext cx="3620861" cy="3263504"/>
+          </a:xfrm>
+        </p:spPr>
+        <p:txBody>
+          <a:bodyPr/>
+          <a:lstStyle/>
+          <a:p>
+            <a:endParaRPr lang="fr-FR" dirty="0"/>
+          </a:p>
+          <a:p>
+            <a:endParaRPr lang="fr-FR" dirty="0"/>
+          </a:p>
+          <a:p>
+            <a:r>
+              <a:rPr lang="fr-FR" dirty="0"/>
+              <a:t>COMPOSER</a:t>
+            </a:r>
+          </a:p>
+          <a:p>
+            <a:r>
+              <a:rPr lang="fr-FR" dirty="0"/>
+              <a:t>SCOOP</a:t>
+            </a:r>
+          </a:p>
+          <a:p>
+            <a:r>
+              <a:rPr lang="fr-FR" dirty="0"/>
+              <a:t>SYMFONY CLI</a:t>
+            </a:r>
+          </a:p>
+        </p:txBody>
+      </p:sp>
+      <p:pic>
+        <p:nvPicPr>
+          <p:cNvPr id="4" name="Image 3">
+            <a:extLst>
+              <a:ext uri="{FF2B5EF4-FFF2-40B4-BE49-F238E27FC236}">
+                <a16:creationId xmlns:a16="http://schemas.microsoft.com/office/drawing/2014/main" id="{65AEB60B-D397-FB23-0D86-9A7899E9371A}"/>
+              </a:ext>
+            </a:extLst>
+          </p:cNvPr>
+          <p:cNvPicPr>
+            <a:picLocks noChangeAspect="1"/>
+          </p:cNvPicPr>
+          <p:nvPr/>
+        </p:nvPicPr>
+        <p:blipFill>
+          <a:blip r:embed="rId2" cstate="print">
+            <a:extLst>
+              <a:ext uri="{28A0092B-C50C-407E-A947-70E740481C1C}">
+                <a14:useLocalDpi xmlns:a14="http://schemas.microsoft.com/office/drawing/2010/main" val="0"/>
+              </a:ext>
+            </a:extLst>
+          </a:blip>
+          <a:stretch>
+            <a:fillRect/>
+          </a:stretch>
+        </p:blipFill>
+        <p:spPr>
+          <a:xfrm>
+            <a:off x="894677" y="649087"/>
+            <a:ext cx="696558" cy="609489"/>
+          </a:xfrm>
+          <a:prstGeom prst="rect">
+            <a:avLst/>
+          </a:prstGeom>
+        </p:spPr>
+      </p:pic>
+    </p:spTree>
+    <p:extLst>
+      <p:ext uri="{BB962C8B-B14F-4D97-AF65-F5344CB8AC3E}">
+        <p14:creationId xmlns:p14="http://schemas.microsoft.com/office/powerpoint/2010/main" val="1196856857"/>
+      </p:ext>
+    </p:extLst>
+  </p:cSld>
+  <p:clrMapOvr>
+    <a:masterClrMapping/>
+  </p:clrMapOvr>
+  <mc:AlternateContent xmlns:mc="http://schemas.openxmlformats.org/markup-compatibility/2006">
+    <mc:Choice xmlns:p14="http://schemas.microsoft.com/office/powerpoint/2010/main" Requires="p14">
+      <p:transition spd="slow" p14:dur="1500">
+        <p:split orient="vert"/>
+      </p:transition>
+    </mc:Choice>
+    <mc:Fallback>
+      <p:transition spd="slow">
+        <p:split orient="vert"/>
+      </p:transition>
+    </mc:Fallback>
+  </mc:AlternateContent>
+</p:sld>
+</file>
+
+<file path=ppt/slides/slide8.xml><?xml version="1.0" encoding="utf-8"?>
+<p:sld xmlns:a="http://schemas.openxmlformats.org/drawingml/2006/main" xmlns:r="http://schemas.openxmlformats.org/officeDocument/2006/relationships" xmlns:p="http://schemas.openxmlformats.org/presentationml/2006/main">
+  <p:cSld>
+    <p:spTree>
+      <p:nvGrpSpPr>
+        <p:cNvPr id="1" name=""/>
+        <p:cNvGrpSpPr/>
+        <p:nvPr/>
+      </p:nvGrpSpPr>
+      <p:grpSpPr>
+        <a:xfrm>
+          <a:off x="0" y="0"/>
+          <a:ext cx="0" cy="0"/>
+          <a:chOff x="0" y="0"/>
+          <a:chExt cx="0" cy="0"/>
+        </a:xfrm>
+      </p:grpSpPr>
+      <p:sp>
+        <p:nvSpPr>
+          <p:cNvPr id="2" name="Titre 1">
+            <a:extLst>
+              <a:ext uri="{FF2B5EF4-FFF2-40B4-BE49-F238E27FC236}">
+                <a16:creationId xmlns:a16="http://schemas.microsoft.com/office/drawing/2014/main" id="{A5EFBEBC-143A-D941-38D9-4299D1088CDD}"/>
+              </a:ext>
+            </a:extLst>
+          </p:cNvPr>
+          <p:cNvSpPr>
+            <a:spLocks noGrp="1"/>
+          </p:cNvSpPr>
+          <p:nvPr>
+            <p:ph type="title"/>
+          </p:nvPr>
+        </p:nvSpPr>
+        <p:spPr>
+          <a:xfrm>
+            <a:off x="3709821" y="993934"/>
+            <a:ext cx="5228889" cy="994172"/>
+          </a:xfrm>
+        </p:spPr>
+        <p:txBody>
+          <a:bodyPr>
+            <a:normAutofit fontScale="90000"/>
+          </a:bodyPr>
+          <a:lstStyle/>
+          <a:p>
+            <a:pPr algn="ctr"/>
+            <a:r>
+              <a:rPr lang="fr-FR" dirty="0"/>
+              <a:t>Installation of </a:t>
+            </a:r>
+            <a:r>
+              <a:rPr lang="fr-FR" dirty="0" err="1"/>
+              <a:t>composers</a:t>
+            </a:r>
+            <a:endParaRPr lang="fr-FR" dirty="0"/>
+          </a:p>
+        </p:txBody>
+      </p:sp>
+      <p:sp>
+        <p:nvSpPr>
+          <p:cNvPr id="3" name="Espace réservé du contenu 2">
+            <a:extLst>
+              <a:ext uri="{FF2B5EF4-FFF2-40B4-BE49-F238E27FC236}">
+                <a16:creationId xmlns:a16="http://schemas.microsoft.com/office/drawing/2014/main" id="{A78495EB-D31C-9F23-A496-1E1D8701A48F}"/>
+              </a:ext>
+            </a:extLst>
+          </p:cNvPr>
+          <p:cNvSpPr>
+            <a:spLocks noGrp="1"/>
+          </p:cNvSpPr>
+          <p:nvPr>
+            <p:ph idx="1"/>
+          </p:nvPr>
+        </p:nvSpPr>
+        <p:spPr>
+          <a:xfrm>
+            <a:off x="2238375" y="2397920"/>
+            <a:ext cx="7886700" cy="3088481"/>
+          </a:xfrm>
+        </p:spPr>
+        <p:txBody>
+          <a:bodyPr>
+            <a:normAutofit fontScale="85000" lnSpcReduction="10000"/>
+          </a:bodyPr>
+          <a:lstStyle/>
+          <a:p>
+            <a:r>
+              <a:rPr lang="en-US" dirty="0"/>
+              <a:t>Composer is a dependency manager.</a:t>
+            </a:r>
+          </a:p>
+          <a:p>
+            <a:r>
+              <a:rPr lang="en-US" dirty="0"/>
+              <a:t>Go to: https://getcomposer.org/ and follow the steps for your operating system. To check if the installation is working, go to a terminal and type the command below.</a:t>
+            </a:r>
+          </a:p>
+          <a:p>
+            <a:pPr marL="0" indent="0">
+              <a:buNone/>
+            </a:pPr>
+            <a:r>
+              <a:rPr lang="en-US" dirty="0"/>
+              <a:t>                                                  composer –version</a:t>
+            </a:r>
+          </a:p>
+          <a:p>
+            <a:pPr marL="0" indent="0">
+              <a:buNone/>
+            </a:pPr>
+            <a:r>
+              <a:rPr lang="en-US" dirty="0"/>
+              <a:t>If successful the command will display the version number of composer as below:</a:t>
+            </a:r>
+          </a:p>
+          <a:p>
+            <a:pPr marL="0" indent="0">
+              <a:buNone/>
+            </a:pPr>
+            <a:r>
+              <a:rPr lang="en-US" dirty="0"/>
+              <a:t>                 </a:t>
+            </a:r>
+            <a:r>
+              <a:rPr lang="fr-FR" dirty="0"/>
+              <a:t> Composer version 2.2.1 2021-12-22 22:21:31</a:t>
+            </a:r>
+          </a:p>
+        </p:txBody>
+      </p:sp>
+      <p:pic>
+        <p:nvPicPr>
+          <p:cNvPr id="4" name="Image 3">
+            <a:extLst>
+              <a:ext uri="{FF2B5EF4-FFF2-40B4-BE49-F238E27FC236}">
+                <a16:creationId xmlns:a16="http://schemas.microsoft.com/office/drawing/2014/main" id="{F9967EE5-48B0-D710-62E1-5098E8CDA5D5}"/>
+              </a:ext>
+            </a:extLst>
+          </p:cNvPr>
+          <p:cNvPicPr>
+            <a:picLocks noChangeAspect="1"/>
+          </p:cNvPicPr>
+          <p:nvPr/>
+        </p:nvPicPr>
+        <p:blipFill>
+          <a:blip r:embed="rId2">
+            <a:extLst>
+              <a:ext uri="{28A0092B-C50C-407E-A947-70E740481C1C}">
+                <a14:useLocalDpi xmlns:a14="http://schemas.microsoft.com/office/drawing/2010/main" val="0"/>
+              </a:ext>
+            </a:extLst>
+          </a:blip>
+          <a:stretch>
+            <a:fillRect/>
+          </a:stretch>
+        </p:blipFill>
+        <p:spPr>
+          <a:xfrm>
+            <a:off x="434787" y="267258"/>
+            <a:ext cx="1415785" cy="1238813"/>
+          </a:xfrm>
+          <a:prstGeom prst="rect">
+            <a:avLst/>
+          </a:prstGeom>
+        </p:spPr>
+      </p:pic>
+    </p:spTree>
+    <p:extLst>
+      <p:ext uri="{BB962C8B-B14F-4D97-AF65-F5344CB8AC3E}">
+        <p14:creationId xmlns:p14="http://schemas.microsoft.com/office/powerpoint/2010/main" val="3620878811"/>
+      </p:ext>
+    </p:extLst>
+  </p:cSld>
+  <p:clrMapOvr>
+    <a:masterClrMapping/>
+  </p:clrMapOvr>
+  <mc:AlternateContent xmlns:mc="http://schemas.openxmlformats.org/markup-compatibility/2006">
+    <mc:Choice xmlns:p14="http://schemas.microsoft.com/office/powerpoint/2010/main" Requires="p14">
+      <p:transition spd="slow" p14:dur="1500">
+        <p:split orient="vert"/>
+      </p:transition>
+    </mc:Choice>
+    <mc:Fallback>
+      <p:transition spd="slow">
+        <p:split orient="vert"/>
+      </p:transition>
+    </mc:Fallback>
+  </mc:AlternateContent>
+  <p:timing>
+    <p:tnLst>
+      <p:par>
+        <p:cTn id="1" dur="indefinite" restart="never" nodeType="tmRoot">
+          <p:childTnLst>
+            <p:seq concurrent="1" nextAc="seek">
+              <p:cTn id="2" dur="indefinite" nodeType="mainSeq">
+                <p:childTnLst>
+                  <p:par>
+                    <p:cTn id="3" fill="hold">
+                      <p:stCondLst>
+                        <p:cond delay="indefinite"/>
+                      </p:stCondLst>
+                      <p:childTnLst>
+                        <p:par>
+                          <p:cTn id="4" fill="hold">
+                            <p:stCondLst>
+                              <p:cond delay="0"/>
+                            </p:stCondLst>
+                            <p:childTnLst>
+                              <p:par>
+                                <p:cTn id="5" presetID="22" presetClass="entr" presetSubtype="4" fill="hold" nodeType="clickEffect">
+                                  <p:stCondLst>
+                                    <p:cond delay="0"/>
+                                  </p:stCondLst>
+                                  <p:childTnLst>
+                                    <p:set>
+                                      <p:cBhvr>
+                                        <p:cTn id="6" dur="1" fill="hold">
+                                          <p:stCondLst>
+                                            <p:cond delay="0"/>
+                                          </p:stCondLst>
+                                        </p:cTn>
+                                        <p:tgtEl>
+                                          <p:spTgt spid="4"/>
+                                        </p:tgtEl>
+                                        <p:attrNameLst>
+                                          <p:attrName>style.visibility</p:attrName>
+                                        </p:attrNameLst>
+                                      </p:cBhvr>
+                                      <p:to>
+                                        <p:strVal val="visible"/>
+                                      </p:to>
+                                    </p:set>
+                                    <p:animEffect transition="in" filter="wipe(down)">
+                                      <p:cBhvr>
+                                        <p:cTn id="7" dur="500"/>
+                                        <p:tgtEl>
+                                          <p:spTgt spid="4"/>
+                                        </p:tgtEl>
+                                      </p:cBhvr>
+                                    </p:animEffect>
+                                  </p:childTnLst>
+                                </p:cTn>
+                              </p:par>
+                            </p:childTnLst>
+                          </p:cTn>
+                        </p:par>
+                      </p:childTnLst>
+                    </p:cTn>
+                  </p:par>
+                </p:childTnLst>
+              </p:cTn>
+              <p:prevCondLst>
+                <p:cond evt="onPrev" delay="0">
+                  <p:tgtEl>
+                    <p:sldTgt/>
+                  </p:tgtEl>
+                </p:cond>
+              </p:prevCondLst>
+              <p:nextCondLst>
+                <p:cond evt="onNext" delay="0">
+                  <p:tgtEl>
+                    <p:sldTgt/>
+                  </p:tgtEl>
+                </p:cond>
+              </p:nextCondLst>
+            </p:seq>
+          </p:childTnLst>
+        </p:cTn>
+      </p:par>
+    </p:tnLst>
+  </p:timing>
+</p:sld>
+</file>
+
+<file path=ppt/slides/slide9.xml><?xml version="1.0" encoding="utf-8"?>
+<p:sld xmlns:a="http://schemas.openxmlformats.org/drawingml/2006/main" xmlns:r="http://schemas.openxmlformats.org/officeDocument/2006/relationships" xmlns:p="http://schemas.openxmlformats.org/presentationml/2006/main">
+  <p:cSld>
+    <p:spTree>
+      <p:nvGrpSpPr>
+        <p:cNvPr id="1" name=""/>
+        <p:cNvGrpSpPr/>
+        <p:nvPr/>
+      </p:nvGrpSpPr>
+      <p:grpSpPr>
+        <a:xfrm>
+          <a:off x="0" y="0"/>
+          <a:ext cx="0" cy="0"/>
+          <a:chOff x="0" y="0"/>
+          <a:chExt cx="0" cy="0"/>
+        </a:xfrm>
+      </p:grpSpPr>
+      <p:sp>
+        <p:nvSpPr>
+          <p:cNvPr id="2" name="Titre 1">
+            <a:extLst>
+              <a:ext uri="{FF2B5EF4-FFF2-40B4-BE49-F238E27FC236}">
+                <a16:creationId xmlns:a16="http://schemas.microsoft.com/office/drawing/2014/main" id="{F0ED1149-5B41-A762-C77F-FEC560289352}"/>
+              </a:ext>
+            </a:extLst>
+          </p:cNvPr>
+          <p:cNvSpPr>
+            <a:spLocks noGrp="1"/>
+          </p:cNvSpPr>
+          <p:nvPr>
+            <p:ph type="title"/>
+          </p:nvPr>
+        </p:nvSpPr>
+        <p:spPr>
+          <a:xfrm>
+            <a:off x="3814707" y="1018139"/>
+            <a:ext cx="5035251" cy="994172"/>
+          </a:xfrm>
+        </p:spPr>
+        <p:txBody>
+          <a:bodyPr/>
+          <a:lstStyle/>
+          <a:p>
+            <a:pPr algn="ctr"/>
+            <a:r>
+              <a:rPr lang="fr-FR" dirty="0"/>
+              <a:t>Installation of scoop</a:t>
+            </a:r>
+          </a:p>
+        </p:txBody>
+      </p:sp>
+      <p:sp>
+        <p:nvSpPr>
+          <p:cNvPr id="3" name="Espace réservé du contenu 2">
+            <a:extLst>
+              <a:ext uri="{FF2B5EF4-FFF2-40B4-BE49-F238E27FC236}">
+                <a16:creationId xmlns:a16="http://schemas.microsoft.com/office/drawing/2014/main" id="{00837328-861D-DD7A-436B-DDFD7DDF0010}"/>
+              </a:ext>
+            </a:extLst>
+          </p:cNvPr>
+          <p:cNvSpPr>
+            <a:spLocks noGrp="1"/>
+          </p:cNvSpPr>
+          <p:nvPr>
+            <p:ph idx="1"/>
+          </p:nvPr>
+        </p:nvSpPr>
+        <p:spPr/>
+        <p:txBody>
+          <a:bodyPr/>
+          <a:lstStyle/>
+          <a:p>
+            <a:r>
+              <a:rPr lang="en-US" dirty="0"/>
+              <a:t>Scoop is a CLI for Windows (command-line installer)</a:t>
+            </a:r>
+          </a:p>
+          <a:p>
+            <a:r>
+              <a:rPr lang="en-US" dirty="0"/>
+              <a:t>Install it from the command line using the POWERSHELL terminal of windows 5.1 or higher with these two commands:</a:t>
+            </a:r>
+          </a:p>
+          <a:p>
+            <a:pPr marL="0" indent="0">
+              <a:buNone/>
+            </a:pPr>
+            <a:endParaRPr lang="en-US" dirty="0"/>
+          </a:p>
+          <a:p>
+            <a:r>
+              <a:rPr lang="en-US" dirty="0"/>
+              <a:t>1: Set-</a:t>
+            </a:r>
+            <a:r>
+              <a:rPr lang="en-US" dirty="0" err="1"/>
+              <a:t>ExecutionPolicy</a:t>
+            </a:r>
+            <a:r>
+              <a:rPr lang="en-US" dirty="0"/>
+              <a:t> </a:t>
+            </a:r>
+            <a:r>
+              <a:rPr lang="en-US" dirty="0" err="1"/>
+              <a:t>RemoteSigned</a:t>
+            </a:r>
+            <a:r>
+              <a:rPr lang="en-US" dirty="0"/>
+              <a:t> -Scope </a:t>
+            </a:r>
+            <a:r>
+              <a:rPr lang="en-US" dirty="0" err="1"/>
+              <a:t>CurrentUser</a:t>
+            </a:r>
+            <a:r>
+              <a:rPr lang="en-US" dirty="0"/>
+              <a:t> (on first use)</a:t>
+            </a:r>
+          </a:p>
+          <a:p>
+            <a:r>
+              <a:rPr lang="en-US" dirty="0"/>
+              <a:t>2: </a:t>
+            </a:r>
+            <a:r>
+              <a:rPr lang="en-US" dirty="0" err="1"/>
+              <a:t>irm</a:t>
+            </a:r>
+            <a:r>
+              <a:rPr lang="en-US" dirty="0"/>
+              <a:t> get.scoop.sh</a:t>
+            </a:r>
+          </a:p>
+          <a:p>
+            <a:r>
+              <a:rPr lang="en-US" dirty="0"/>
+              <a:t>Here is Scoop installed on your machine</a:t>
+            </a:r>
+            <a:endParaRPr lang="fr-FR" dirty="0"/>
+          </a:p>
+        </p:txBody>
+      </p:sp>
+      <p:pic>
+        <p:nvPicPr>
+          <p:cNvPr id="4" name="Image 3">
+            <a:extLst>
+              <a:ext uri="{FF2B5EF4-FFF2-40B4-BE49-F238E27FC236}">
+                <a16:creationId xmlns:a16="http://schemas.microsoft.com/office/drawing/2014/main" id="{09DF1036-E763-6937-504F-81E2EB07B2F2}"/>
+              </a:ext>
+            </a:extLst>
+          </p:cNvPr>
+          <p:cNvPicPr>
+            <a:picLocks noChangeAspect="1"/>
+          </p:cNvPicPr>
+          <p:nvPr/>
+        </p:nvPicPr>
+        <p:blipFill>
+          <a:blip r:embed="rId2" cstate="print">
+            <a:extLst>
+              <a:ext uri="{28A0092B-C50C-407E-A947-70E740481C1C}">
+                <a14:useLocalDpi xmlns:a14="http://schemas.microsoft.com/office/drawing/2010/main" val="0"/>
+              </a:ext>
+            </a:extLst>
+          </a:blip>
+          <a:stretch>
+            <a:fillRect/>
+          </a:stretch>
+        </p:blipFill>
+        <p:spPr>
+          <a:xfrm>
+            <a:off x="3715871" y="1191500"/>
+            <a:ext cx="696558" cy="609489"/>
+          </a:xfrm>
+          <a:prstGeom prst="rect">
+            <a:avLst/>
+          </a:prstGeom>
+        </p:spPr>
+      </p:pic>
+    </p:spTree>
+    <p:extLst>
+      <p:ext uri="{BB962C8B-B14F-4D97-AF65-F5344CB8AC3E}">
+        <p14:creationId xmlns:p14="http://schemas.microsoft.com/office/powerpoint/2010/main" val="470586786"/>
+      </p:ext>
+    </p:extLst>
+  </p:cSld>
+  <p:clrMapOvr>
+    <a:masterClrMapping/>
+  </p:clrMapOvr>
+  <mc:AlternateContent xmlns:mc="http://schemas.openxmlformats.org/markup-compatibility/2006">
+    <mc:Choice xmlns:p14="http://schemas.microsoft.com/office/powerpoint/2010/main" Requires="p14">
+      <p:transition spd="slow" p14:dur="1500">
+        <p:split orient="vert"/>
+      </p:transition>
+    </mc:Choice>
+    <mc:Fallback>
+      <p:transition spd="slow">
+        <p:split orient="vert"/>
+      </p:transition>
+    </mc:Fallback>
+  </mc:AlternateContent>
 </p:sld>
 </file>
 
 <file path=ppt/theme/theme1.xml><?xml version="1.0" encoding="utf-8"?>
 <a:theme xmlns:a="http://schemas.openxmlformats.org/drawingml/2006/main" name="Thème Office">
   <a:themeElements>
-    <a:clrScheme name="Office">
+    <a:clrScheme name="Thème Office">
       <a:dk1>
         <a:sysClr val="windowText" lastClr="000000"/>
       </a:dk1>
@@ -4053,7 +6408,7 @@
         <a:srgbClr val="E7E6E6"/>
       </a:lt2>
       <a:accent1>
-        <a:srgbClr val="5B9BD5"/>
+        <a:srgbClr val="4472C4"/>
       </a:accent1>
       <a:accent2>
         <a:srgbClr val="ED7D31"/>
@@ -4065,7 +6420,7 @@
         <a:srgbClr val="FFC000"/>
       </a:accent4>
       <a:accent5>
-        <a:srgbClr val="4472C4"/>
+        <a:srgbClr val="5B9BD5"/>
       </a:accent5>
       <a:accent6>
         <a:srgbClr val="70AD47"/>
@@ -4077,7 +6432,7 @@
         <a:srgbClr val="954F72"/>
       </a:folHlink>
     </a:clrScheme>
-    <a:fontScheme name="Office">
+    <a:fontScheme name="Thème Office">
       <a:majorFont>
         <a:latin typeface="Calibri Light" panose="020F0302020204030204"/>
         <a:ea typeface=""/>
@@ -4147,6 +6502,301 @@
         <a:font script="Viet" typeface="Arial"/>
         <a:font script="Uigh" typeface="Microsoft Uighur"/>
         <a:font script="Geor" typeface="Sylfaen"/>
+      </a:minorFont>
+    </a:fontScheme>
+    <a:fmtScheme name="Thème Office">
+      <a:fillStyleLst>
+        <a:solidFill>
+          <a:schemeClr val="phClr"/>
+        </a:solidFill>
+        <a:gradFill rotWithShape="1">
+          <a:gsLst>
+            <a:gs pos="0">
+              <a:schemeClr val="phClr">
+                <a:lumMod val="110000"/>
+                <a:satMod val="105000"/>
+                <a:tint val="67000"/>
+              </a:schemeClr>
+            </a:gs>
+            <a:gs pos="50000">
+              <a:schemeClr val="phClr">
+                <a:lumMod val="105000"/>
+                <a:satMod val="103000"/>
+                <a:tint val="73000"/>
+              </a:schemeClr>
+            </a:gs>
+            <a:gs pos="100000">
+              <a:schemeClr val="phClr">
+                <a:lumMod val="105000"/>
+                <a:satMod val="109000"/>
+                <a:tint val="81000"/>
+              </a:schemeClr>
+            </a:gs>
+          </a:gsLst>
+          <a:lin ang="5400000" scaled="0"/>
+        </a:gradFill>
+        <a:gradFill rotWithShape="1">
+          <a:gsLst>
+            <a:gs pos="0">
+              <a:schemeClr val="phClr">
+                <a:satMod val="103000"/>
+                <a:lumMod val="102000"/>
+                <a:tint val="94000"/>
+              </a:schemeClr>
+            </a:gs>
+            <a:gs pos="50000">
+              <a:schemeClr val="phClr">
+                <a:satMod val="110000"/>
+                <a:lumMod val="100000"/>
+                <a:shade val="100000"/>
+              </a:schemeClr>
+            </a:gs>
+            <a:gs pos="100000">
+              <a:schemeClr val="phClr">
+                <a:lumMod val="99000"/>
+                <a:satMod val="120000"/>
+                <a:shade val="78000"/>
+              </a:schemeClr>
+            </a:gs>
+          </a:gsLst>
+          <a:lin ang="5400000" scaled="0"/>
+        </a:gradFill>
+      </a:fillStyleLst>
+      <a:lnStyleLst>
+        <a:ln w="6350" cap="flat" cmpd="sng" algn="ctr">
+          <a:solidFill>
+            <a:schemeClr val="phClr"/>
+          </a:solidFill>
+          <a:prstDash val="solid"/>
+          <a:miter lim="800000"/>
+        </a:ln>
+        <a:ln w="12700" cap="flat" cmpd="sng" algn="ctr">
+          <a:solidFill>
+            <a:schemeClr val="phClr"/>
+          </a:solidFill>
+          <a:prstDash val="solid"/>
+          <a:miter lim="800000"/>
+        </a:ln>
+        <a:ln w="19050" cap="flat" cmpd="sng" algn="ctr">
+          <a:solidFill>
+            <a:schemeClr val="phClr"/>
+          </a:solidFill>
+          <a:prstDash val="solid"/>
+          <a:miter lim="800000"/>
+        </a:ln>
+      </a:lnStyleLst>
+      <a:effectStyleLst>
+        <a:effectStyle>
+          <a:effectLst/>
+        </a:effectStyle>
+        <a:effectStyle>
+          <a:effectLst/>
+        </a:effectStyle>
+        <a:effectStyle>
+          <a:effectLst>
+            <a:outerShdw blurRad="57150" dist="19050" dir="5400000" algn="ctr" rotWithShape="0">
+              <a:srgbClr val="000000">
+                <a:alpha val="63000"/>
+              </a:srgbClr>
+            </a:outerShdw>
+          </a:effectLst>
+        </a:effectStyle>
+      </a:effectStyleLst>
+      <a:bgFillStyleLst>
+        <a:solidFill>
+          <a:schemeClr val="phClr"/>
+        </a:solidFill>
+        <a:solidFill>
+          <a:schemeClr val="phClr">
+            <a:tint val="95000"/>
+            <a:satMod val="170000"/>
+          </a:schemeClr>
+        </a:solidFill>
+        <a:gradFill rotWithShape="1">
+          <a:gsLst>
+            <a:gs pos="0">
+              <a:schemeClr val="phClr">
+                <a:tint val="93000"/>
+                <a:satMod val="150000"/>
+                <a:shade val="98000"/>
+                <a:lumMod val="102000"/>
+              </a:schemeClr>
+            </a:gs>
+            <a:gs pos="50000">
+              <a:schemeClr val="phClr">
+                <a:tint val="98000"/>
+                <a:satMod val="130000"/>
+                <a:shade val="90000"/>
+                <a:lumMod val="103000"/>
+              </a:schemeClr>
+            </a:gs>
+            <a:gs pos="100000">
+              <a:schemeClr val="phClr">
+                <a:shade val="63000"/>
+                <a:satMod val="120000"/>
+              </a:schemeClr>
+            </a:gs>
+          </a:gsLst>
+          <a:lin ang="5400000" scaled="0"/>
+        </a:gradFill>
+      </a:bgFillStyleLst>
+    </a:fmtScheme>
+  </a:themeElements>
+  <a:objectDefaults/>
+  <a:extraClrSchemeLst/>
+  <a:extLst>
+    <a:ext uri="{05A4C25C-085E-4340-85A3-A5531E510DB2}">
+      <thm15:themeFamily xmlns:thm15="http://schemas.microsoft.com/office/thememl/2012/main" name="Office Theme" id="{62F939B6-93AF-4DB8-9C6B-D6C7DFDC589F}" vid="{4A3C46E8-61CC-4603-A589-7422A47A8E4A}"/>
+    </a:ext>
+  </a:extLst>
+</a:theme>
+</file>
+
+<file path=ppt/theme/theme2.xml><?xml version="1.0" encoding="utf-8"?>
+<a:theme xmlns:a="http://schemas.openxmlformats.org/drawingml/2006/main" name="Thème Office">
+  <a:themeElements>
+    <a:clrScheme name="Office">
+      <a:dk1>
+        <a:sysClr val="windowText" lastClr="000000"/>
+      </a:dk1>
+      <a:lt1>
+        <a:sysClr val="window" lastClr="FFFFFF"/>
+      </a:lt1>
+      <a:dk2>
+        <a:srgbClr val="44546A"/>
+      </a:dk2>
+      <a:lt2>
+        <a:srgbClr val="E7E6E6"/>
+      </a:lt2>
+      <a:accent1>
+        <a:srgbClr val="4472C4"/>
+      </a:accent1>
+      <a:accent2>
+        <a:srgbClr val="ED7D31"/>
+      </a:accent2>
+      <a:accent3>
+        <a:srgbClr val="A5A5A5"/>
+      </a:accent3>
+      <a:accent4>
+        <a:srgbClr val="FFC000"/>
+      </a:accent4>
+      <a:accent5>
+        <a:srgbClr val="5B9BD5"/>
+      </a:accent5>
+      <a:accent6>
+        <a:srgbClr val="70AD47"/>
+      </a:accent6>
+      <a:hlink>
+        <a:srgbClr val="0563C1"/>
+      </a:hlink>
+      <a:folHlink>
+        <a:srgbClr val="954F72"/>
+      </a:folHlink>
+    </a:clrScheme>
+    <a:fontScheme name="Office">
+      <a:majorFont>
+        <a:latin typeface="Calibri Light" panose="020F0302020204030204"/>
+        <a:ea typeface=""/>
+        <a:cs typeface=""/>
+        <a:font script="Jpan" typeface="游ゴシック Light"/>
+        <a:font script="Hang" typeface="맑은 고딕"/>
+        <a:font script="Hans" typeface="等线 Light"/>
+        <a:font script="Hant" typeface="新細明體"/>
+        <a:font script="Arab" typeface="Times New Roman"/>
+        <a:font script="Hebr" typeface="Times New Roman"/>
+        <a:font script="Thai" typeface="Angsana New"/>
+        <a:font script="Ethi" typeface="Nyala"/>
+        <a:font script="Beng" typeface="Vrinda"/>
+        <a:font script="Gujr" typeface="Shruti"/>
+        <a:font script="Khmr" typeface="MoolBoran"/>
+        <a:font script="Knda" typeface="Tunga"/>
+        <a:font script="Guru" typeface="Raavi"/>
+        <a:font script="Cans" typeface="Euphemia"/>
+        <a:font script="Cher" typeface="Plantagenet Cherokee"/>
+        <a:font script="Yiii" typeface="Microsoft Yi Baiti"/>
+        <a:font script="Tibt" typeface="Microsoft Himalaya"/>
+        <a:font script="Thaa" typeface="MV Boli"/>
+        <a:font script="Deva" typeface="Mangal"/>
+        <a:font script="Telu" typeface="Gautami"/>
+        <a:font script="Taml" typeface="Latha"/>
+        <a:font script="Syrc" typeface="Estrangelo Edessa"/>
+        <a:font script="Orya" typeface="Kalinga"/>
+        <a:font script="Mlym" typeface="Kartika"/>
+        <a:font script="Laoo" typeface="DokChampa"/>
+        <a:font script="Sinh" typeface="Iskoola Pota"/>
+        <a:font script="Mong" typeface="Mongolian Baiti"/>
+        <a:font script="Viet" typeface="Times New Roman"/>
+        <a:font script="Uigh" typeface="Microsoft Uighur"/>
+        <a:font script="Geor" typeface="Sylfaen"/>
+        <a:font script="Armn" typeface="Arial"/>
+        <a:font script="Bugi" typeface="Leelawadee UI"/>
+        <a:font script="Bopo" typeface="Microsoft JhengHei"/>
+        <a:font script="Java" typeface="Javanese Text"/>
+        <a:font script="Lisu" typeface="Segoe UI"/>
+        <a:font script="Mymr" typeface="Myanmar Text"/>
+        <a:font script="Nkoo" typeface="Ebrima"/>
+        <a:font script="Olck" typeface="Nirmala UI"/>
+        <a:font script="Osma" typeface="Ebrima"/>
+        <a:font script="Phag" typeface="Phagspa"/>
+        <a:font script="Syrn" typeface="Estrangelo Edessa"/>
+        <a:font script="Syrj" typeface="Estrangelo Edessa"/>
+        <a:font script="Syre" typeface="Estrangelo Edessa"/>
+        <a:font script="Sora" typeface="Nirmala UI"/>
+        <a:font script="Tale" typeface="Microsoft Tai Le"/>
+        <a:font script="Talu" typeface="Microsoft New Tai Lue"/>
+        <a:font script="Tfng" typeface="Ebrima"/>
+      </a:majorFont>
+      <a:minorFont>
+        <a:latin typeface="Calibri" panose="020F0502020204030204"/>
+        <a:ea typeface=""/>
+        <a:cs typeface=""/>
+        <a:font script="Jpan" typeface="游ゴシック"/>
+        <a:font script="Hang" typeface="맑은 고딕"/>
+        <a:font script="Hans" typeface="等线"/>
+        <a:font script="Hant" typeface="新細明體"/>
+        <a:font script="Arab" typeface="Arial"/>
+        <a:font script="Hebr" typeface="Arial"/>
+        <a:font script="Thai" typeface="Cordia New"/>
+        <a:font script="Ethi" typeface="Nyala"/>
+        <a:font script="Beng" typeface="Vrinda"/>
+        <a:font script="Gujr" typeface="Shruti"/>
+        <a:font script="Khmr" typeface="DaunPenh"/>
+        <a:font script="Knda" typeface="Tunga"/>
+        <a:font script="Guru" typeface="Raavi"/>
+        <a:font script="Cans" typeface="Euphemia"/>
+        <a:font script="Cher" typeface="Plantagenet Cherokee"/>
+        <a:font script="Yiii" typeface="Microsoft Yi Baiti"/>
+        <a:font script="Tibt" typeface="Microsoft Himalaya"/>
+        <a:font script="Thaa" typeface="MV Boli"/>
+        <a:font script="Deva" typeface="Mangal"/>
+        <a:font script="Telu" typeface="Gautami"/>
+        <a:font script="Taml" typeface="Latha"/>
+        <a:font script="Syrc" typeface="Estrangelo Edessa"/>
+        <a:font script="Orya" typeface="Kalinga"/>
+        <a:font script="Mlym" typeface="Kartika"/>
+        <a:font script="Laoo" typeface="DokChampa"/>
+        <a:font script="Sinh" typeface="Iskoola Pota"/>
+        <a:font script="Mong" typeface="Mongolian Baiti"/>
+        <a:font script="Viet" typeface="Arial"/>
+        <a:font script="Uigh" typeface="Microsoft Uighur"/>
+        <a:font script="Geor" typeface="Sylfaen"/>
+        <a:font script="Armn" typeface="Arial"/>
+        <a:font script="Bugi" typeface="Leelawadee UI"/>
+        <a:font script="Bopo" typeface="Microsoft JhengHei"/>
+        <a:font script="Java" typeface="Javanese Text"/>
+        <a:font script="Lisu" typeface="Segoe UI"/>
+        <a:font script="Mymr" typeface="Myanmar Text"/>
+        <a:font script="Nkoo" typeface="Ebrima"/>
+        <a:font script="Olck" typeface="Nirmala UI"/>
+        <a:font script="Osma" typeface="Ebrima"/>
+        <a:font script="Phag" typeface="Phagspa"/>
+        <a:font script="Syrn" typeface="Estrangelo Edessa"/>
+        <a:font script="Syrj" typeface="Estrangelo Edessa"/>
+        <a:font script="Syre" typeface="Estrangelo Edessa"/>
+        <a:font script="Sora" typeface="Nirmala UI"/>
+        <a:font script="Tale" typeface="Microsoft Tai Le"/>
+        <a:font script="Talu" typeface="Microsoft New Tai Lue"/>
+        <a:font script="Tfng" typeface="Ebrima"/>
       </a:minorFont>
     </a:fontScheme>
     <a:fmtScheme name="Office">

--- a/presentation/What the Symfony.pptx
+++ b/presentation/What the Symfony.pptx
@@ -5,7 +5,7 @@
     <p:sldMasterId id="2147483684" r:id="rId1"/>
   </p:sldMasterIdLst>
   <p:notesMasterIdLst>
-    <p:notesMasterId r:id="rId13"/>
+    <p:notesMasterId r:id="rId14"/>
   </p:notesMasterIdLst>
   <p:sldIdLst>
     <p:sldId id="256" r:id="rId2"/>
@@ -19,6 +19,7 @@
     <p:sldId id="264" r:id="rId10"/>
     <p:sldId id="266" r:id="rId11"/>
     <p:sldId id="267" r:id="rId12"/>
+    <p:sldId id="268" r:id="rId13"/>
   </p:sldIdLst>
   <p:sldSz cx="12192000" cy="6858000"/>
   <p:notesSz cx="6858000" cy="9144000"/>
@@ -663,13 +664,13 @@
   <p:clrMapOvr>
     <a:masterClrMapping/>
   </p:clrMapOvr>
-  <mc:AlternateContent xmlns:mc="http://schemas.openxmlformats.org/markup-compatibility/2006">
-    <mc:Choice xmlns:p14="http://schemas.microsoft.com/office/powerpoint/2010/main" Requires="p14">
+  <mc:AlternateContent xmlns:mc="http://schemas.openxmlformats.org/markup-compatibility/2006" xmlns:p14="http://schemas.microsoft.com/office/powerpoint/2010/main">
+    <mc:Choice Requires="p14">
       <p:transition spd="slow" p14:dur="1500">
         <p:split orient="vert"/>
       </p:transition>
     </mc:Choice>
-    <mc:Fallback>
+    <mc:Fallback xmlns="">
       <p:transition spd="slow">
         <p:split orient="vert"/>
       </p:transition>
@@ -845,13 +846,13 @@
   <p:clrMapOvr>
     <a:masterClrMapping/>
   </p:clrMapOvr>
-  <mc:AlternateContent xmlns:mc="http://schemas.openxmlformats.org/markup-compatibility/2006">
-    <mc:Choice xmlns:p14="http://schemas.microsoft.com/office/powerpoint/2010/main" Requires="p14">
+  <mc:AlternateContent xmlns:mc="http://schemas.openxmlformats.org/markup-compatibility/2006" xmlns:p14="http://schemas.microsoft.com/office/powerpoint/2010/main">
+    <mc:Choice Requires="p14">
       <p:transition spd="slow" p14:dur="1500">
         <p:split orient="vert"/>
       </p:transition>
     </mc:Choice>
-    <mc:Fallback>
+    <mc:Fallback xmlns="">
       <p:transition spd="slow">
         <p:split orient="vert"/>
       </p:transition>
@@ -1037,13 +1038,13 @@
   <p:clrMapOvr>
     <a:masterClrMapping/>
   </p:clrMapOvr>
-  <mc:AlternateContent xmlns:mc="http://schemas.openxmlformats.org/markup-compatibility/2006">
-    <mc:Choice xmlns:p14="http://schemas.microsoft.com/office/powerpoint/2010/main" Requires="p14">
+  <mc:AlternateContent xmlns:mc="http://schemas.openxmlformats.org/markup-compatibility/2006" xmlns:p14="http://schemas.microsoft.com/office/powerpoint/2010/main">
+    <mc:Choice Requires="p14">
       <p:transition spd="slow" p14:dur="1500">
         <p:split orient="vert"/>
       </p:transition>
     </mc:Choice>
-    <mc:Fallback>
+    <mc:Fallback xmlns="">
       <p:transition spd="slow">
         <p:split orient="vert"/>
       </p:transition>
@@ -1219,13 +1220,13 @@
   <p:clrMapOvr>
     <a:masterClrMapping/>
   </p:clrMapOvr>
-  <mc:AlternateContent xmlns:mc="http://schemas.openxmlformats.org/markup-compatibility/2006">
-    <mc:Choice xmlns:p14="http://schemas.microsoft.com/office/powerpoint/2010/main" Requires="p14">
+  <mc:AlternateContent xmlns:mc="http://schemas.openxmlformats.org/markup-compatibility/2006" xmlns:p14="http://schemas.microsoft.com/office/powerpoint/2010/main">
+    <mc:Choice Requires="p14">
       <p:transition spd="slow" p14:dur="1500">
         <p:split orient="vert"/>
       </p:transition>
     </mc:Choice>
-    <mc:Fallback>
+    <mc:Fallback xmlns="">
       <p:transition spd="slow">
         <p:split orient="vert"/>
       </p:transition>
@@ -1477,13 +1478,13 @@
   <p:clrMapOvr>
     <a:masterClrMapping/>
   </p:clrMapOvr>
-  <mc:AlternateContent xmlns:mc="http://schemas.openxmlformats.org/markup-compatibility/2006">
-    <mc:Choice xmlns:p14="http://schemas.microsoft.com/office/powerpoint/2010/main" Requires="p14">
+  <mc:AlternateContent xmlns:mc="http://schemas.openxmlformats.org/markup-compatibility/2006" xmlns:p14="http://schemas.microsoft.com/office/powerpoint/2010/main">
+    <mc:Choice Requires="p14">
       <p:transition spd="slow" p14:dur="1500">
         <p:split orient="vert"/>
       </p:transition>
     </mc:Choice>
-    <mc:Fallback>
+    <mc:Fallback xmlns="">
       <p:transition spd="slow">
         <p:split orient="vert"/>
       </p:transition>
@@ -1721,13 +1722,13 @@
   <p:clrMapOvr>
     <a:masterClrMapping/>
   </p:clrMapOvr>
-  <mc:AlternateContent xmlns:mc="http://schemas.openxmlformats.org/markup-compatibility/2006">
-    <mc:Choice xmlns:p14="http://schemas.microsoft.com/office/powerpoint/2010/main" Requires="p14">
+  <mc:AlternateContent xmlns:mc="http://schemas.openxmlformats.org/markup-compatibility/2006" xmlns:p14="http://schemas.microsoft.com/office/powerpoint/2010/main">
+    <mc:Choice Requires="p14">
       <p:transition spd="slow" p14:dur="1500">
         <p:split orient="vert"/>
       </p:transition>
     </mc:Choice>
-    <mc:Fallback>
+    <mc:Fallback xmlns="">
       <p:transition spd="slow">
         <p:split orient="vert"/>
       </p:transition>
@@ -2100,13 +2101,13 @@
   <p:clrMapOvr>
     <a:masterClrMapping/>
   </p:clrMapOvr>
-  <mc:AlternateContent xmlns:mc="http://schemas.openxmlformats.org/markup-compatibility/2006">
-    <mc:Choice xmlns:p14="http://schemas.microsoft.com/office/powerpoint/2010/main" Requires="p14">
+  <mc:AlternateContent xmlns:mc="http://schemas.openxmlformats.org/markup-compatibility/2006" xmlns:p14="http://schemas.microsoft.com/office/powerpoint/2010/main">
+    <mc:Choice Requires="p14">
       <p:transition spd="slow" p14:dur="1500">
         <p:split orient="vert"/>
       </p:transition>
     </mc:Choice>
-    <mc:Fallback>
+    <mc:Fallback xmlns="">
       <p:transition spd="slow">
         <p:split orient="vert"/>
       </p:transition>
@@ -2230,13 +2231,13 @@
   <p:clrMapOvr>
     <a:masterClrMapping/>
   </p:clrMapOvr>
-  <mc:AlternateContent xmlns:mc="http://schemas.openxmlformats.org/markup-compatibility/2006">
-    <mc:Choice xmlns:p14="http://schemas.microsoft.com/office/powerpoint/2010/main" Requires="p14">
+  <mc:AlternateContent xmlns:mc="http://schemas.openxmlformats.org/markup-compatibility/2006" xmlns:p14="http://schemas.microsoft.com/office/powerpoint/2010/main">
+    <mc:Choice Requires="p14">
       <p:transition spd="slow" p14:dur="1500">
         <p:split orient="vert"/>
       </p:transition>
     </mc:Choice>
-    <mc:Fallback>
+    <mc:Fallback xmlns="">
       <p:transition spd="slow">
         <p:split orient="vert"/>
       </p:transition>
@@ -2337,13 +2338,13 @@
   <p:clrMapOvr>
     <a:masterClrMapping/>
   </p:clrMapOvr>
-  <mc:AlternateContent xmlns:mc="http://schemas.openxmlformats.org/markup-compatibility/2006">
-    <mc:Choice xmlns:p14="http://schemas.microsoft.com/office/powerpoint/2010/main" Requires="p14">
+  <mc:AlternateContent xmlns:mc="http://schemas.openxmlformats.org/markup-compatibility/2006" xmlns:p14="http://schemas.microsoft.com/office/powerpoint/2010/main">
+    <mc:Choice Requires="p14">
       <p:transition spd="slow" p14:dur="1500">
         <p:split orient="vert"/>
       </p:transition>
     </mc:Choice>
-    <mc:Fallback>
+    <mc:Fallback xmlns="">
       <p:transition spd="slow">
         <p:split orient="vert"/>
       </p:transition>
@@ -2626,13 +2627,13 @@
   <p:clrMapOvr>
     <a:masterClrMapping/>
   </p:clrMapOvr>
-  <mc:AlternateContent xmlns:mc="http://schemas.openxmlformats.org/markup-compatibility/2006">
-    <mc:Choice xmlns:p14="http://schemas.microsoft.com/office/powerpoint/2010/main" Requires="p14">
+  <mc:AlternateContent xmlns:mc="http://schemas.openxmlformats.org/markup-compatibility/2006" xmlns:p14="http://schemas.microsoft.com/office/powerpoint/2010/main">
+    <mc:Choice Requires="p14">
       <p:transition spd="slow" p14:dur="1500">
         <p:split orient="vert"/>
       </p:transition>
     </mc:Choice>
-    <mc:Fallback>
+    <mc:Fallback xmlns="">
       <p:transition spd="slow">
         <p:split orient="vert"/>
       </p:transition>
@@ -2895,13 +2896,13 @@
   <p:clrMapOvr>
     <a:masterClrMapping/>
   </p:clrMapOvr>
-  <mc:AlternateContent xmlns:mc="http://schemas.openxmlformats.org/markup-compatibility/2006">
-    <mc:Choice xmlns:p14="http://schemas.microsoft.com/office/powerpoint/2010/main" Requires="p14">
+  <mc:AlternateContent xmlns:mc="http://schemas.openxmlformats.org/markup-compatibility/2006" xmlns:p14="http://schemas.microsoft.com/office/powerpoint/2010/main">
+    <mc:Choice Requires="p14">
       <p:transition spd="slow" p14:dur="1500">
         <p:split orient="vert"/>
       </p:transition>
     </mc:Choice>
-    <mc:Fallback>
+    <mc:Fallback xmlns="">
       <p:transition spd="slow">
         <p:split orient="vert"/>
       </p:transition>
@@ -3184,13 +3185,13 @@
     <p:sldLayoutId id="2147483694" r:id="rId10"/>
     <p:sldLayoutId id="2147483695" r:id="rId11"/>
   </p:sldLayoutIdLst>
-  <mc:AlternateContent xmlns:mc="http://schemas.openxmlformats.org/markup-compatibility/2006">
-    <mc:Choice xmlns:p14="http://schemas.microsoft.com/office/powerpoint/2010/main" Requires="p14">
+  <mc:AlternateContent xmlns:mc="http://schemas.openxmlformats.org/markup-compatibility/2006" xmlns:p14="http://schemas.microsoft.com/office/powerpoint/2010/main">
+    <mc:Choice Requires="p14">
       <p:transition spd="slow" p14:dur="1500">
         <p:split orient="vert"/>
       </p:transition>
     </mc:Choice>
-    <mc:Fallback>
+    <mc:Fallback xmlns="">
       <p:transition spd="slow">
         <p:split orient="vert"/>
       </p:transition>
@@ -3660,13 +3661,13 @@
   <p:clrMapOvr>
     <a:masterClrMapping/>
   </p:clrMapOvr>
-  <mc:AlternateContent xmlns:mc="http://schemas.openxmlformats.org/markup-compatibility/2006">
-    <mc:Choice xmlns:p14="http://schemas.microsoft.com/office/powerpoint/2010/main" Requires="p14">
+  <mc:AlternateContent xmlns:mc="http://schemas.openxmlformats.org/markup-compatibility/2006" xmlns:p14="http://schemas.microsoft.com/office/powerpoint/2010/main">
+    <mc:Choice Requires="p14">
       <p:transition spd="slow" p14:dur="1500" advTm="6000">
         <p:split orient="vert"/>
       </p:transition>
     </mc:Choice>
-    <mc:Fallback>
+    <mc:Fallback xmlns="">
       <p:transition spd="slow" advTm="6000">
         <p:split orient="vert"/>
       </p:transition>
@@ -3878,7 +3879,11 @@
           <a:p>
             <a:r>
               <a:rPr lang="en-US" dirty="0"/>
-              <a:t>It is recommended to use the Symfony CLI command line interface that you can find on https://symfony.com/download </a:t>
+              <a:t>It is recommended to use the Symfony CLI command line interface that you can find on </a:t>
+            </a:r>
+            <a:r>
+              <a:rPr lang="en-US" b="1" dirty="0"/>
+              <a:t>https://symfony.com/download </a:t>
             </a:r>
           </a:p>
           <a:p>
@@ -3892,7 +3897,7 @@
               <a:buNone/>
             </a:pPr>
             <a:r>
-              <a:rPr lang="fr-FR" dirty="0"/>
+              <a:rPr lang="fr-FR" i="1" dirty="0"/>
               <a:t>symfony   -- version</a:t>
             </a:r>
           </a:p>
@@ -3916,7 +3921,7 @@
               <a:buNone/>
             </a:pPr>
             <a:r>
-              <a:rPr lang="nn-NO" dirty="0"/>
+              <a:rPr lang="nn-NO" i="1" dirty="0"/>
               <a:t>Symfony CLI version 5.4.16 (c) 2017-2022 Symfony SAS</a:t>
             </a:r>
           </a:p>
@@ -3966,7 +3971,7 @@
         </p:blipFill>
         <p:spPr>
           <a:xfrm>
-            <a:off x="4127351" y="1064962"/>
+            <a:off x="375483" y="169416"/>
             <a:ext cx="696558" cy="609489"/>
           </a:xfrm>
           <a:prstGeom prst="rect">
@@ -3984,13 +3989,13 @@
   <p:clrMapOvr>
     <a:masterClrMapping/>
   </p:clrMapOvr>
-  <mc:AlternateContent xmlns:mc="http://schemas.openxmlformats.org/markup-compatibility/2006">
-    <mc:Choice xmlns:p14="http://schemas.microsoft.com/office/powerpoint/2010/main" Requires="p14">
+  <mc:AlternateContent xmlns:mc="http://schemas.openxmlformats.org/markup-compatibility/2006" xmlns:p14="http://schemas.microsoft.com/office/powerpoint/2010/main">
+    <mc:Choice Requires="p14">
       <p:transition spd="slow" p14:dur="1500">
         <p:split orient="vert"/>
       </p:transition>
     </mc:Choice>
-    <mc:Fallback>
+    <mc:Fallback xmlns="">
       <p:transition spd="slow">
         <p:split orient="vert"/>
       </p:transition>
@@ -4192,13 +4197,260 @@
   <p:clrMapOvr>
     <a:masterClrMapping/>
   </p:clrMapOvr>
-  <mc:AlternateContent xmlns:mc="http://schemas.openxmlformats.org/markup-compatibility/2006">
-    <mc:Choice xmlns:p14="http://schemas.microsoft.com/office/powerpoint/2010/main" Requires="p14">
+  <mc:AlternateContent xmlns:mc="http://schemas.openxmlformats.org/markup-compatibility/2006" xmlns:p14="http://schemas.microsoft.com/office/powerpoint/2010/main">
+    <mc:Choice Requires="p14">
       <p:transition spd="slow" p14:dur="1500">
         <p:split orient="vert"/>
       </p:transition>
     </mc:Choice>
-    <mc:Fallback>
+    <mc:Fallback xmlns="">
+      <p:transition spd="slow">
+        <p:split orient="vert"/>
+      </p:transition>
+    </mc:Fallback>
+  </mc:AlternateContent>
+</p:sld>
+</file>
+
+<file path=ppt/slides/slide12.xml><?xml version="1.0" encoding="utf-8"?>
+<p:sld xmlns:a="http://schemas.openxmlformats.org/drawingml/2006/main" xmlns:r="http://schemas.openxmlformats.org/officeDocument/2006/relationships" xmlns:p="http://schemas.openxmlformats.org/presentationml/2006/main">
+  <p:cSld>
+    <p:spTree>
+      <p:nvGrpSpPr>
+        <p:cNvPr id="1" name=""/>
+        <p:cNvGrpSpPr/>
+        <p:nvPr/>
+      </p:nvGrpSpPr>
+      <p:grpSpPr>
+        <a:xfrm>
+          <a:off x="0" y="0"/>
+          <a:ext cx="0" cy="0"/>
+          <a:chOff x="0" y="0"/>
+          <a:chExt cx="0" cy="0"/>
+        </a:xfrm>
+      </p:grpSpPr>
+      <p:sp>
+        <p:nvSpPr>
+          <p:cNvPr id="2" name="Titre 1">
+            <a:extLst>
+              <a:ext uri="{FF2B5EF4-FFF2-40B4-BE49-F238E27FC236}">
+                <a16:creationId xmlns:a16="http://schemas.microsoft.com/office/drawing/2014/main" id="{493782A4-B906-F976-4F34-696F8CCDE3BD}"/>
+              </a:ext>
+            </a:extLst>
+          </p:cNvPr>
+          <p:cNvSpPr>
+            <a:spLocks noGrp="1"/>
+          </p:cNvSpPr>
+          <p:nvPr>
+            <p:ph type="title"/>
+          </p:nvPr>
+        </p:nvSpPr>
+        <p:spPr/>
+        <p:txBody>
+          <a:bodyPr/>
+          <a:lstStyle/>
+          <a:p>
+            <a:pPr algn="ctr"/>
+            <a:r>
+              <a:rPr lang="en-US" dirty="0"/>
+              <a:t>There's nothing like a picture</a:t>
+            </a:r>
+            <a:endParaRPr lang="fr-FR" dirty="0"/>
+          </a:p>
+        </p:txBody>
+      </p:sp>
+      <p:sp>
+        <p:nvSpPr>
+          <p:cNvPr id="3" name="Espace réservé du texte 2">
+            <a:extLst>
+              <a:ext uri="{FF2B5EF4-FFF2-40B4-BE49-F238E27FC236}">
+                <a16:creationId xmlns:a16="http://schemas.microsoft.com/office/drawing/2014/main" id="{6A734C3A-0117-05A8-A4BE-753DF09DB6DF}"/>
+              </a:ext>
+            </a:extLst>
+          </p:cNvPr>
+          <p:cNvSpPr>
+            <a:spLocks noGrp="1"/>
+          </p:cNvSpPr>
+          <p:nvPr>
+            <p:ph type="body" idx="1"/>
+          </p:nvPr>
+        </p:nvSpPr>
+        <p:spPr>
+          <a:xfrm>
+            <a:off x="839788" y="1681163"/>
+            <a:ext cx="5157787" cy="590697"/>
+          </a:xfrm>
+        </p:spPr>
+        <p:txBody>
+          <a:bodyPr/>
+          <a:lstStyle/>
+          <a:p>
+            <a:pPr algn="ctr"/>
+            <a:r>
+              <a:rPr lang="fr-FR" dirty="0"/>
+              <a:t>Access to git</a:t>
+            </a:r>
+          </a:p>
+        </p:txBody>
+      </p:sp>
+      <p:pic>
+        <p:nvPicPr>
+          <p:cNvPr id="8" name="Espace réservé du contenu 7">
+            <a:extLst>
+              <a:ext uri="{FF2B5EF4-FFF2-40B4-BE49-F238E27FC236}">
+                <a16:creationId xmlns:a16="http://schemas.microsoft.com/office/drawing/2014/main" id="{B5FF9CA8-66F9-D097-35F1-4A72DCD33D2B}"/>
+              </a:ext>
+            </a:extLst>
+          </p:cNvPr>
+          <p:cNvPicPr>
+            <a:picLocks noGrp="1" noChangeAspect="1"/>
+          </p:cNvPicPr>
+          <p:nvPr>
+            <p:ph sz="half" idx="2"/>
+          </p:nvPr>
+        </p:nvPicPr>
+        <p:blipFill>
+          <a:blip r:embed="rId2">
+            <a:extLst>
+              <a:ext uri="{28A0092B-C50C-407E-A947-70E740481C1C}">
+                <a14:useLocalDpi xmlns:a14="http://schemas.microsoft.com/office/drawing/2010/main" val="0"/>
+              </a:ext>
+            </a:extLst>
+          </a:blip>
+          <a:stretch>
+            <a:fillRect/>
+          </a:stretch>
+        </p:blipFill>
+        <p:spPr>
+          <a:xfrm>
+            <a:off x="1833025" y="2922309"/>
+            <a:ext cx="2812200" cy="3267354"/>
+          </a:xfrm>
+        </p:spPr>
+      </p:pic>
+      <p:sp>
+        <p:nvSpPr>
+          <p:cNvPr id="5" name="Espace réservé du texte 4">
+            <a:extLst>
+              <a:ext uri="{FF2B5EF4-FFF2-40B4-BE49-F238E27FC236}">
+                <a16:creationId xmlns:a16="http://schemas.microsoft.com/office/drawing/2014/main" id="{A649D904-C416-0761-DD29-BB65F93C18D3}"/>
+              </a:ext>
+            </a:extLst>
+          </p:cNvPr>
+          <p:cNvSpPr>
+            <a:spLocks noGrp="1"/>
+          </p:cNvSpPr>
+          <p:nvPr>
+            <p:ph type="body" sz="quarter" idx="3"/>
+          </p:nvPr>
+        </p:nvSpPr>
+        <p:spPr>
+          <a:xfrm>
+            <a:off x="6172200" y="1681163"/>
+            <a:ext cx="5183188" cy="528246"/>
+          </a:xfrm>
+        </p:spPr>
+        <p:txBody>
+          <a:bodyPr/>
+          <a:lstStyle/>
+          <a:p>
+            <a:pPr algn="ctr"/>
+            <a:r>
+              <a:rPr lang="fr-FR" dirty="0" err="1"/>
+              <a:t>install</a:t>
+            </a:r>
+            <a:endParaRPr lang="fr-FR" dirty="0"/>
+          </a:p>
+        </p:txBody>
+      </p:sp>
+      <p:pic>
+        <p:nvPicPr>
+          <p:cNvPr id="12" name="Espace réservé du contenu 11">
+            <a:extLst>
+              <a:ext uri="{FF2B5EF4-FFF2-40B4-BE49-F238E27FC236}">
+                <a16:creationId xmlns:a16="http://schemas.microsoft.com/office/drawing/2014/main" id="{6F679687-03F7-35FA-3829-1FF5C497CF04}"/>
+              </a:ext>
+            </a:extLst>
+          </p:cNvPr>
+          <p:cNvPicPr>
+            <a:picLocks noGrp="1" noChangeAspect="1"/>
+          </p:cNvPicPr>
+          <p:nvPr>
+            <p:ph sz="quarter" idx="4"/>
+          </p:nvPr>
+        </p:nvPicPr>
+        <p:blipFill>
+          <a:blip r:embed="rId3">
+            <a:extLst>
+              <a:ext uri="{28A0092B-C50C-407E-A947-70E740481C1C}">
+                <a14:useLocalDpi xmlns:a14="http://schemas.microsoft.com/office/drawing/2010/main" val="0"/>
+              </a:ext>
+            </a:extLst>
+          </a:blip>
+          <a:stretch>
+            <a:fillRect/>
+          </a:stretch>
+        </p:blipFill>
+        <p:spPr>
+          <a:xfrm>
+            <a:off x="6141050" y="2449316"/>
+            <a:ext cx="5538760" cy="1714100"/>
+          </a:xfrm>
+        </p:spPr>
+      </p:pic>
+      <p:pic>
+        <p:nvPicPr>
+          <p:cNvPr id="16" name="Image 15">
+            <a:extLst>
+              <a:ext uri="{FF2B5EF4-FFF2-40B4-BE49-F238E27FC236}">
+                <a16:creationId xmlns:a16="http://schemas.microsoft.com/office/drawing/2014/main" id="{5910EDDA-D137-387B-D033-3716AD1DCBBF}"/>
+              </a:ext>
+            </a:extLst>
+          </p:cNvPr>
+          <p:cNvPicPr>
+            <a:picLocks noChangeAspect="1"/>
+          </p:cNvPicPr>
+          <p:nvPr/>
+        </p:nvPicPr>
+        <p:blipFill>
+          <a:blip r:embed="rId4">
+            <a:extLst>
+              <a:ext uri="{28A0092B-C50C-407E-A947-70E740481C1C}">
+                <a14:useLocalDpi xmlns:a14="http://schemas.microsoft.com/office/drawing/2010/main" val="0"/>
+              </a:ext>
+            </a:extLst>
+          </a:blip>
+          <a:stretch>
+            <a:fillRect/>
+          </a:stretch>
+        </p:blipFill>
+        <p:spPr>
+          <a:xfrm>
+            <a:off x="6172199" y="4635779"/>
+            <a:ext cx="5388963" cy="1830646"/>
+          </a:xfrm>
+          <a:prstGeom prst="rect">
+            <a:avLst/>
+          </a:prstGeom>
+        </p:spPr>
+      </p:pic>
+    </p:spTree>
+    <p:extLst>
+      <p:ext uri="{BB962C8B-B14F-4D97-AF65-F5344CB8AC3E}">
+        <p14:creationId xmlns:p14="http://schemas.microsoft.com/office/powerpoint/2010/main" val="3764375203"/>
+      </p:ext>
+    </p:extLst>
+  </p:cSld>
+  <p:clrMapOvr>
+    <a:masterClrMapping/>
+  </p:clrMapOvr>
+  <mc:AlternateContent xmlns:mc="http://schemas.openxmlformats.org/markup-compatibility/2006" xmlns:p14="http://schemas.microsoft.com/office/powerpoint/2010/main">
+    <mc:Choice Requires="p14">
+      <p:transition spd="slow" p14:dur="1500">
+        <p:split orient="vert"/>
+      </p:transition>
+    </mc:Choice>
+    <mc:Fallback xmlns="">
       <p:transition spd="slow">
         <p:split orient="vert"/>
       </p:transition>
@@ -4355,13 +4607,13 @@
   <p:clrMapOvr>
     <a:masterClrMapping/>
   </p:clrMapOvr>
-  <mc:AlternateContent xmlns:mc="http://schemas.openxmlformats.org/markup-compatibility/2006">
-    <mc:Choice xmlns:p14="http://schemas.microsoft.com/office/powerpoint/2010/main" Requires="p14">
+  <mc:AlternateContent xmlns:mc="http://schemas.openxmlformats.org/markup-compatibility/2006" xmlns:p14="http://schemas.microsoft.com/office/powerpoint/2010/main">
+    <mc:Choice Requires="p14">
       <p:transition spd="slow" p14:dur="1500">
         <p:split orient="vert"/>
       </p:transition>
     </mc:Choice>
-    <mc:Fallback>
+    <mc:Fallback xmlns="">
       <p:transition spd="slow">
         <p:split orient="vert"/>
       </p:transition>
@@ -4694,13 +4946,13 @@
   <p:clrMapOvr>
     <a:masterClrMapping/>
   </p:clrMapOvr>
-  <mc:AlternateContent xmlns:mc="http://schemas.openxmlformats.org/markup-compatibility/2006">
-    <mc:Choice xmlns:p14="http://schemas.microsoft.com/office/powerpoint/2010/main" Requires="p14">
+  <mc:AlternateContent xmlns:mc="http://schemas.openxmlformats.org/markup-compatibility/2006" xmlns:p14="http://schemas.microsoft.com/office/powerpoint/2010/main">
+    <mc:Choice Requires="p14">
       <p:transition spd="slow" p14:dur="1500">
         <p:split orient="vert"/>
       </p:transition>
     </mc:Choice>
-    <mc:Fallback>
+    <mc:Fallback xmlns="">
       <p:transition spd="slow">
         <p:split orient="vert"/>
       </p:transition>
@@ -4973,13 +5225,13 @@
   <p:clrMapOvr>
     <a:masterClrMapping/>
   </p:clrMapOvr>
-  <mc:AlternateContent xmlns:mc="http://schemas.openxmlformats.org/markup-compatibility/2006">
-    <mc:Choice xmlns:p14="http://schemas.microsoft.com/office/powerpoint/2010/main" Requires="p14">
+  <mc:AlternateContent xmlns:mc="http://schemas.openxmlformats.org/markup-compatibility/2006" xmlns:p14="http://schemas.microsoft.com/office/powerpoint/2010/main">
+    <mc:Choice Requires="p14">
       <p:transition spd="slow" p14:dur="1500">
         <p:split orient="vert"/>
       </p:transition>
     </mc:Choice>
-    <mc:Fallback>
+    <mc:Fallback xmlns="">
       <p:transition spd="slow">
         <p:split orient="vert"/>
       </p:transition>
@@ -5324,13 +5576,13 @@
   <p:clrMapOvr>
     <a:masterClrMapping/>
   </p:clrMapOvr>
-  <mc:AlternateContent xmlns:mc="http://schemas.openxmlformats.org/markup-compatibility/2006">
-    <mc:Choice xmlns:p14="http://schemas.microsoft.com/office/powerpoint/2010/main" Requires="p14">
+  <mc:AlternateContent xmlns:mc="http://schemas.openxmlformats.org/markup-compatibility/2006" xmlns:p14="http://schemas.microsoft.com/office/powerpoint/2010/main">
+    <mc:Choice Requires="p14">
       <p:transition spd="slow" p14:dur="1500">
         <p:split orient="vert"/>
       </p:transition>
     </mc:Choice>
-    <mc:Fallback>
+    <mc:Fallback xmlns="">
       <p:transition spd="slow">
         <p:split orient="vert"/>
       </p:transition>
@@ -5736,13 +5988,13 @@
   <p:clrMapOvr>
     <a:masterClrMapping/>
   </p:clrMapOvr>
-  <mc:AlternateContent xmlns:mc="http://schemas.openxmlformats.org/markup-compatibility/2006">
-    <mc:Choice xmlns:p14="http://schemas.microsoft.com/office/powerpoint/2010/main" Requires="p14">
+  <mc:AlternateContent xmlns:mc="http://schemas.openxmlformats.org/markup-compatibility/2006" xmlns:p14="http://schemas.microsoft.com/office/powerpoint/2010/main">
+    <mc:Choice Requires="p14">
       <p:transition spd="slow" p14:dur="1500">
         <p:split orient="vert"/>
       </p:transition>
     </mc:Choice>
-    <mc:Fallback>
+    <mc:Fallback xmlns="">
       <p:transition spd="slow">
         <p:split orient="vert"/>
       </p:transition>
@@ -5899,13 +6151,13 @@
   <p:clrMapOvr>
     <a:masterClrMapping/>
   </p:clrMapOvr>
-  <mc:AlternateContent xmlns:mc="http://schemas.openxmlformats.org/markup-compatibility/2006">
-    <mc:Choice xmlns:p14="http://schemas.microsoft.com/office/powerpoint/2010/main" Requires="p14">
+  <mc:AlternateContent xmlns:mc="http://schemas.openxmlformats.org/markup-compatibility/2006" xmlns:p14="http://schemas.microsoft.com/office/powerpoint/2010/main">
+    <mc:Choice Requires="p14">
       <p:transition spd="slow" p14:dur="1500">
         <p:split orient="vert"/>
       </p:transition>
     </mc:Choice>
-    <mc:Fallback>
+    <mc:Fallback xmlns="">
       <p:transition spd="slow">
         <p:split orient="vert"/>
       </p:transition>
@@ -5949,26 +6201,21 @@
         </p:nvSpPr>
         <p:spPr>
           <a:xfrm>
-            <a:off x="3709821" y="993934"/>
-            <a:ext cx="5228889" cy="994172"/>
+            <a:off x="3110845" y="993934"/>
+            <a:ext cx="6551629" cy="994172"/>
           </a:xfrm>
         </p:spPr>
         <p:txBody>
           <a:bodyPr>
-            <a:normAutofit fontScale="90000"/>
+            <a:normAutofit/>
           </a:bodyPr>
           <a:lstStyle/>
           <a:p>
             <a:pPr algn="ctr"/>
             <a:r>
               <a:rPr lang="fr-FR" dirty="0"/>
-              <a:t>Installation of </a:t>
-            </a:r>
-            <a:r>
-              <a:rPr lang="fr-FR" dirty="0" err="1"/>
-              <a:t>composers</a:t>
-            </a:r>
-            <a:endParaRPr lang="fr-FR" dirty="0"/>
+              <a:t>Installation of « composer »</a:t>
+            </a:r>
           </a:p>
         </p:txBody>
       </p:sp>
@@ -6090,13 +6337,13 @@
   <p:clrMapOvr>
     <a:masterClrMapping/>
   </p:clrMapOvr>
-  <mc:AlternateContent xmlns:mc="http://schemas.openxmlformats.org/markup-compatibility/2006">
-    <mc:Choice xmlns:p14="http://schemas.microsoft.com/office/powerpoint/2010/main" Requires="p14">
+  <mc:AlternateContent xmlns:mc="http://schemas.openxmlformats.org/markup-compatibility/2006" xmlns:p14="http://schemas.microsoft.com/office/powerpoint/2010/main">
+    <mc:Choice Requires="p14">
       <p:transition spd="slow" p14:dur="1500">
         <p:split orient="vert"/>
       </p:transition>
     </mc:Choice>
-    <mc:Fallback>
+    <mc:Fallback xmlns="">
       <p:transition spd="slow">
         <p:split orient="vert"/>
       </p:transition>
@@ -6262,7 +6509,7 @@
           <a:p>
             <a:r>
               <a:rPr lang="en-US" dirty="0"/>
-              <a:t>Scoop is a CLI for Windows (command-line installer)</a:t>
+              <a:t>Scoop is a CLI (command-line installer)for Windows. </a:t>
             </a:r>
           </a:p>
           <a:p>
@@ -6280,30 +6527,34 @@
           <a:p>
             <a:r>
               <a:rPr lang="en-US" dirty="0"/>
-              <a:t>1: Set-</a:t>
-            </a:r>
-            <a:r>
-              <a:rPr lang="en-US" dirty="0" err="1"/>
+              <a:t>1: </a:t>
+            </a:r>
+            <a:r>
+              <a:rPr lang="en-US" sz="2400" i="1" dirty="0"/>
+              <a:t>Set-</a:t>
+            </a:r>
+            <a:r>
+              <a:rPr lang="en-US" sz="2400" i="1" dirty="0" err="1"/>
               <a:t>ExecutionPolicy</a:t>
             </a:r>
             <a:r>
-              <a:rPr lang="en-US" dirty="0"/>
+              <a:rPr lang="en-US" sz="2400" i="1" dirty="0"/>
               <a:t> </a:t>
             </a:r>
             <a:r>
-              <a:rPr lang="en-US" dirty="0" err="1"/>
+              <a:rPr lang="en-US" sz="2400" i="1" dirty="0" err="1"/>
               <a:t>RemoteSigned</a:t>
             </a:r>
             <a:r>
-              <a:rPr lang="en-US" dirty="0"/>
+              <a:rPr lang="en-US" sz="2400" i="1" dirty="0"/>
               <a:t> -Scope </a:t>
             </a:r>
             <a:r>
-              <a:rPr lang="en-US" dirty="0" err="1"/>
+              <a:rPr lang="en-US" sz="2400" i="1" dirty="0" err="1"/>
               <a:t>CurrentUser</a:t>
             </a:r>
             <a:r>
-              <a:rPr lang="en-US" dirty="0"/>
+              <a:rPr lang="en-US" sz="2400" i="1" dirty="0"/>
               <a:t> (on first use)</a:t>
             </a:r>
           </a:p>
@@ -6313,18 +6564,18 @@
               <a:t>2: </a:t>
             </a:r>
             <a:r>
-              <a:rPr lang="en-US" dirty="0" err="1"/>
+              <a:rPr lang="en-US" sz="2400" i="1" dirty="0" err="1"/>
               <a:t>irm</a:t>
             </a:r>
             <a:r>
+              <a:rPr lang="en-US" sz="2400" i="1" dirty="0"/>
+              <a:t> get.scoop.sh</a:t>
+            </a:r>
+          </a:p>
+          <a:p>
+            <a:r>
               <a:rPr lang="en-US" dirty="0"/>
-              <a:t> get.scoop.sh</a:t>
-            </a:r>
-          </a:p>
-          <a:p>
-            <a:r>
-              <a:rPr lang="en-US" dirty="0"/>
-              <a:t>Here is Scoop installed on your machine</a:t>
+              <a:t>Now Scoop is installed on your machine</a:t>
             </a:r>
             <a:endParaRPr lang="fr-FR" dirty="0"/>
           </a:p>
@@ -6358,7 +6609,7 @@
         </p:blipFill>
         <p:spPr>
           <a:xfrm>
-            <a:off x="3715871" y="1191500"/>
+            <a:off x="359929" y="220539"/>
             <a:ext cx="696558" cy="609489"/>
           </a:xfrm>
           <a:prstGeom prst="rect">
@@ -6376,13 +6627,13 @@
   <p:clrMapOvr>
     <a:masterClrMapping/>
   </p:clrMapOvr>
-  <mc:AlternateContent xmlns:mc="http://schemas.openxmlformats.org/markup-compatibility/2006">
-    <mc:Choice xmlns:p14="http://schemas.microsoft.com/office/powerpoint/2010/main" Requires="p14">
+  <mc:AlternateContent xmlns:mc="http://schemas.openxmlformats.org/markup-compatibility/2006" xmlns:p14="http://schemas.microsoft.com/office/powerpoint/2010/main">
+    <mc:Choice Requires="p14">
       <p:transition spd="slow" p14:dur="1500">
         <p:split orient="vert"/>
       </p:transition>
     </mc:Choice>
-    <mc:Fallback>
+    <mc:Fallback xmlns="">
       <p:transition spd="slow">
         <p:split orient="vert"/>
       </p:transition>
